--- a/learning note/CSAPP-ppt/13-linking.pptx
+++ b/learning note/CSAPP-ppt/13-linking.pptx
@@ -64,7 +64,7 @@
   <p:sldSz cx="9144000" cy="6858000" type="screen4x3"/>
   <p:notesSz cx="7302500" cy="9586913"/>
   <p:custDataLst>
-    <p:tags r:id="rId54"/>
+    <p:tags r:id="rId53"/>
   </p:custDataLst>
   <p:defaultTextStyle>
     <a:defPPr>
@@ -191,6 +191,25 @@
       </a:defRPr>
     </a:lvl9pPr>
   </p:defaultTextStyle>
+  <p:extLst>
+    <p:ext uri="{EFAFB233-063F-42B5-8137-9DF3F51BA10A}">
+      <p15:sldGuideLst xmlns:p15="http://schemas.microsoft.com/office/powerpoint/2012/main">
+        <p15:guide id="1" orient="horz" pos="2160">
+          <p15:clr>
+            <a:srgbClr val="A4A3A4"/>
+          </p15:clr>
+        </p15:guide>
+        <p15:guide id="2" pos="2880">
+          <p15:clr>
+            <a:srgbClr val="A4A3A4"/>
+          </p15:clr>
+        </p15:guide>
+      </p15:sldGuideLst>
+    </p:ext>
+    <p:ext uri="{2D200454-40CA-4A62-9FC3-DE9A4176ACB9}">
+      <p15:notesGuideLst xmlns:p15="http://schemas.microsoft.com/office/powerpoint/2012/main"/>
+    </p:ext>
+  </p:extLst>
 </p:presentation>
 </file>
 
@@ -623,35 +642,35 @@
           <a:p>
             <a:pPr lvl="0"/>
             <a:r>
-              <a:rPr lang="en-US" noProof="0" smtClean="0"/>
+              <a:rPr lang="en-US" noProof="0"/>
               <a:t>Click to edit Master text styles</a:t>
             </a:r>
           </a:p>
           <a:p>
             <a:pPr lvl="1"/>
             <a:r>
-              <a:rPr lang="en-US" noProof="0" smtClean="0"/>
+              <a:rPr lang="en-US" noProof="0"/>
               <a:t>Second level</a:t>
             </a:r>
           </a:p>
           <a:p>
             <a:pPr lvl="2"/>
             <a:r>
-              <a:rPr lang="en-US" noProof="0" smtClean="0"/>
+              <a:rPr lang="en-US" noProof="0"/>
               <a:t>Third level</a:t>
             </a:r>
           </a:p>
           <a:p>
             <a:pPr lvl="3"/>
             <a:r>
-              <a:rPr lang="en-US" noProof="0" smtClean="0"/>
+              <a:rPr lang="en-US" noProof="0"/>
               <a:t>Fourth level</a:t>
             </a:r>
           </a:p>
           <a:p>
             <a:pPr lvl="4"/>
             <a:r>
-              <a:rPr lang="en-US" noProof="0" smtClean="0"/>
+              <a:rPr lang="en-US" noProof="0"/>
               <a:t>Fifth level</a:t>
             </a:r>
           </a:p>
@@ -942,7 +961,7 @@
           <a:bodyPr/>
           <a:lstStyle/>
           <a:p>
-            <a:endParaRPr lang="en-US" smtClean="0"/>
+            <a:endParaRPr lang="en-US"/>
           </a:p>
         </p:txBody>
       </p:sp>
@@ -3960,10 +3979,9 @@
           </a:lstStyle>
           <a:p>
             <a:r>
-              <a:rPr lang="en-US" dirty="0" smtClean="0"/>
+              <a:rPr lang="en-US" dirty="0"/>
               <a:t>Click to edit Master title style</a:t>
             </a:r>
-            <a:endParaRPr lang="en-US" dirty="0"/>
           </a:p>
         </p:txBody>
       </p:sp>
@@ -4027,10 +4045,9 @@
           </a:lstStyle>
           <a:p>
             <a:r>
-              <a:rPr lang="en-US" dirty="0" smtClean="0"/>
+              <a:rPr lang="en-US" dirty="0"/>
               <a:t>Click to edit Master subtitle style</a:t>
             </a:r>
-            <a:endParaRPr lang="en-US" dirty="0"/>
           </a:p>
         </p:txBody>
       </p:sp>
@@ -4039,13 +4056,6 @@
   <p:clrMapOvr>
     <a:masterClrMapping/>
   </p:clrMapOvr>
-  <p:timing>
-    <p:tnLst>
-      <p:par>
-        <p:cTn xmlns:p14="http://schemas.microsoft.com/office/powerpoint/2010/main" id="1" dur="indefinite" restart="never" nodeType="tmRoot"/>
-      </p:par>
-    </p:tnLst>
-  </p:timing>
 </p:sldLayout>
 </file>
 
@@ -4088,10 +4098,9 @@
           </a:lstStyle>
           <a:p>
             <a:r>
-              <a:rPr lang="en-US" dirty="0" smtClean="0"/>
+              <a:rPr lang="en-US" dirty="0"/>
               <a:t>Click to edit Master title style</a:t>
             </a:r>
-            <a:endParaRPr lang="en-US" dirty="0"/>
           </a:p>
         </p:txBody>
       </p:sp>
@@ -4138,38 +4147,37 @@
           <a:p>
             <a:pPr lvl="0"/>
             <a:r>
-              <a:rPr lang="en-US" dirty="0" smtClean="0"/>
+              <a:rPr lang="en-US" dirty="0"/>
               <a:t>Click to edit Master text styles</a:t>
             </a:r>
           </a:p>
           <a:p>
             <a:pPr lvl="1"/>
             <a:r>
-              <a:rPr lang="en-US" dirty="0" smtClean="0"/>
+              <a:rPr lang="en-US" dirty="0"/>
               <a:t>Second level</a:t>
             </a:r>
           </a:p>
           <a:p>
             <a:pPr lvl="2"/>
             <a:r>
-              <a:rPr lang="en-US" dirty="0" smtClean="0"/>
+              <a:rPr lang="en-US" dirty="0"/>
               <a:t>Third level</a:t>
             </a:r>
           </a:p>
           <a:p>
             <a:pPr lvl="3"/>
             <a:r>
-              <a:rPr lang="en-US" dirty="0" smtClean="0"/>
+              <a:rPr lang="en-US" dirty="0"/>
               <a:t>Fourth level</a:t>
             </a:r>
           </a:p>
           <a:p>
             <a:pPr lvl="4"/>
             <a:r>
-              <a:rPr lang="en-US" dirty="0" smtClean="0"/>
+              <a:rPr lang="en-US" dirty="0"/>
               <a:t>Fifth level</a:t>
             </a:r>
-            <a:endParaRPr lang="en-US" dirty="0"/>
           </a:p>
         </p:txBody>
       </p:sp>
@@ -4225,10 +4233,9 @@
           </a:lstStyle>
           <a:p>
             <a:r>
-              <a:rPr lang="en-US" dirty="0" smtClean="0"/>
+              <a:rPr lang="en-US" dirty="0"/>
               <a:t>Click to edit Master title style</a:t>
             </a:r>
-            <a:endParaRPr lang="en-US" dirty="0"/>
           </a:p>
         </p:txBody>
       </p:sp>
@@ -4280,38 +4287,37 @@
           <a:p>
             <a:pPr lvl="0"/>
             <a:r>
-              <a:rPr lang="en-US" dirty="0" smtClean="0"/>
+              <a:rPr lang="en-US" dirty="0"/>
               <a:t>Click to edit Master text styles</a:t>
             </a:r>
           </a:p>
           <a:p>
             <a:pPr lvl="1"/>
             <a:r>
-              <a:rPr lang="en-US" dirty="0" smtClean="0"/>
+              <a:rPr lang="en-US" dirty="0"/>
               <a:t>Second level</a:t>
             </a:r>
           </a:p>
           <a:p>
             <a:pPr lvl="2"/>
             <a:r>
-              <a:rPr lang="en-US" dirty="0" smtClean="0"/>
+              <a:rPr lang="en-US" dirty="0"/>
               <a:t>Third level</a:t>
             </a:r>
           </a:p>
           <a:p>
             <a:pPr lvl="3"/>
             <a:r>
-              <a:rPr lang="en-US" dirty="0" smtClean="0"/>
+              <a:rPr lang="en-US" dirty="0"/>
               <a:t>Fourth level</a:t>
             </a:r>
           </a:p>
           <a:p>
             <a:pPr lvl="4"/>
             <a:r>
-              <a:rPr lang="en-US" dirty="0" smtClean="0"/>
+              <a:rPr lang="en-US" dirty="0"/>
               <a:t>Fifth level</a:t>
             </a:r>
-            <a:endParaRPr lang="en-US" dirty="0"/>
           </a:p>
         </p:txBody>
       </p:sp>
@@ -4367,10 +4373,9 @@
           </a:lstStyle>
           <a:p>
             <a:r>
-              <a:rPr lang="en-US" dirty="0" smtClean="0"/>
+              <a:rPr lang="en-US" dirty="0"/>
               <a:t>Click to edit Master title style</a:t>
             </a:r>
-            <a:endParaRPr lang="en-US" dirty="0"/>
           </a:p>
         </p:txBody>
       </p:sp>
@@ -4422,38 +4427,37 @@
           <a:p>
             <a:pPr lvl="0"/>
             <a:r>
-              <a:rPr lang="en-US" dirty="0" smtClean="0"/>
+              <a:rPr lang="en-US" dirty="0"/>
               <a:t>Click to edit Master text styles</a:t>
             </a:r>
           </a:p>
           <a:p>
             <a:pPr lvl="1"/>
             <a:r>
-              <a:rPr lang="en-US" dirty="0" smtClean="0"/>
+              <a:rPr lang="en-US" dirty="0"/>
               <a:t>Second level</a:t>
             </a:r>
           </a:p>
           <a:p>
             <a:pPr lvl="2"/>
             <a:r>
-              <a:rPr lang="en-US" dirty="0" smtClean="0"/>
+              <a:rPr lang="en-US" dirty="0"/>
               <a:t>Third level</a:t>
             </a:r>
           </a:p>
           <a:p>
             <a:pPr lvl="3"/>
             <a:r>
-              <a:rPr lang="en-US" dirty="0" smtClean="0"/>
+              <a:rPr lang="en-US" dirty="0"/>
               <a:t>Fourth level</a:t>
             </a:r>
           </a:p>
           <a:p>
             <a:pPr lvl="4"/>
             <a:r>
-              <a:rPr lang="en-US" dirty="0" smtClean="0"/>
+              <a:rPr lang="en-US" dirty="0"/>
               <a:t>Fifth level</a:t>
             </a:r>
-            <a:endParaRPr lang="en-US" dirty="0"/>
           </a:p>
         </p:txBody>
       </p:sp>
@@ -4505,38 +4509,37 @@
           <a:p>
             <a:pPr lvl="0"/>
             <a:r>
-              <a:rPr lang="en-US" dirty="0" smtClean="0"/>
+              <a:rPr lang="en-US" dirty="0"/>
               <a:t>Click to edit Master text styles</a:t>
             </a:r>
           </a:p>
           <a:p>
             <a:pPr lvl="1"/>
             <a:r>
-              <a:rPr lang="en-US" dirty="0" smtClean="0"/>
+              <a:rPr lang="en-US" dirty="0"/>
               <a:t>Second level</a:t>
             </a:r>
           </a:p>
           <a:p>
             <a:pPr lvl="2"/>
             <a:r>
-              <a:rPr lang="en-US" dirty="0" smtClean="0"/>
+              <a:rPr lang="en-US" dirty="0"/>
               <a:t>Third level</a:t>
             </a:r>
           </a:p>
           <a:p>
             <a:pPr lvl="3"/>
             <a:r>
-              <a:rPr lang="en-US" dirty="0" smtClean="0"/>
+              <a:rPr lang="en-US" dirty="0"/>
               <a:t>Fourth level</a:t>
             </a:r>
           </a:p>
           <a:p>
             <a:pPr lvl="4"/>
             <a:r>
-              <a:rPr lang="en-US" dirty="0" smtClean="0"/>
+              <a:rPr lang="en-US" dirty="0"/>
               <a:t>Fifth level</a:t>
             </a:r>
-            <a:endParaRPr lang="en-US" dirty="0"/>
           </a:p>
         </p:txBody>
       </p:sp>
@@ -4588,38 +4591,37 @@
           <a:p>
             <a:pPr lvl="0"/>
             <a:r>
-              <a:rPr lang="en-US" dirty="0" smtClean="0"/>
+              <a:rPr lang="en-US" dirty="0"/>
               <a:t>Click to edit Master text styles</a:t>
             </a:r>
           </a:p>
           <a:p>
             <a:pPr lvl="1"/>
             <a:r>
-              <a:rPr lang="en-US" dirty="0" smtClean="0"/>
+              <a:rPr lang="en-US" dirty="0"/>
               <a:t>Second level</a:t>
             </a:r>
           </a:p>
           <a:p>
             <a:pPr lvl="2"/>
             <a:r>
-              <a:rPr lang="en-US" dirty="0" smtClean="0"/>
+              <a:rPr lang="en-US" dirty="0"/>
               <a:t>Third level</a:t>
             </a:r>
           </a:p>
           <a:p>
             <a:pPr lvl="3"/>
             <a:r>
-              <a:rPr lang="en-US" dirty="0" smtClean="0"/>
+              <a:rPr lang="en-US" dirty="0"/>
               <a:t>Fourth level</a:t>
             </a:r>
           </a:p>
           <a:p>
             <a:pPr lvl="4"/>
             <a:r>
-              <a:rPr lang="en-US" dirty="0" smtClean="0"/>
+              <a:rPr lang="en-US" dirty="0"/>
               <a:t>Fifth level</a:t>
             </a:r>
-            <a:endParaRPr lang="en-US" dirty="0"/>
           </a:p>
         </p:txBody>
       </p:sp>
@@ -4675,10 +4677,9 @@
           </a:lstStyle>
           <a:p>
             <a:r>
-              <a:rPr lang="en-US" dirty="0" smtClean="0"/>
+              <a:rPr lang="en-US" dirty="0"/>
               <a:t>Click to edit Master title style</a:t>
             </a:r>
-            <a:endParaRPr lang="en-US" dirty="0"/>
           </a:p>
         </p:txBody>
       </p:sp>
@@ -4730,38 +4731,37 @@
           <a:p>
             <a:pPr lvl="0"/>
             <a:r>
-              <a:rPr lang="en-US" dirty="0" smtClean="0"/>
+              <a:rPr lang="en-US" dirty="0"/>
               <a:t>Click to edit Master text styles</a:t>
             </a:r>
           </a:p>
           <a:p>
             <a:pPr lvl="1"/>
             <a:r>
-              <a:rPr lang="en-US" dirty="0" smtClean="0"/>
+              <a:rPr lang="en-US" dirty="0"/>
               <a:t>Second level</a:t>
             </a:r>
           </a:p>
           <a:p>
             <a:pPr lvl="2"/>
             <a:r>
-              <a:rPr lang="en-US" dirty="0" smtClean="0"/>
+              <a:rPr lang="en-US" dirty="0"/>
               <a:t>Third level</a:t>
             </a:r>
           </a:p>
           <a:p>
             <a:pPr lvl="3"/>
             <a:r>
-              <a:rPr lang="en-US" dirty="0" smtClean="0"/>
+              <a:rPr lang="en-US" dirty="0"/>
               <a:t>Fourth level</a:t>
             </a:r>
           </a:p>
           <a:p>
             <a:pPr lvl="4"/>
             <a:r>
-              <a:rPr lang="en-US" dirty="0" smtClean="0"/>
+              <a:rPr lang="en-US" dirty="0"/>
               <a:t>Fifth level</a:t>
             </a:r>
-            <a:endParaRPr lang="en-US" dirty="0"/>
           </a:p>
         </p:txBody>
       </p:sp>
@@ -4813,38 +4813,37 @@
           <a:p>
             <a:pPr lvl="0"/>
             <a:r>
-              <a:rPr lang="en-US" dirty="0" smtClean="0"/>
+              <a:rPr lang="en-US" dirty="0"/>
               <a:t>Click to edit Master text styles</a:t>
             </a:r>
           </a:p>
           <a:p>
             <a:pPr lvl="1"/>
             <a:r>
-              <a:rPr lang="en-US" dirty="0" smtClean="0"/>
+              <a:rPr lang="en-US" dirty="0"/>
               <a:t>Second level</a:t>
             </a:r>
           </a:p>
           <a:p>
             <a:pPr lvl="2"/>
             <a:r>
-              <a:rPr lang="en-US" dirty="0" smtClean="0"/>
+              <a:rPr lang="en-US" dirty="0"/>
               <a:t>Third level</a:t>
             </a:r>
           </a:p>
           <a:p>
             <a:pPr lvl="3"/>
             <a:r>
-              <a:rPr lang="en-US" dirty="0" smtClean="0"/>
+              <a:rPr lang="en-US" dirty="0"/>
               <a:t>Fourth level</a:t>
             </a:r>
           </a:p>
           <a:p>
             <a:pPr lvl="4"/>
             <a:r>
-              <a:rPr lang="en-US" dirty="0" smtClean="0"/>
+              <a:rPr lang="en-US" dirty="0"/>
               <a:t>Fifth level</a:t>
             </a:r>
-            <a:endParaRPr lang="en-US" dirty="0"/>
           </a:p>
         </p:txBody>
       </p:sp>
@@ -4900,10 +4899,9 @@
           </a:lstStyle>
           <a:p>
             <a:r>
-              <a:rPr lang="en-US" dirty="0" smtClean="0"/>
+              <a:rPr lang="en-US" dirty="0"/>
               <a:t>Click to edit Master title style</a:t>
             </a:r>
-            <a:endParaRPr lang="en-US" dirty="0"/>
           </a:p>
         </p:txBody>
       </p:sp>
@@ -4950,38 +4948,37 @@
           <a:p>
             <a:pPr lvl="0"/>
             <a:r>
-              <a:rPr lang="en-US" dirty="0" smtClean="0"/>
+              <a:rPr lang="en-US" dirty="0"/>
               <a:t>Click to edit Master text styles</a:t>
             </a:r>
           </a:p>
           <a:p>
             <a:pPr lvl="1"/>
             <a:r>
-              <a:rPr lang="en-US" dirty="0" smtClean="0"/>
+              <a:rPr lang="en-US" dirty="0"/>
               <a:t>Second level</a:t>
             </a:r>
           </a:p>
           <a:p>
             <a:pPr lvl="2"/>
             <a:r>
-              <a:rPr lang="en-US" dirty="0" smtClean="0"/>
+              <a:rPr lang="en-US" dirty="0"/>
               <a:t>Third level</a:t>
             </a:r>
           </a:p>
           <a:p>
             <a:pPr lvl="3"/>
             <a:r>
-              <a:rPr lang="en-US" dirty="0" smtClean="0"/>
+              <a:rPr lang="en-US" dirty="0"/>
               <a:t>Fourth level</a:t>
             </a:r>
           </a:p>
           <a:p>
             <a:pPr lvl="4"/>
             <a:r>
-              <a:rPr lang="en-US" dirty="0" smtClean="0"/>
+              <a:rPr lang="en-US" dirty="0"/>
               <a:t>Fifth level</a:t>
             </a:r>
-            <a:endParaRPr lang="en-US" dirty="0"/>
           </a:p>
         </p:txBody>
       </p:sp>
@@ -4990,13 +4987,6 @@
   <p:clrMapOvr>
     <a:masterClrMapping/>
   </p:clrMapOvr>
-  <p:timing>
-    <p:tnLst>
-      <p:par>
-        <p:cTn xmlns:p14="http://schemas.microsoft.com/office/powerpoint/2010/main" id="1" dur="indefinite" restart="never" nodeType="tmRoot"/>
-      </p:par>
-    </p:tnLst>
-  </p:timing>
 </p:sldLayout>
 </file>
 
@@ -5044,10 +5034,9 @@
           </a:lstStyle>
           <a:p>
             <a:r>
-              <a:rPr lang="en-US" dirty="0" smtClean="0"/>
+              <a:rPr lang="en-US" dirty="0"/>
               <a:t>Click to edit Master title style</a:t>
             </a:r>
-            <a:endParaRPr lang="en-US" dirty="0"/>
           </a:p>
         </p:txBody>
       </p:sp>
@@ -5112,7 +5101,7 @@
           <a:p>
             <a:pPr lvl="0"/>
             <a:r>
-              <a:rPr lang="en-US" dirty="0" smtClean="0"/>
+              <a:rPr lang="en-US" dirty="0"/>
               <a:t>Click to edit Master text styles</a:t>
             </a:r>
           </a:p>
@@ -5123,13 +5112,6 @@
   <p:clrMapOvr>
     <a:masterClrMapping/>
   </p:clrMapOvr>
-  <p:timing>
-    <p:tnLst>
-      <p:par>
-        <p:cTn xmlns:p14="http://schemas.microsoft.com/office/powerpoint/2010/main" id="1" dur="indefinite" restart="never" nodeType="tmRoot"/>
-      </p:par>
-    </p:tnLst>
-  </p:timing>
 </p:sldLayout>
 </file>
 
@@ -5172,10 +5154,9 @@
           </a:lstStyle>
           <a:p>
             <a:r>
-              <a:rPr lang="en-US" dirty="0" smtClean="0"/>
+              <a:rPr lang="en-US" dirty="0"/>
               <a:t>Click to edit Master title style</a:t>
             </a:r>
-            <a:endParaRPr lang="en-US" dirty="0"/>
           </a:p>
         </p:txBody>
       </p:sp>
@@ -5239,38 +5220,37 @@
           <a:p>
             <a:pPr lvl="0"/>
             <a:r>
-              <a:rPr lang="en-US" dirty="0" smtClean="0"/>
+              <a:rPr lang="en-US" dirty="0"/>
               <a:t>Click to edit Master text styles</a:t>
             </a:r>
           </a:p>
           <a:p>
             <a:pPr lvl="1"/>
             <a:r>
-              <a:rPr lang="en-US" dirty="0" smtClean="0"/>
+              <a:rPr lang="en-US" dirty="0"/>
               <a:t>Second level</a:t>
             </a:r>
           </a:p>
           <a:p>
             <a:pPr lvl="2"/>
             <a:r>
-              <a:rPr lang="en-US" dirty="0" smtClean="0"/>
+              <a:rPr lang="en-US" dirty="0"/>
               <a:t>Third level</a:t>
             </a:r>
           </a:p>
           <a:p>
             <a:pPr lvl="3"/>
             <a:r>
-              <a:rPr lang="en-US" dirty="0" smtClean="0"/>
+              <a:rPr lang="en-US" dirty="0"/>
               <a:t>Fourth level</a:t>
             </a:r>
           </a:p>
           <a:p>
             <a:pPr lvl="4"/>
             <a:r>
-              <a:rPr lang="en-US" dirty="0" smtClean="0"/>
+              <a:rPr lang="en-US" dirty="0"/>
               <a:t>Fifth level</a:t>
             </a:r>
-            <a:endParaRPr lang="en-US" dirty="0"/>
           </a:p>
         </p:txBody>
       </p:sp>
@@ -5334,38 +5314,37 @@
           <a:p>
             <a:pPr lvl="0"/>
             <a:r>
-              <a:rPr lang="en-US" dirty="0" smtClean="0"/>
+              <a:rPr lang="en-US" dirty="0"/>
               <a:t>Click to edit Master text styles</a:t>
             </a:r>
           </a:p>
           <a:p>
             <a:pPr lvl="1"/>
             <a:r>
-              <a:rPr lang="en-US" dirty="0" smtClean="0"/>
+              <a:rPr lang="en-US" dirty="0"/>
               <a:t>Second level</a:t>
             </a:r>
           </a:p>
           <a:p>
             <a:pPr lvl="2"/>
             <a:r>
-              <a:rPr lang="en-US" dirty="0" smtClean="0"/>
+              <a:rPr lang="en-US" dirty="0"/>
               <a:t>Third level</a:t>
             </a:r>
           </a:p>
           <a:p>
             <a:pPr lvl="3"/>
             <a:r>
-              <a:rPr lang="en-US" dirty="0" smtClean="0"/>
+              <a:rPr lang="en-US" dirty="0"/>
               <a:t>Fourth level</a:t>
             </a:r>
           </a:p>
           <a:p>
             <a:pPr lvl="4"/>
             <a:r>
-              <a:rPr lang="en-US" dirty="0" smtClean="0"/>
+              <a:rPr lang="en-US" dirty="0"/>
               <a:t>Fifth level</a:t>
             </a:r>
-            <a:endParaRPr lang="en-US" dirty="0"/>
           </a:p>
         </p:txBody>
       </p:sp>
@@ -5374,13 +5353,6 @@
   <p:clrMapOvr>
     <a:masterClrMapping/>
   </p:clrMapOvr>
-  <p:timing>
-    <p:tnLst>
-      <p:par>
-        <p:cTn xmlns:p14="http://schemas.microsoft.com/office/powerpoint/2010/main" id="1" dur="indefinite" restart="never" nodeType="tmRoot"/>
-      </p:par>
-    </p:tnLst>
-  </p:timing>
 </p:sldLayout>
 </file>
 
@@ -5428,10 +5400,9 @@
           </a:lstStyle>
           <a:p>
             <a:r>
-              <a:rPr lang="en-US" dirty="0" smtClean="0"/>
+              <a:rPr lang="en-US" dirty="0"/>
               <a:t>Click to edit Master title style</a:t>
             </a:r>
-            <a:endParaRPr lang="en-US" dirty="0"/>
           </a:p>
         </p:txBody>
       </p:sp>
@@ -5496,7 +5467,7 @@
           <a:p>
             <a:pPr lvl="0"/>
             <a:r>
-              <a:rPr lang="en-US" dirty="0" smtClean="0"/>
+              <a:rPr lang="en-US" dirty="0"/>
               <a:t>Click to edit Master text styles</a:t>
             </a:r>
           </a:p>
@@ -5562,38 +5533,37 @@
           <a:p>
             <a:pPr lvl="0"/>
             <a:r>
-              <a:rPr lang="en-US" dirty="0" smtClean="0"/>
+              <a:rPr lang="en-US" dirty="0"/>
               <a:t>Click to edit Master text styles</a:t>
             </a:r>
           </a:p>
           <a:p>
             <a:pPr lvl="1"/>
             <a:r>
-              <a:rPr lang="en-US" dirty="0" smtClean="0"/>
+              <a:rPr lang="en-US" dirty="0"/>
               <a:t>Second level</a:t>
             </a:r>
           </a:p>
           <a:p>
             <a:pPr lvl="2"/>
             <a:r>
-              <a:rPr lang="en-US" dirty="0" smtClean="0"/>
+              <a:rPr lang="en-US" dirty="0"/>
               <a:t>Third level</a:t>
             </a:r>
           </a:p>
           <a:p>
             <a:pPr lvl="3"/>
             <a:r>
-              <a:rPr lang="en-US" dirty="0" smtClean="0"/>
+              <a:rPr lang="en-US" dirty="0"/>
               <a:t>Fourth level</a:t>
             </a:r>
           </a:p>
           <a:p>
             <a:pPr lvl="4"/>
             <a:r>
-              <a:rPr lang="en-US" dirty="0" smtClean="0"/>
+              <a:rPr lang="en-US" dirty="0"/>
               <a:t>Fifth level</a:t>
             </a:r>
-            <a:endParaRPr lang="en-US" dirty="0"/>
           </a:p>
         </p:txBody>
       </p:sp>
@@ -5658,7 +5628,7 @@
           <a:p>
             <a:pPr lvl="0"/>
             <a:r>
-              <a:rPr lang="en-US" dirty="0" smtClean="0"/>
+              <a:rPr lang="en-US" dirty="0"/>
               <a:t>Click to edit Master text styles</a:t>
             </a:r>
           </a:p>
@@ -5724,38 +5694,37 @@
           <a:p>
             <a:pPr lvl="0"/>
             <a:r>
-              <a:rPr lang="en-US" dirty="0" smtClean="0"/>
+              <a:rPr lang="en-US" dirty="0"/>
               <a:t>Click to edit Master text styles</a:t>
             </a:r>
           </a:p>
           <a:p>
             <a:pPr lvl="1"/>
             <a:r>
-              <a:rPr lang="en-US" dirty="0" smtClean="0"/>
+              <a:rPr lang="en-US" dirty="0"/>
               <a:t>Second level</a:t>
             </a:r>
           </a:p>
           <a:p>
             <a:pPr lvl="2"/>
             <a:r>
-              <a:rPr lang="en-US" dirty="0" smtClean="0"/>
+              <a:rPr lang="en-US" dirty="0"/>
               <a:t>Third level</a:t>
             </a:r>
           </a:p>
           <a:p>
             <a:pPr lvl="3"/>
             <a:r>
-              <a:rPr lang="en-US" dirty="0" smtClean="0"/>
+              <a:rPr lang="en-US" dirty="0"/>
               <a:t>Fourth level</a:t>
             </a:r>
           </a:p>
           <a:p>
             <a:pPr lvl="4"/>
             <a:r>
-              <a:rPr lang="en-US" dirty="0" smtClean="0"/>
+              <a:rPr lang="en-US" dirty="0"/>
               <a:t>Fifth level</a:t>
             </a:r>
-            <a:endParaRPr lang="en-US" dirty="0"/>
           </a:p>
         </p:txBody>
       </p:sp>
@@ -5811,10 +5780,9 @@
           </a:lstStyle>
           <a:p>
             <a:r>
-              <a:rPr lang="en-US" dirty="0" smtClean="0"/>
+              <a:rPr lang="en-US" dirty="0"/>
               <a:t>Click to edit Master title style</a:t>
             </a:r>
-            <a:endParaRPr lang="en-US" dirty="0"/>
           </a:p>
         </p:txBody>
       </p:sp>
@@ -5823,13 +5791,6 @@
   <p:clrMapOvr>
     <a:masterClrMapping/>
   </p:clrMapOvr>
-  <p:timing>
-    <p:tnLst>
-      <p:par>
-        <p:cTn xmlns:p14="http://schemas.microsoft.com/office/powerpoint/2010/main" id="1" dur="indefinite" restart="never" nodeType="tmRoot"/>
-      </p:par>
-    </p:tnLst>
-  </p:timing>
 </p:sldLayout>
 </file>
 
@@ -5855,13 +5816,6 @@
   <p:clrMapOvr>
     <a:masterClrMapping/>
   </p:clrMapOvr>
-  <p:timing>
-    <p:tnLst>
-      <p:par>
-        <p:cTn xmlns:p14="http://schemas.microsoft.com/office/powerpoint/2010/main" id="1" dur="indefinite" restart="never" nodeType="tmRoot"/>
-      </p:par>
-    </p:tnLst>
-  </p:timing>
 </p:sldLayout>
 </file>
 
@@ -5909,10 +5863,9 @@
           </a:lstStyle>
           <a:p>
             <a:r>
-              <a:rPr lang="en-US" dirty="0" smtClean="0"/>
+              <a:rPr lang="en-US" dirty="0"/>
               <a:t>Click to edit Master title style</a:t>
             </a:r>
-            <a:endParaRPr lang="en-US" dirty="0"/>
           </a:p>
         </p:txBody>
       </p:sp>
@@ -5976,38 +5929,37 @@
           <a:p>
             <a:pPr lvl="0"/>
             <a:r>
-              <a:rPr lang="en-US" dirty="0" smtClean="0"/>
+              <a:rPr lang="en-US" dirty="0"/>
               <a:t>Click to edit Master text styles</a:t>
             </a:r>
           </a:p>
           <a:p>
             <a:pPr lvl="1"/>
             <a:r>
-              <a:rPr lang="en-US" dirty="0" smtClean="0"/>
+              <a:rPr lang="en-US" dirty="0"/>
               <a:t>Second level</a:t>
             </a:r>
           </a:p>
           <a:p>
             <a:pPr lvl="2"/>
             <a:r>
-              <a:rPr lang="en-US" dirty="0" smtClean="0"/>
+              <a:rPr lang="en-US" dirty="0"/>
               <a:t>Third level</a:t>
             </a:r>
           </a:p>
           <a:p>
             <a:pPr lvl="3"/>
             <a:r>
-              <a:rPr lang="en-US" dirty="0" smtClean="0"/>
+              <a:rPr lang="en-US" dirty="0"/>
               <a:t>Fourth level</a:t>
             </a:r>
           </a:p>
           <a:p>
             <a:pPr lvl="4"/>
             <a:r>
-              <a:rPr lang="en-US" dirty="0" smtClean="0"/>
+              <a:rPr lang="en-US" dirty="0"/>
               <a:t>Fifth level</a:t>
             </a:r>
-            <a:endParaRPr lang="en-US" dirty="0"/>
           </a:p>
         </p:txBody>
       </p:sp>
@@ -6072,7 +6024,7 @@
           <a:p>
             <a:pPr lvl="0"/>
             <a:r>
-              <a:rPr lang="en-US" dirty="0" smtClean="0"/>
+              <a:rPr lang="en-US" dirty="0"/>
               <a:t>Click to edit Master text styles</a:t>
             </a:r>
           </a:p>
@@ -6083,13 +6035,6 @@
   <p:clrMapOvr>
     <a:masterClrMapping/>
   </p:clrMapOvr>
-  <p:timing>
-    <p:tnLst>
-      <p:par>
-        <p:cTn xmlns:p14="http://schemas.microsoft.com/office/powerpoint/2010/main" id="1" dur="indefinite" restart="never" nodeType="tmRoot"/>
-      </p:par>
-    </p:tnLst>
-  </p:timing>
 </p:sldLayout>
 </file>
 
@@ -6137,10 +6082,9 @@
           </a:lstStyle>
           <a:p>
             <a:r>
-              <a:rPr lang="en-US" dirty="0" smtClean="0"/>
+              <a:rPr lang="en-US" dirty="0"/>
               <a:t>Click to edit Master title style</a:t>
             </a:r>
-            <a:endParaRPr lang="en-US" dirty="0"/>
           </a:p>
         </p:txBody>
       </p:sp>
@@ -6205,7 +6149,7 @@
           <a:p>
             <a:pPr lvl="0"/>
             <a:r>
-              <a:rPr lang="en-US" noProof="0" dirty="0" smtClean="0"/>
+              <a:rPr lang="en-US" noProof="0" dirty="0"/>
               <a:t>Click icon to add picture</a:t>
             </a:r>
           </a:p>
@@ -6272,7 +6216,7 @@
           <a:p>
             <a:pPr lvl="0"/>
             <a:r>
-              <a:rPr lang="en-US" dirty="0" smtClean="0"/>
+              <a:rPr lang="en-US" dirty="0"/>
               <a:t>Click to edit Master text styles</a:t>
             </a:r>
           </a:p>
@@ -6347,7 +6291,7 @@
           <a:p>
             <a:pPr lvl="0"/>
             <a:r>
-              <a:rPr lang="en-US" dirty="0" smtClean="0"/>
+              <a:rPr lang="en-US" dirty="0"/>
               <a:t>Click to edit Master title style</a:t>
             </a:r>
           </a:p>
@@ -6389,35 +6333,35 @@
           <a:p>
             <a:pPr lvl="0"/>
             <a:r>
-              <a:rPr lang="en-US" dirty="0" smtClean="0"/>
+              <a:rPr lang="en-US" dirty="0"/>
               <a:t>Click to edit Master text styles</a:t>
             </a:r>
           </a:p>
           <a:p>
             <a:pPr lvl="1"/>
             <a:r>
-              <a:rPr lang="en-US" dirty="0" smtClean="0"/>
+              <a:rPr lang="en-US" dirty="0"/>
               <a:t>Second level</a:t>
             </a:r>
           </a:p>
           <a:p>
             <a:pPr lvl="2"/>
             <a:r>
-              <a:rPr lang="en-US" dirty="0" smtClean="0"/>
+              <a:rPr lang="en-US" dirty="0"/>
               <a:t>Third level</a:t>
             </a:r>
           </a:p>
           <a:p>
             <a:pPr lvl="3"/>
             <a:r>
-              <a:rPr lang="en-US" dirty="0" smtClean="0"/>
+              <a:rPr lang="en-US" dirty="0"/>
               <a:t>Fourth level</a:t>
             </a:r>
           </a:p>
           <a:p>
             <a:pPr lvl="4"/>
             <a:r>
-              <a:rPr lang="en-US" dirty="0" smtClean="0"/>
+              <a:rPr lang="en-US" dirty="0"/>
               <a:t>Fifth level</a:t>
             </a:r>
           </a:p>
@@ -6575,30 +6519,30 @@
           <a:lstStyle/>
           <a:p>
             <a:r>
-              <a:rPr lang="en-US" sz="1000" b="0" i="0" dirty="0" smtClean="0">
+              <a:rPr lang="en-US" sz="1000" b="0" i="0" dirty="0">
                 <a:latin typeface="Calibri" pitchFamily="34" charset="0"/>
               </a:rPr>
               <a:t>Bryant</a:t>
             </a:r>
             <a:r>
-              <a:rPr lang="en-US" sz="1000" b="0" i="0" baseline="0" dirty="0" smtClean="0">
+              <a:rPr lang="en-US" sz="1000" b="0" i="0" baseline="0" dirty="0">
                 <a:latin typeface="Calibri" pitchFamily="34" charset="0"/>
               </a:rPr>
               <a:t> and </a:t>
             </a:r>
             <a:r>
-              <a:rPr lang="en-US" sz="1000" b="0" i="0" baseline="0" dirty="0" err="1" smtClean="0">
+              <a:rPr lang="en-US" sz="1000" b="0" i="0" baseline="0" dirty="0" err="1">
                 <a:latin typeface="Calibri" pitchFamily="34" charset="0"/>
               </a:rPr>
               <a:t>O’Hallaron</a:t>
             </a:r>
             <a:r>
-              <a:rPr lang="en-US" sz="1000" b="0" i="0" baseline="0" dirty="0" smtClean="0">
+              <a:rPr lang="en-US" sz="1000" b="0" i="0" baseline="0" dirty="0">
                 <a:latin typeface="Calibri" pitchFamily="34" charset="0"/>
               </a:rPr>
               <a:t>, Computer Systems: A Programmer’s Perspective, Third Edition</a:t>
             </a:r>
-            <a:endParaRPr lang="en-US" sz="1000" b="0" i="0" dirty="0" smtClean="0">
+            <a:endParaRPr lang="en-US" sz="1000" b="0" i="0" dirty="0">
               <a:latin typeface="Calibri" pitchFamily="34" charset="0"/>
             </a:endParaRPr>
           </a:p>
@@ -6622,13 +6566,6 @@
     <p:sldLayoutId id="2147483650" r:id="rId12"/>
     <p:sldLayoutId id="2147483649" r:id="rId13"/>
   </p:sldLayoutIdLst>
-  <p:timing>
-    <p:tnLst>
-      <p:par>
-        <p:cTn xmlns:p14="http://schemas.microsoft.com/office/powerpoint/2010/main" id="1" dur="indefinite" restart="never" nodeType="tmRoot"/>
-      </p:par>
-    </p:tnLst>
-  </p:timing>
   <p:txStyles>
     <p:titleStyle>
       <a:lvl1pPr marL="119063" indent="-119063" algn="l" rtl="0" eaLnBrk="1" fontAlgn="base" hangingPunct="1">
@@ -7049,40 +6986,32 @@
           <a:p>
             <a:pPr marL="0" indent="0"/>
             <a:r>
-              <a:rPr lang="en-US" dirty="0" smtClean="0"/>
+              <a:rPr lang="en-US" dirty="0"/>
               <a:t>Linking</a:t>
             </a:r>
             <a:br>
-              <a:rPr lang="en-US" dirty="0" smtClean="0"/>
+              <a:rPr lang="en-US" dirty="0"/>
             </a:br>
-            <a:r>
-              <a:rPr lang="en-US" dirty="0" smtClean="0"/>
-              <a:t/>
-            </a:r>
             <a:br>
-              <a:rPr lang="en-US" dirty="0" smtClean="0"/>
+              <a:rPr lang="en-US" dirty="0"/>
             </a:br>
             <a:r>
-              <a:rPr lang="en-US" sz="2000" b="0" dirty="0" smtClean="0"/>
+              <a:rPr lang="en-US" sz="2000" b="0" dirty="0"/>
               <a:t>15-213: Introduction to Computer Systems</a:t>
             </a:r>
-            <a:r>
-              <a:rPr lang="en-US" b="0" dirty="0" smtClean="0"/>
-              <a:t/>
-            </a:r>
             <a:br>
-              <a:rPr lang="en-US" b="0" dirty="0" smtClean="0"/>
+              <a:rPr lang="en-US" b="0" dirty="0"/>
             </a:br>
             <a:r>
-              <a:rPr lang="en-US" sz="2000" b="0" dirty="0" smtClean="0"/>
+              <a:rPr lang="en-US" sz="2000" b="0" dirty="0"/>
               <a:t>13</a:t>
             </a:r>
             <a:r>
-              <a:rPr lang="en-US" sz="2000" b="0" baseline="30000" dirty="0" smtClean="0"/>
+              <a:rPr lang="en-US" sz="2000" b="0" baseline="30000" dirty="0"/>
               <a:t>th</a:t>
             </a:r>
             <a:r>
-              <a:rPr lang="en-US" sz="2000" b="0" dirty="0" smtClean="0"/>
+              <a:rPr lang="en-US" sz="2000" b="0" dirty="0"/>
               <a:t> Lecture, Oct. 13, 2015</a:t>
             </a:r>
           </a:p>
@@ -7109,28 +7038,28 @@
           <a:lstStyle/>
           <a:p>
             <a:r>
-              <a:rPr lang="en-US" b="1" dirty="0" smtClean="0"/>
+              <a:rPr lang="en-US" b="1" dirty="0"/>
               <a:t>Instructors:</a:t>
             </a:r>
             <a:r>
-              <a:rPr lang="en-US" dirty="0" smtClean="0"/>
+              <a:rPr lang="en-US" dirty="0"/>
               <a:t> </a:t>
             </a:r>
           </a:p>
           <a:p>
             <a:r>
-              <a:rPr lang="en-US" dirty="0" smtClean="0"/>
+              <a:rPr lang="en-US" dirty="0"/>
               <a:t>Randal E. Bryant </a:t>
             </a:r>
             <a:r>
-              <a:rPr lang="en-US" smtClean="0"/>
+              <a:rPr lang="en-US"/>
               <a:t>and David R. </a:t>
             </a:r>
             <a:r>
-              <a:rPr lang="en-US" dirty="0" err="1" smtClean="0"/>
+              <a:rPr lang="en-US" dirty="0" err="1"/>
               <a:t>O’Hallaron</a:t>
             </a:r>
-            <a:endParaRPr lang="en-US" dirty="0" smtClean="0"/>
+            <a:endParaRPr lang="en-US" dirty="0"/>
           </a:p>
         </p:txBody>
       </p:sp>
@@ -7139,14 +7068,7 @@
   <p:clrMapOvr>
     <a:masterClrMapping/>
   </p:clrMapOvr>
-  <p:transition xmlns:p14="http://schemas.microsoft.com/office/powerpoint/2010/main"/>
-  <p:timing>
-    <p:tnLst>
-      <p:par>
-        <p:cTn xmlns:p14="http://schemas.microsoft.com/office/powerpoint/2010/main" id="1" dur="indefinite" restart="never" nodeType="tmRoot"/>
-      </p:par>
-    </p:tnLst>
-  </p:timing>
+  <p:transition/>
 </p:sld>
 </file>
 
@@ -7183,10 +7105,9 @@
           <a:lstStyle/>
           <a:p>
             <a:r>
-              <a:rPr lang="en-US" smtClean="0"/>
+              <a:rPr lang="en-US"/>
               <a:t>Executable and Linkable Format (ELF)</a:t>
             </a:r>
-            <a:endParaRPr lang="en-US"/>
           </a:p>
         </p:txBody>
       </p:sp>
@@ -7206,90 +7127,89 @@
           <a:lstStyle/>
           <a:p>
             <a:r>
-              <a:rPr lang="en-US" dirty="0" smtClean="0"/>
+              <a:rPr lang="en-US" dirty="0"/>
               <a:t>Standard binary format for object files</a:t>
             </a:r>
           </a:p>
           <a:p>
-            <a:endParaRPr lang="en-US" dirty="0" smtClean="0"/>
-          </a:p>
-          <a:p>
-            <a:r>
-              <a:rPr lang="en-US" dirty="0" smtClean="0"/>
+            <a:endParaRPr lang="en-US" dirty="0"/>
+          </a:p>
+          <a:p>
+            <a:r>
+              <a:rPr lang="en-US" dirty="0"/>
               <a:t>One unified format for </a:t>
             </a:r>
           </a:p>
           <a:p>
             <a:pPr lvl="1"/>
             <a:r>
-              <a:rPr lang="en-US" dirty="0" smtClean="0"/>
+              <a:rPr lang="en-US" dirty="0"/>
               <a:t>Relocatable object files (</a:t>
             </a:r>
             <a:r>
-              <a:rPr lang="en-US" dirty="0" smtClean="0">
+              <a:rPr lang="en-US" dirty="0">
                 <a:latin typeface="Courier New"/>
                 <a:cs typeface="Courier New"/>
               </a:rPr>
               <a:t>.o</a:t>
             </a:r>
             <a:r>
-              <a:rPr lang="en-US" dirty="0" smtClean="0"/>
+              <a:rPr lang="en-US" dirty="0"/>
               <a:t>), </a:t>
             </a:r>
           </a:p>
           <a:p>
             <a:pPr lvl="1"/>
             <a:r>
-              <a:rPr lang="en-US" dirty="0" smtClean="0"/>
+              <a:rPr lang="en-US" dirty="0"/>
               <a:t>Executable object files </a:t>
             </a:r>
             <a:r>
-              <a:rPr lang="en-US" dirty="0" smtClean="0">
+              <a:rPr lang="en-US" dirty="0">
                 <a:latin typeface="Courier New"/>
                 <a:cs typeface="Courier New"/>
               </a:rPr>
               <a:t>(</a:t>
             </a:r>
             <a:r>
-              <a:rPr lang="en-US" dirty="0" err="1" smtClean="0">
+              <a:rPr lang="en-US" dirty="0" err="1">
                 <a:latin typeface="Courier New"/>
                 <a:cs typeface="Courier New"/>
               </a:rPr>
               <a:t>a.out</a:t>
             </a:r>
             <a:r>
-              <a:rPr lang="en-US" dirty="0" smtClean="0"/>
+              <a:rPr lang="en-US" dirty="0"/>
               <a:t>)</a:t>
             </a:r>
           </a:p>
           <a:p>
             <a:pPr lvl="1"/>
             <a:r>
-              <a:rPr lang="en-US" dirty="0" smtClean="0"/>
+              <a:rPr lang="en-US" dirty="0"/>
               <a:t>Shared object files (</a:t>
             </a:r>
             <a:r>
-              <a:rPr lang="en-US" dirty="0" smtClean="0">
+              <a:rPr lang="en-US" dirty="0">
                 <a:latin typeface="Courier New"/>
                 <a:cs typeface="Courier New"/>
               </a:rPr>
               <a:t>.so</a:t>
             </a:r>
             <a:r>
-              <a:rPr lang="en-US" dirty="0" smtClean="0"/>
+              <a:rPr lang="en-US" dirty="0"/>
               <a:t>)</a:t>
             </a:r>
           </a:p>
           <a:p>
             <a:pPr lvl="1"/>
-            <a:endParaRPr lang="en-US" dirty="0" smtClean="0"/>
-          </a:p>
-          <a:p>
-            <a:r>
-              <a:rPr lang="en-US" dirty="0" smtClean="0"/>
+            <a:endParaRPr lang="en-US" dirty="0"/>
+          </a:p>
+          <a:p>
+            <a:r>
+              <a:rPr lang="en-US" dirty="0"/>
               <a:t>Generic name: ELF binaries</a:t>
             </a:r>
-            <a:endParaRPr lang="en-US" dirty="0"/>
           </a:p>
         </p:txBody>
       </p:sp>
@@ -7298,19 +7218,20 @@
   <p:clrMapOvr>
     <a:masterClrMapping/>
   </p:clrMapOvr>
-  <p:timing>
-    <p:tnLst>
-      <p:par>
-        <p:cTn xmlns:p14="http://schemas.microsoft.com/office/powerpoint/2010/main" id="1" dur="indefinite" restart="never" nodeType="tmRoot"/>
-      </p:par>
-    </p:tnLst>
-  </p:timing>
 </p:sld>
 </file>
 
 <file path=ppt/slides/slide11.xml><?xml version="1.0" encoding="utf-8"?>
 <p:sld xmlns:a="http://schemas.openxmlformats.org/drawingml/2006/main" xmlns:r="http://schemas.openxmlformats.org/officeDocument/2006/relationships" xmlns:p="http://schemas.openxmlformats.org/presentationml/2006/main">
   <p:cSld>
+    <p:bg>
+      <p:bgPr>
+        <a:solidFill>
+          <a:srgbClr val="92D050"/>
+        </a:solidFill>
+        <a:effectLst/>
+      </p:bgPr>
+    </p:bg>
     <p:spTree>
       <p:nvGrpSpPr>
         <p:cNvPr id="1" name=""/>
@@ -7441,20 +7362,8 @@
               </a:tabLst>
             </a:pPr>
             <a:r>
-              <a:rPr lang="en-GB" sz="1800" dirty="0" smtClean="0"/>
-              <a:t>Word size, byte ordering, file type </a:t>
-            </a:r>
-            <a:r>
               <a:rPr lang="en-GB" sz="1800" dirty="0"/>
-              <a:t>(.o, exec, .so</a:t>
-            </a:r>
-            <a:r>
-              <a:rPr lang="en-GB" sz="1800" dirty="0" smtClean="0"/>
-              <a:t>), machine type, etc</a:t>
-            </a:r>
-            <a:r>
-              <a:rPr lang="en-GB" sz="1800" dirty="0"/>
-              <a:t>.</a:t>
+              <a:t>Word size, byte ordering, file type (.o, exec, .so), machine type, etc.</a:t>
             </a:r>
           </a:p>
           <a:p>
@@ -7599,25 +7508,25 @@
               </a:tabLst>
             </a:pPr>
             <a:r>
-              <a:rPr lang="en-GB" sz="2000" dirty="0" smtClean="0">
+              <a:rPr lang="en-GB" sz="2000" dirty="0">
                 <a:latin typeface="Courier New" pitchFamily="49" charset="0"/>
               </a:rPr>
               <a:t>.</a:t>
             </a:r>
             <a:r>
-              <a:rPr lang="en-GB" sz="2000" dirty="0" err="1" smtClean="0">
+              <a:rPr lang="en-GB" sz="2000" dirty="0" err="1">
                 <a:latin typeface="Courier New" pitchFamily="49" charset="0"/>
               </a:rPr>
               <a:t>rodata</a:t>
             </a:r>
             <a:r>
-              <a:rPr lang="en-GB" sz="2000" dirty="0" smtClean="0">
+              <a:rPr lang="en-GB" sz="2000" dirty="0">
                 <a:latin typeface="Courier New" pitchFamily="49" charset="0"/>
               </a:rPr>
               <a:t> </a:t>
             </a:r>
             <a:r>
-              <a:rPr lang="en-GB" sz="2000" dirty="0" smtClean="0"/>
+              <a:rPr lang="en-GB" sz="2000" dirty="0"/>
               <a:t>section</a:t>
             </a:r>
           </a:p>
@@ -7645,7 +7554,7 @@
               </a:tabLst>
             </a:pPr>
             <a:r>
-              <a:rPr lang="en-GB" sz="1800" dirty="0" smtClean="0"/>
+              <a:rPr lang="en-GB" sz="1800" dirty="0"/>
               <a:t>Read only data: jump tables, ...</a:t>
             </a:r>
           </a:p>
@@ -7673,16 +7582,10 @@
               </a:tabLst>
             </a:pPr>
             <a:r>
-              <a:rPr lang="en-GB" sz="2000" dirty="0" smtClean="0">
-                <a:latin typeface="Courier New" pitchFamily="49" charset="0"/>
-              </a:rPr>
-              <a:t>.</a:t>
-            </a:r>
-            <a:r>
               <a:rPr lang="en-GB" sz="2000" dirty="0">
                 <a:latin typeface="Courier New" pitchFamily="49" charset="0"/>
               </a:rPr>
-              <a:t>data</a:t>
+              <a:t>.data</a:t>
             </a:r>
             <a:r>
               <a:rPr lang="en-GB" sz="2000" dirty="0"/>
@@ -8193,7 +8096,7 @@
               </a:tabLst>
             </a:pPr>
             <a:r>
-              <a:rPr lang="en-GB" sz="1600" b="1" dirty="0" smtClean="0">
+              <a:rPr lang="en-GB" sz="1600" b="1" dirty="0">
                 <a:latin typeface="Courier New" pitchFamily="49" charset="0"/>
                 <a:ea typeface="msgothic" charset="0"/>
                 <a:cs typeface="msgothic" charset="0"/>
@@ -8201,20 +8104,12 @@
               <a:t>.</a:t>
             </a:r>
             <a:r>
-              <a:rPr lang="en-GB" sz="1600" b="1" dirty="0" err="1" smtClean="0">
+              <a:rPr lang="en-GB" sz="1600" b="1" dirty="0" err="1">
                 <a:latin typeface="Courier New" pitchFamily="49" charset="0"/>
                 <a:ea typeface="msgothic" charset="0"/>
                 <a:cs typeface="msgothic" charset="0"/>
               </a:rPr>
               <a:t>rodata</a:t>
-            </a:r>
-            <a:r>
-              <a:rPr lang="en-GB" sz="1600" b="1" dirty="0" smtClean="0">
-                <a:latin typeface="Calibri" pitchFamily="34" charset="0"/>
-                <a:ea typeface="msgothic" charset="0"/>
-                <a:cs typeface="msgothic" charset="0"/>
-              </a:rPr>
-              <a:t> </a:t>
             </a:r>
             <a:r>
               <a:rPr lang="en-GB" sz="1600" b="1" dirty="0">
@@ -8222,7 +8117,7 @@
                 <a:ea typeface="msgothic" charset="0"/>
                 <a:cs typeface="msgothic" charset="0"/>
               </a:rPr>
-              <a:t>section</a:t>
+              <a:t> section</a:t>
             </a:r>
           </a:p>
         </p:txBody>
@@ -8857,11 +8752,11 @@
   <p:clrMapOvr>
     <a:masterClrMapping/>
   </p:clrMapOvr>
-  <p:transition xmlns:p14="http://schemas.microsoft.com/office/powerpoint/2010/main" spd="med"/>
+  <p:transition spd="med"/>
   <p:timing>
     <p:tnLst>
       <p:par>
-        <p:cTn xmlns:p14="http://schemas.microsoft.com/office/powerpoint/2010/main" id="1" dur="indefinite" restart="never" nodeType="tmRoot">
+        <p:cTn id="1" dur="indefinite" restart="never" nodeType="tmRoot">
           <p:childTnLst>
             <p:seq concurrent="1" nextAc="seek">
               <p:cTn id="2" dur="0" nodeType="mainSeq"/>
@@ -8944,13 +8839,8 @@
             </a:pPr>
             <a:r>
               <a:rPr lang="en-GB" dirty="0"/>
-              <a:t>ELF Object File Format (</a:t>
-            </a:r>
-            <a:r>
-              <a:rPr lang="en-GB" dirty="0" smtClean="0"/>
-              <a:t>cont.)</a:t>
-            </a:r>
-            <a:endParaRPr lang="en-GB" dirty="0"/>
+              <a:t>ELF Object File Format (cont.)</a:t>
+            </a:r>
           </a:p>
         </p:txBody>
       </p:sp>
@@ -9769,7 +9659,7 @@
               </a:tabLst>
             </a:pPr>
             <a:r>
-              <a:rPr lang="en-GB" sz="1600" b="1" dirty="0" smtClean="0">
+              <a:rPr lang="en-GB" sz="1600" b="1" dirty="0">
                 <a:latin typeface="Courier New" pitchFamily="49" charset="0"/>
                 <a:ea typeface="msgothic" charset="0"/>
                 <a:cs typeface="msgothic" charset="0"/>
@@ -9777,20 +9667,12 @@
               <a:t>.</a:t>
             </a:r>
             <a:r>
-              <a:rPr lang="en-GB" sz="1600" b="1" dirty="0" err="1" smtClean="0">
+              <a:rPr lang="en-GB" sz="1600" b="1" dirty="0" err="1">
                 <a:latin typeface="Courier New" pitchFamily="49" charset="0"/>
                 <a:ea typeface="msgothic" charset="0"/>
                 <a:cs typeface="msgothic" charset="0"/>
               </a:rPr>
               <a:t>rodata</a:t>
-            </a:r>
-            <a:r>
-              <a:rPr lang="en-GB" sz="1600" b="1" dirty="0" smtClean="0">
-                <a:latin typeface="Calibri" pitchFamily="34" charset="0"/>
-                <a:ea typeface="msgothic" charset="0"/>
-                <a:cs typeface="msgothic" charset="0"/>
-              </a:rPr>
-              <a:t> </a:t>
             </a:r>
             <a:r>
               <a:rPr lang="en-GB" sz="1600" b="1" dirty="0">
@@ -9798,7 +9680,7 @@
                 <a:ea typeface="msgothic" charset="0"/>
                 <a:cs typeface="msgothic" charset="0"/>
               </a:rPr>
-              <a:t>section</a:t>
+              <a:t> section</a:t>
             </a:r>
           </a:p>
         </p:txBody>
@@ -10436,11 +10318,11 @@
   <p:clrMapOvr>
     <a:masterClrMapping/>
   </p:clrMapOvr>
-  <p:transition xmlns:p14="http://schemas.microsoft.com/office/powerpoint/2010/main" spd="med"/>
+  <p:transition spd="med"/>
   <p:timing>
     <p:tnLst>
       <p:par>
-        <p:cTn xmlns:p14="http://schemas.microsoft.com/office/powerpoint/2010/main" id="1" dur="indefinite" restart="never" nodeType="tmRoot">
+        <p:cTn id="1" dur="indefinite" restart="never" nodeType="tmRoot">
           <p:childTnLst>
             <p:seq concurrent="1" nextAc="seek">
               <p:cTn id="2" dur="0" nodeType="mainSeq"/>
@@ -10627,12 +10509,8 @@
               </a:tabLst>
             </a:pPr>
             <a:r>
-              <a:rPr lang="en-GB" dirty="0" smtClean="0"/>
-              <a:t>E.g.: </a:t>
-            </a:r>
-            <a:r>
               <a:rPr lang="en-GB" dirty="0"/>
-              <a:t>non-</a:t>
+              <a:t>E.g.: non-</a:t>
             </a:r>
             <a:r>
               <a:rPr lang="en-GB" b="1" dirty="0">
@@ -10675,7 +10553,7 @@
                 <a:tab pos="9990138" algn="l"/>
               </a:tabLst>
             </a:pPr>
-            <a:endParaRPr lang="en-GB" dirty="0" smtClean="0"/>
+            <a:endParaRPr lang="en-GB" dirty="0"/>
           </a:p>
           <a:p>
             <a:pPr>
@@ -10698,12 +10576,8 @@
               </a:tabLst>
             </a:pPr>
             <a:r>
-              <a:rPr lang="en-GB" dirty="0" smtClean="0"/>
-              <a:t>External </a:t>
-            </a:r>
-            <a:r>
               <a:rPr lang="en-GB" dirty="0"/>
-              <a:t>symbols</a:t>
+              <a:t>External symbols</a:t>
             </a:r>
           </a:p>
           <a:p>
@@ -10759,7 +10633,7 @@
                 <a:tab pos="9990138" algn="l"/>
               </a:tabLst>
             </a:pPr>
-            <a:endParaRPr lang="en-GB" dirty="0" smtClean="0"/>
+            <a:endParaRPr lang="en-GB" dirty="0"/>
           </a:p>
           <a:p>
             <a:pPr>
@@ -10782,12 +10656,8 @@
               </a:tabLst>
             </a:pPr>
             <a:r>
-              <a:rPr lang="en-GB" dirty="0" smtClean="0"/>
-              <a:t>Local </a:t>
-            </a:r>
-            <a:r>
               <a:rPr lang="en-GB" dirty="0"/>
-              <a:t>symbols</a:t>
+              <a:t>Local symbols</a:t>
             </a:r>
           </a:p>
           <a:p>
@@ -10844,20 +10714,8 @@
               </a:tabLst>
             </a:pPr>
             <a:r>
-              <a:rPr lang="en-GB" dirty="0" smtClean="0"/>
-              <a:t>E.g.: </a:t>
-            </a:r>
-            <a:r>
               <a:rPr lang="en-GB" dirty="0"/>
-              <a:t>C functions and </a:t>
-            </a:r>
-            <a:r>
-              <a:rPr lang="en-GB" dirty="0" smtClean="0"/>
-              <a:t>global variables </a:t>
-            </a:r>
-            <a:r>
-              <a:rPr lang="en-GB" dirty="0"/>
-              <a:t>defined with the </a:t>
+              <a:t>E.g.: C functions and global variables defined with the </a:t>
             </a:r>
             <a:r>
               <a:rPr lang="en-GB" b="1" dirty="0">
@@ -10872,7 +10730,7 @@
               <a:t> </a:t>
             </a:r>
             <a:r>
-              <a:rPr lang="en-GB" dirty="0" smtClean="0"/>
+              <a:rPr lang="en-GB" dirty="0"/>
               <a:t>attribute.</a:t>
             </a:r>
           </a:p>
@@ -10897,20 +10755,12 @@
               </a:tabLst>
             </a:pPr>
             <a:r>
-              <a:rPr lang="en-GB" b="1" dirty="0" smtClean="0">
+              <a:rPr lang="en-GB" b="1" dirty="0">
                 <a:solidFill>
                   <a:srgbClr val="C00000"/>
                 </a:solidFill>
               </a:rPr>
-              <a:t>Local </a:t>
-            </a:r>
-            <a:r>
-              <a:rPr lang="en-GB" b="1" dirty="0">
-                <a:solidFill>
-                  <a:srgbClr val="C00000"/>
-                </a:solidFill>
-              </a:rPr>
-              <a:t>linker symbols are </a:t>
+              <a:t>Local linker symbols are </a:t>
             </a:r>
             <a:r>
               <a:rPr lang="en-GB" b="1" i="1" dirty="0">
@@ -10936,11 +10786,11 @@
   <p:clrMapOvr>
     <a:masterClrMapping/>
   </p:clrMapOvr>
-  <p:transition xmlns:p14="http://schemas.microsoft.com/office/powerpoint/2010/main" spd="med"/>
+  <p:transition spd="med"/>
   <p:timing>
     <p:tnLst>
       <p:par>
-        <p:cTn xmlns:p14="http://schemas.microsoft.com/office/powerpoint/2010/main" id="1" dur="indefinite" restart="never" nodeType="tmRoot">
+        <p:cTn id="1" dur="indefinite" restart="never" nodeType="tmRoot">
           <p:childTnLst>
             <p:seq concurrent="1" nextAc="seek">
               <p:cTn id="2" dur="0" nodeType="mainSeq"/>
@@ -11022,10 +10872,9 @@
               </a:tabLst>
             </a:pPr>
             <a:r>
-              <a:rPr lang="en-GB" dirty="0" smtClean="0"/>
+              <a:rPr lang="en-GB" dirty="0"/>
               <a:t>Step 1: Symbol Resolution</a:t>
             </a:r>
-            <a:endParaRPr lang="en-GB" dirty="0"/>
           </a:p>
         </p:txBody>
       </p:sp>
@@ -11855,7 +11704,7 @@
               </a:tabLst>
             </a:pPr>
             <a:r>
-              <a:rPr lang="en-GB" sz="1800" b="1" i="1" dirty="0" err="1" smtClean="0">
+              <a:rPr lang="en-GB" sz="1800" b="1" i="1" dirty="0" err="1">
                 <a:solidFill>
                   <a:schemeClr val="tx1">
                     <a:lumMod val="50000"/>
@@ -11919,7 +11768,7 @@
             <a:lstStyle/>
             <a:p>
               <a:r>
-                <a:rPr lang="en-US" sz="1800" dirty="0" smtClean="0">
+                <a:rPr lang="en-US" sz="1800" dirty="0">
                   <a:solidFill>
                     <a:srgbClr val="990000"/>
                   </a:solidFill>
@@ -11930,7 +11779,7 @@
             </a:p>
             <a:p>
               <a:r>
-                <a:rPr lang="en-US" sz="1800" dirty="0" smtClean="0">
+                <a:rPr lang="en-US" sz="1800" dirty="0">
                   <a:solidFill>
                     <a:srgbClr val="990000"/>
                   </a:solidFill>
@@ -12009,7 +11858,7 @@
             <a:p>
               <a:pPr algn="ctr"/>
               <a:r>
-                <a:rPr lang="en-US" sz="1800" dirty="0" smtClean="0">
+                <a:rPr lang="en-US" sz="1800" dirty="0">
                   <a:solidFill>
                     <a:srgbClr val="990000"/>
                   </a:solidFill>
@@ -12021,7 +11870,7 @@
             <a:p>
               <a:pPr algn="ctr"/>
               <a:r>
-                <a:rPr lang="en-US" sz="1800" dirty="0" smtClean="0">
+                <a:rPr lang="en-US" sz="1800" dirty="0">
                   <a:solidFill>
                     <a:srgbClr val="990000"/>
                   </a:solidFill>
@@ -12100,7 +11949,7 @@
             <a:p>
               <a:pPr algn="r"/>
               <a:r>
-                <a:rPr lang="en-US" sz="1800" dirty="0" smtClean="0">
+                <a:rPr lang="en-US" sz="1800" dirty="0">
                   <a:solidFill>
                     <a:srgbClr val="990000"/>
                   </a:solidFill>
@@ -12112,7 +11961,7 @@
             <a:p>
               <a:pPr algn="r"/>
               <a:r>
-                <a:rPr lang="en-US" sz="1800" dirty="0" smtClean="0">
+                <a:rPr lang="en-US" sz="1800" dirty="0">
                   <a:solidFill>
                     <a:srgbClr val="990000"/>
                   </a:solidFill>
@@ -12121,7 +11970,7 @@
                 <a:t>nothing of </a:t>
               </a:r>
               <a:r>
-                <a:rPr lang="en-US" sz="1800" dirty="0" err="1" smtClean="0">
+                <a:rPr lang="en-US" sz="1800" dirty="0" err="1">
                   <a:solidFill>
                     <a:srgbClr val="990000"/>
                   </a:solidFill>
@@ -12130,7 +11979,7 @@
                 </a:rPr>
                 <a:t>val</a:t>
               </a:r>
-              <a:endParaRPr lang="en-US" sz="1800" dirty="0" smtClean="0">
+              <a:endParaRPr lang="en-US" sz="1800" dirty="0">
                 <a:solidFill>
                   <a:srgbClr val="990000"/>
                 </a:solidFill>
@@ -12208,7 +12057,7 @@
             <a:p>
               <a:pPr algn="ctr"/>
               <a:r>
-                <a:rPr lang="en-US" sz="1800" dirty="0" smtClean="0">
+                <a:rPr lang="en-US" sz="1800" dirty="0">
                   <a:solidFill>
                     <a:srgbClr val="990000"/>
                   </a:solidFill>
@@ -12220,7 +12069,7 @@
             <a:p>
               <a:pPr algn="ctr"/>
               <a:r>
-                <a:rPr lang="en-US" sz="1800" dirty="0" smtClean="0">
+                <a:rPr lang="en-US" sz="1800" dirty="0">
                   <a:solidFill>
                     <a:srgbClr val="990000"/>
                   </a:solidFill>
@@ -12298,7 +12147,7 @@
             <a:lstStyle/>
             <a:p>
               <a:r>
-                <a:rPr lang="en-US" sz="1800" dirty="0" smtClean="0">
+                <a:rPr lang="en-US" sz="1800" dirty="0">
                   <a:solidFill>
                     <a:srgbClr val="990000"/>
                   </a:solidFill>
@@ -12375,7 +12224,7 @@
             <a:p>
               <a:pPr algn="ctr"/>
               <a:r>
-                <a:rPr lang="en-US" sz="1800" dirty="0" smtClean="0">
+                <a:rPr lang="en-US" sz="1800" dirty="0">
                   <a:solidFill>
                     <a:srgbClr val="990000"/>
                   </a:solidFill>
@@ -12387,7 +12236,7 @@
             <a:p>
               <a:pPr algn="ctr"/>
               <a:r>
-                <a:rPr lang="en-US" sz="1800" dirty="0" smtClean="0">
+                <a:rPr lang="en-US" sz="1800" dirty="0">
                   <a:solidFill>
                     <a:srgbClr val="990000"/>
                   </a:solidFill>
@@ -12396,7 +12245,7 @@
                 <a:t>nothing of </a:t>
               </a:r>
               <a:r>
-                <a:rPr lang="en-US" sz="1800" dirty="0" err="1" smtClean="0">
+                <a:rPr lang="en-US" sz="1800" dirty="0" err="1">
                   <a:solidFill>
                     <a:srgbClr val="990000"/>
                   </a:solidFill>
@@ -12416,7 +12265,7 @@
                 <a:t> </a:t>
               </a:r>
               <a:r>
-                <a:rPr lang="en-US" sz="1800" dirty="0" smtClean="0">
+                <a:rPr lang="en-US" sz="1800" dirty="0">
                   <a:solidFill>
                     <a:srgbClr val="990000"/>
                   </a:solidFill>
@@ -12426,7 +12275,7 @@
                 <a:t>or</a:t>
               </a:r>
               <a:r>
-                <a:rPr lang="en-US" sz="1800" dirty="0" smtClean="0">
+                <a:rPr lang="en-US" sz="1800" dirty="0">
                   <a:solidFill>
                     <a:srgbClr val="990000"/>
                   </a:solidFill>
@@ -12505,7 +12354,7 @@
             <a:lstStyle/>
             <a:p>
               <a:r>
-                <a:rPr lang="en-US" sz="1800" dirty="0" smtClean="0">
+                <a:rPr lang="en-US" sz="1800" dirty="0">
                   <a:solidFill>
                     <a:srgbClr val="990000"/>
                   </a:solidFill>
@@ -12551,11 +12400,11 @@
   <p:clrMapOvr>
     <a:masterClrMapping/>
   </p:clrMapOvr>
-  <p:transition xmlns:p14="http://schemas.microsoft.com/office/powerpoint/2010/main" spd="med"/>
+  <p:transition spd="med"/>
   <p:timing>
     <p:tnLst>
       <p:par>
-        <p:cTn xmlns:p14="http://schemas.microsoft.com/office/powerpoint/2010/main" id="1" dur="indefinite" restart="never" nodeType="tmRoot">
+        <p:cTn id="1" dur="indefinite" restart="never" nodeType="tmRoot">
           <p:childTnLst>
             <p:seq concurrent="1" nextAc="seek">
               <p:cTn id="2" dur="indefinite" nodeType="mainSeq">
@@ -12933,10 +12782,9 @@
           <a:lstStyle/>
           <a:p>
             <a:r>
-              <a:rPr lang="en-US" dirty="0" smtClean="0"/>
+              <a:rPr lang="en-US" dirty="0"/>
               <a:t>Local Symbols</a:t>
             </a:r>
-            <a:endParaRPr lang="en-US" dirty="0"/>
           </a:p>
         </p:txBody>
       </p:sp>
@@ -12961,59 +12809,55 @@
           <a:lstStyle/>
           <a:p>
             <a:r>
-              <a:rPr lang="en-US" dirty="0" smtClean="0"/>
+              <a:rPr lang="en-US" dirty="0"/>
               <a:t>Local non-static C variables vs. local static C variables</a:t>
             </a:r>
           </a:p>
           <a:p>
             <a:pPr lvl="1"/>
             <a:r>
-              <a:rPr lang="en-US" dirty="0" smtClean="0"/>
+              <a:rPr lang="en-US" dirty="0"/>
               <a:t>local non-static C variables: stored on the stack </a:t>
             </a:r>
           </a:p>
           <a:p>
             <a:pPr lvl="1"/>
             <a:r>
-              <a:rPr lang="en-US" dirty="0" smtClean="0"/>
+              <a:rPr lang="en-US" dirty="0"/>
               <a:t>local static C variables: stored in either </a:t>
             </a:r>
             <a:r>
-              <a:rPr lang="en-US" dirty="0" smtClean="0">
+              <a:rPr lang="en-US" dirty="0">
                 <a:latin typeface="Courier New"/>
                 <a:cs typeface="Courier New"/>
               </a:rPr>
               <a:t>.</a:t>
             </a:r>
             <a:r>
-              <a:rPr lang="en-US" dirty="0" err="1" smtClean="0">
+              <a:rPr lang="en-US" dirty="0" err="1">
                 <a:latin typeface="Courier New"/>
                 <a:cs typeface="Courier New"/>
               </a:rPr>
               <a:t>bss</a:t>
             </a:r>
             <a:r>
-              <a:rPr lang="en-US" dirty="0" smtClean="0">
+              <a:rPr lang="en-US" dirty="0">
                 <a:latin typeface="Courier New"/>
                 <a:cs typeface="Courier New"/>
               </a:rPr>
               <a:t>, </a:t>
             </a:r>
             <a:r>
-              <a:rPr lang="en-US" dirty="0" smtClean="0"/>
+              <a:rPr lang="en-US" dirty="0"/>
               <a:t>or </a:t>
             </a:r>
             <a:r>
-              <a:rPr lang="en-US" dirty="0" smtClean="0">
+              <a:rPr lang="en-US" dirty="0">
                 <a:latin typeface="Courier New"/>
                 <a:cs typeface="Courier New"/>
               </a:rPr>
               <a:t>.data</a:t>
             </a:r>
-            <a:endParaRPr lang="en-US" dirty="0">
-              <a:latin typeface="Courier New"/>
-              <a:cs typeface="Courier New"/>
-            </a:endParaRPr>
           </a:p>
         </p:txBody>
       </p:sp>
@@ -13398,26 +13242,26 @@
           <a:lstStyle/>
           <a:p>
             <a:r>
-              <a:rPr lang="en-US" sz="2000" dirty="0" smtClean="0">
+              <a:rPr lang="en-US" sz="2000" dirty="0">
                 <a:latin typeface="Calibri" pitchFamily="34" charset="0"/>
               </a:rPr>
               <a:t>Compiler allocates space in </a:t>
             </a:r>
             <a:r>
-              <a:rPr lang="en-US" sz="2000" dirty="0" smtClean="0">
+              <a:rPr lang="en-US" sz="2000" dirty="0">
                 <a:latin typeface="Courier New"/>
                 <a:cs typeface="Courier New"/>
               </a:rPr>
               <a:t>.data </a:t>
             </a:r>
             <a:r>
-              <a:rPr lang="en-US" sz="2000" dirty="0" smtClean="0">
+              <a:rPr lang="en-US" sz="2000" dirty="0">
                 <a:latin typeface="Calibri" pitchFamily="34" charset="0"/>
               </a:rPr>
               <a:t>for each definition of </a:t>
             </a:r>
             <a:r>
-              <a:rPr lang="en-US" sz="2000" dirty="0" smtClean="0">
+              <a:rPr lang="en-US" sz="2000" dirty="0">
                 <a:latin typeface="Courier New"/>
                 <a:cs typeface="Courier New"/>
               </a:rPr>
@@ -13434,36 +13278,30 @@
               <a:rPr lang="en-US" sz="2000" dirty="0">
                 <a:latin typeface="Calibri" pitchFamily="34" charset="0"/>
               </a:rPr>
-              <a:t>C</a:t>
-            </a:r>
-            <a:r>
-              <a:rPr lang="en-US" sz="2000" dirty="0" smtClean="0">
-                <a:latin typeface="Calibri" pitchFamily="34" charset="0"/>
-              </a:rPr>
-              <a:t>reates local symbols in the symbol table with unique names, e.g., </a:t>
-            </a:r>
-            <a:r>
-              <a:rPr lang="en-US" sz="2000" dirty="0" smtClean="0">
+              <a:t>Creates local symbols in the symbol table with unique names, e.g., </a:t>
+            </a:r>
+            <a:r>
+              <a:rPr lang="en-US" sz="2000" dirty="0">
                 <a:latin typeface="Courier New"/>
                 <a:cs typeface="Courier New"/>
               </a:rPr>
               <a:t>x.1</a:t>
             </a:r>
             <a:r>
-              <a:rPr lang="en-US" sz="2000" dirty="0" smtClean="0">
+              <a:rPr lang="en-US" sz="2000" dirty="0">
                 <a:latin typeface="Calibri" pitchFamily="34" charset="0"/>
               </a:rPr>
               <a:t> and </a:t>
             </a:r>
             <a:r>
-              <a:rPr lang="en-US" sz="2000" dirty="0" smtClean="0">
+              <a:rPr lang="en-US" sz="2000" dirty="0">
                 <a:latin typeface="Courier New"/>
                 <a:cs typeface="Courier New"/>
               </a:rPr>
               <a:t>x.2</a:t>
             </a:r>
             <a:r>
-              <a:rPr lang="en-US" sz="2000" dirty="0" smtClean="0">
+              <a:rPr lang="en-US" sz="2000" dirty="0">
                 <a:latin typeface="Calibri" pitchFamily="34" charset="0"/>
               </a:rPr>
               <a:t>.</a:t>
@@ -13484,7 +13322,7 @@
   <p:timing>
     <p:tnLst>
       <p:par>
-        <p:cTn xmlns:p14="http://schemas.microsoft.com/office/powerpoint/2010/main" id="1" dur="indefinite" restart="never" nodeType="tmRoot">
+        <p:cTn id="1" dur="indefinite" restart="never" nodeType="tmRoot">
           <p:childTnLst>
             <p:seq concurrent="1" nextAc="seek">
               <p:cTn id="2" dur="indefinite" nodeType="mainSeq">
@@ -13667,10 +13505,9 @@
               </a:tabLst>
             </a:pPr>
             <a:r>
-              <a:rPr lang="en-GB" dirty="0" smtClean="0"/>
+              <a:rPr lang="en-GB" dirty="0"/>
               <a:t>How Linker Resolves Duplicate Symbol Definitions</a:t>
             </a:r>
-            <a:endParaRPr lang="en-GB" dirty="0"/>
           </a:p>
         </p:txBody>
       </p:sp>
@@ -13751,15 +13588,7 @@
                   <a:srgbClr val="C00000"/>
                 </a:solidFill>
               </a:rPr>
-              <a:t>S</a:t>
-            </a:r>
-            <a:r>
-              <a:rPr lang="en-GB" b="1" i="1" dirty="0" smtClean="0">
-                <a:solidFill>
-                  <a:srgbClr val="C00000"/>
-                </a:solidFill>
-              </a:rPr>
-              <a:t>trong</a:t>
+              <a:t>Strong</a:t>
             </a:r>
             <a:r>
               <a:rPr lang="en-GB" dirty="0"/>
@@ -13794,15 +13623,7 @@
                   <a:srgbClr val="C00000"/>
                 </a:solidFill>
               </a:rPr>
-              <a:t>W</a:t>
-            </a:r>
-            <a:r>
-              <a:rPr lang="en-GB" b="1" i="1" dirty="0" smtClean="0">
-                <a:solidFill>
-                  <a:srgbClr val="C00000"/>
-                </a:solidFill>
-              </a:rPr>
-              <a:t>eak</a:t>
+              <a:t>Weak</a:t>
             </a:r>
             <a:r>
               <a:rPr lang="en-GB" dirty="0"/>
@@ -14655,11 +14476,11 @@
   <p:clrMapOvr>
     <a:masterClrMapping/>
   </p:clrMapOvr>
-  <p:transition xmlns:p14="http://schemas.microsoft.com/office/powerpoint/2010/main" spd="med"/>
+  <p:transition spd="med"/>
   <p:timing>
     <p:tnLst>
       <p:par>
-        <p:cTn xmlns:p14="http://schemas.microsoft.com/office/powerpoint/2010/main" id="1" dur="indefinite" restart="never" nodeType="tmRoot">
+        <p:cTn id="1" dur="indefinite" restart="never" nodeType="tmRoot">
           <p:childTnLst>
             <p:seq concurrent="1" nextAc="seek">
               <p:cTn id="2" dur="indefinite" nodeType="mainSeq">
@@ -15087,11 +14908,7 @@
             </a:pPr>
             <a:r>
               <a:rPr lang="en-GB" dirty="0"/>
-              <a:t>Rule </a:t>
-            </a:r>
-            <a:r>
-              <a:rPr lang="en-GB" dirty="0" smtClean="0"/>
-              <a:t>1: Multiple strong symbols are not allowed</a:t>
+              <a:t>Rule 1: Multiple strong symbols are not allowed</a:t>
             </a:r>
           </a:p>
           <a:p>
@@ -15112,16 +14929,8 @@
               </a:tabLst>
             </a:pPr>
             <a:r>
-              <a:rPr lang="en-GB" dirty="0" smtClean="0"/>
-              <a:t>Each </a:t>
-            </a:r>
-            <a:r>
               <a:rPr lang="en-GB" dirty="0"/>
-              <a:t>item can be defined only </a:t>
-            </a:r>
-            <a:r>
-              <a:rPr lang="en-GB" dirty="0" smtClean="0"/>
-              <a:t>once</a:t>
+              <a:t>Each item can be defined only once</a:t>
             </a:r>
           </a:p>
           <a:p>
@@ -15142,10 +14951,9 @@
               </a:tabLst>
             </a:pPr>
             <a:r>
-              <a:rPr lang="en-GB" dirty="0" smtClean="0"/>
+              <a:rPr lang="en-GB" dirty="0"/>
               <a:t>Otherwise: Linker error</a:t>
             </a:r>
-            <a:endParaRPr lang="en-GB" dirty="0"/>
           </a:p>
           <a:p>
             <a:pPr>
@@ -15187,13 +14995,8 @@
             </a:pPr>
             <a:r>
               <a:rPr lang="en-GB" dirty="0"/>
-              <a:t>Rule </a:t>
-            </a:r>
-            <a:r>
-              <a:rPr lang="en-GB" dirty="0" smtClean="0"/>
-              <a:t>2: Given a strong symbol and multiple weak symbols, choose the strong symbol</a:t>
-            </a:r>
-            <a:endParaRPr lang="en-GB" dirty="0"/>
+              <a:t>Rule 2: Given a strong symbol and multiple weak symbols, choose the strong symbol</a:t>
+            </a:r>
           </a:p>
           <a:p>
             <a:pPr lvl="1">
@@ -15214,21 +15017,8 @@
             </a:pPr>
             <a:r>
               <a:rPr lang="en-GB" dirty="0"/>
-              <a:t>R</a:t>
-            </a:r>
-            <a:r>
-              <a:rPr lang="en-GB" dirty="0" smtClean="0"/>
-              <a:t>eferences </a:t>
-            </a:r>
-            <a:r>
-              <a:rPr lang="en-GB" dirty="0"/>
-              <a:t>to the weak symbol resolve to the strong </a:t>
-            </a:r>
-            <a:r>
-              <a:rPr lang="en-GB" dirty="0" smtClean="0"/>
-              <a:t>symbol</a:t>
-            </a:r>
-            <a:endParaRPr lang="en-GB" dirty="0"/>
+              <a:t>References to the weak symbol resolve to the strong symbol</a:t>
+            </a:r>
           </a:p>
           <a:p>
             <a:pPr>
@@ -15270,29 +15060,8 @@
             </a:pPr>
             <a:r>
               <a:rPr lang="en-GB" dirty="0"/>
-              <a:t>Rule </a:t>
-            </a:r>
-            <a:r>
-              <a:rPr lang="en-GB" dirty="0" smtClean="0"/>
-              <a:t>3: </a:t>
-            </a:r>
-            <a:r>
-              <a:rPr lang="en-GB" dirty="0"/>
-              <a:t>If there are multiple weak symbols, </a:t>
-            </a:r>
-            <a:r>
-              <a:rPr lang="en-GB" dirty="0" smtClean="0"/>
-              <a:t>pick </a:t>
-            </a:r>
-            <a:r>
-              <a:rPr lang="en-GB" dirty="0"/>
-              <a:t>an arbitrary </a:t>
-            </a:r>
-            <a:r>
-              <a:rPr lang="en-GB" dirty="0" smtClean="0"/>
-              <a:t>one</a:t>
-            </a:r>
-            <a:endParaRPr lang="en-GB" dirty="0"/>
+              <a:t>Rule 3: If there are multiple weak symbols, pick an arbitrary one</a:t>
+            </a:r>
           </a:p>
           <a:p>
             <a:pPr lvl="1">
@@ -15371,11 +15140,11 @@
   <p:clrMapOvr>
     <a:masterClrMapping/>
   </p:clrMapOvr>
-  <p:transition xmlns:p14="http://schemas.microsoft.com/office/powerpoint/2010/main" spd="med"/>
+  <p:transition spd="med"/>
   <p:timing>
     <p:tnLst>
       <p:par>
-        <p:cTn xmlns:p14="http://schemas.microsoft.com/office/powerpoint/2010/main" id="1" dur="indefinite" restart="never" nodeType="tmRoot">
+        <p:cTn id="1" dur="indefinite" restart="never" nodeType="tmRoot">
           <p:childTnLst>
             <p:seq concurrent="1" nextAc="seek">
               <p:cTn id="2" dur="indefinite" nodeType="mainSeq">
@@ -15635,7 +15404,7 @@
               <a:buNone/>
               <a:tabLst/>
             </a:pPr>
-            <a:endParaRPr lang="en-US" dirty="0" smtClean="0">
+            <a:endParaRPr lang="en-US" dirty="0">
               <a:latin typeface="Calibri" pitchFamily="34" charset="0"/>
             </a:endParaRPr>
           </a:p>
@@ -15694,7 +15463,7 @@
               <a:buNone/>
               <a:tabLst/>
             </a:pPr>
-            <a:endParaRPr lang="en-US" dirty="0" smtClean="0">
+            <a:endParaRPr lang="en-US" dirty="0">
               <a:latin typeface="Calibri" pitchFamily="34" charset="0"/>
             </a:endParaRPr>
           </a:p>
@@ -17135,7 +16904,7 @@
               <a:t> in </a:t>
             </a:r>
             <a:r>
-              <a:rPr lang="en-GB" sz="1800" dirty="0" smtClean="0">
+              <a:rPr lang="en-GB" sz="1800" dirty="0">
                 <a:latin typeface="Courier New" pitchFamily="49" charset="0"/>
                 <a:ea typeface="msgothic" charset="0"/>
                 <a:cs typeface="msgothic" charset="0"/>
@@ -17151,20 +16920,12 @@
               <a:t> </a:t>
             </a:r>
             <a:r>
-              <a:rPr lang="en-GB" sz="1800" b="0" dirty="0" smtClean="0">
-                <a:latin typeface="Calibri" pitchFamily="34" charset="0"/>
-                <a:ea typeface="msgothic" charset="0"/>
-                <a:cs typeface="msgothic" charset="0"/>
-              </a:rPr>
-              <a:t>will </a:t>
-            </a:r>
-            <a:r>
               <a:rPr lang="en-GB" sz="1800" b="0" dirty="0">
                 <a:latin typeface="Calibri" pitchFamily="34" charset="0"/>
                 <a:ea typeface="msgothic" charset="0"/>
                 <a:cs typeface="msgothic" charset="0"/>
               </a:rPr>
-              <a:t>overwrite </a:t>
+              <a:t>will overwrite </a:t>
             </a:r>
             <a:r>
               <a:rPr lang="en-GB" sz="1800" dirty="0">
@@ -17431,11 +17192,11 @@
   <p:clrMapOvr>
     <a:masterClrMapping/>
   </p:clrMapOvr>
-  <p:transition xmlns:p14="http://schemas.microsoft.com/office/powerpoint/2010/main" spd="med"/>
+  <p:transition spd="med"/>
   <p:timing>
     <p:tnLst>
       <p:par>
-        <p:cTn xmlns:p14="http://schemas.microsoft.com/office/powerpoint/2010/main" id="1" dur="indefinite" restart="never" nodeType="tmRoot">
+        <p:cTn id="1" dur="indefinite" restart="never" nodeType="tmRoot">
           <p:childTnLst>
             <p:seq concurrent="1" nextAc="seek">
               <p:cTn id="2" dur="indefinite" nodeType="mainSeq">
@@ -18128,10 +17889,9 @@
           <a:lstStyle/>
           <a:p>
             <a:r>
-              <a:rPr lang="en-US" dirty="0" smtClean="0"/>
+              <a:rPr lang="en-US" dirty="0"/>
               <a:t>Global Variables</a:t>
             </a:r>
-            <a:endParaRPr lang="en-US" dirty="0"/>
           </a:p>
         </p:txBody>
       </p:sp>
@@ -18151,62 +17911,61 @@
           <a:lstStyle/>
           <a:p>
             <a:r>
-              <a:rPr lang="en-US" dirty="0" smtClean="0"/>
+              <a:rPr lang="en-US" dirty="0"/>
               <a:t>Avoid if you can</a:t>
             </a:r>
           </a:p>
           <a:p>
-            <a:endParaRPr lang="en-US" dirty="0" smtClean="0"/>
-          </a:p>
-          <a:p>
-            <a:r>
-              <a:rPr lang="en-US" dirty="0" smtClean="0"/>
+            <a:endParaRPr lang="en-US" dirty="0"/>
+          </a:p>
+          <a:p>
+            <a:r>
+              <a:rPr lang="en-US" dirty="0"/>
               <a:t>Otherwise</a:t>
             </a:r>
           </a:p>
           <a:p>
             <a:pPr lvl="1"/>
             <a:r>
-              <a:rPr lang="en-US" dirty="0" smtClean="0"/>
+              <a:rPr lang="en-US" dirty="0"/>
               <a:t>Use </a:t>
             </a:r>
             <a:r>
-              <a:rPr lang="en-US" b="1" dirty="0" smtClean="0">
+              <a:rPr lang="en-US" b="1" dirty="0">
                 <a:latin typeface="Courier New" pitchFamily="49" charset="0"/>
                 <a:cs typeface="Courier New" pitchFamily="49" charset="0"/>
               </a:rPr>
               <a:t>static </a:t>
             </a:r>
             <a:r>
-              <a:rPr lang="en-US" dirty="0" smtClean="0"/>
+              <a:rPr lang="en-US" dirty="0"/>
               <a:t>if you can</a:t>
             </a:r>
           </a:p>
           <a:p>
             <a:pPr lvl="1"/>
             <a:r>
-              <a:rPr lang="en-US" dirty="0" smtClean="0"/>
+              <a:rPr lang="en-US" dirty="0"/>
               <a:t>Initialize if you define a global variable</a:t>
             </a:r>
           </a:p>
           <a:p>
             <a:pPr lvl="1"/>
             <a:r>
-              <a:rPr lang="en-US" dirty="0" smtClean="0"/>
+              <a:rPr lang="en-US" dirty="0"/>
               <a:t>Use </a:t>
             </a:r>
             <a:r>
-              <a:rPr lang="en-US" b="1" dirty="0" smtClean="0">
+              <a:rPr lang="en-US" b="1" dirty="0">
                 <a:latin typeface="Courier New" pitchFamily="49" charset="0"/>
                 <a:cs typeface="Courier New" pitchFamily="49" charset="0"/>
               </a:rPr>
               <a:t>extern</a:t>
             </a:r>
             <a:r>
-              <a:rPr lang="en-US" dirty="0" smtClean="0"/>
+              <a:rPr lang="en-US" dirty="0"/>
               <a:t> if you reference an external global variable</a:t>
             </a:r>
-            <a:endParaRPr lang="en-US" dirty="0"/>
           </a:p>
         </p:txBody>
       </p:sp>
@@ -18215,13 +17974,6 @@
   <p:clrMapOvr>
     <a:masterClrMapping/>
   </p:clrMapOvr>
-  <p:timing>
-    <p:tnLst>
-      <p:par>
-        <p:cTn xmlns:p14="http://schemas.microsoft.com/office/powerpoint/2010/main" id="1" dur="indefinite" restart="never" nodeType="tmRoot"/>
-      </p:par>
-    </p:tnLst>
-  </p:timing>
 </p:sld>
 </file>
 
@@ -18258,10 +18010,9 @@
           <a:lstStyle/>
           <a:p>
             <a:r>
-              <a:rPr lang="en-US" dirty="0" smtClean="0"/>
+              <a:rPr lang="en-US" dirty="0"/>
               <a:t>Today</a:t>
             </a:r>
-            <a:endParaRPr lang="en-US" dirty="0"/>
           </a:p>
         </p:txBody>
       </p:sp>
@@ -18281,10 +18032,10 @@
           <a:lstStyle/>
           <a:p>
             <a:r>
-              <a:rPr lang="en-US" dirty="0" smtClean="0"/>
+              <a:rPr lang="en-US" dirty="0"/>
               <a:t>Linking</a:t>
             </a:r>
-            <a:endParaRPr lang="en-US" dirty="0" smtClean="0">
+            <a:endParaRPr lang="en-US" dirty="0">
               <a:solidFill>
                 <a:schemeClr val="bg1">
                   <a:lumMod val="75000"/>
@@ -18294,7 +18045,7 @@
           </a:p>
           <a:p>
             <a:r>
-              <a:rPr lang="en-US" dirty="0" smtClean="0">
+              <a:rPr lang="en-US" dirty="0">
                 <a:solidFill>
                   <a:schemeClr val="bg1">
                     <a:lumMod val="75000"/>
@@ -18304,7 +18055,7 @@
               <a:t>Case study: Library </a:t>
             </a:r>
             <a:r>
-              <a:rPr lang="en-US" dirty="0" err="1" smtClean="0">
+              <a:rPr lang="en-US" dirty="0" err="1">
                 <a:solidFill>
                   <a:schemeClr val="bg1">
                     <a:lumMod val="75000"/>
@@ -18313,7 +18064,7 @@
               </a:rPr>
               <a:t>interpositioning</a:t>
             </a:r>
-            <a:endParaRPr lang="en-US" dirty="0" smtClean="0">
+            <a:endParaRPr lang="en-US" dirty="0">
               <a:solidFill>
                 <a:schemeClr val="bg1">
                   <a:lumMod val="75000"/>
@@ -18328,13 +18079,6 @@
   <p:clrMapOvr>
     <a:masterClrMapping/>
   </p:clrMapOvr>
-  <p:timing>
-    <p:tnLst>
-      <p:par>
-        <p:cTn xmlns:p14="http://schemas.microsoft.com/office/powerpoint/2010/main" id="1" dur="indefinite" restart="never" nodeType="tmRoot"/>
-      </p:par>
-    </p:tnLst>
-  </p:timing>
 </p:sld>
 </file>
 
@@ -18393,10 +18137,9 @@
               </a:tabLst>
             </a:pPr>
             <a:r>
-              <a:rPr lang="en-GB" dirty="0" smtClean="0"/>
+              <a:rPr lang="en-GB" dirty="0"/>
               <a:t>Step 2: Relocation</a:t>
             </a:r>
-            <a:endParaRPr lang="en-GB" dirty="0"/>
           </a:p>
         </p:txBody>
       </p:sp>
@@ -18577,20 +18320,12 @@
               </a:tabLst>
             </a:pPr>
             <a:r>
-              <a:rPr lang="en-GB" sz="1600" b="1" dirty="0" smtClean="0">
-                <a:latin typeface="Courier New" pitchFamily="49" charset="0"/>
-                <a:ea typeface="msgothic" charset="0"/>
-                <a:cs typeface="msgothic" charset="0"/>
-              </a:rPr>
-              <a:t>sum(</a:t>
-            </a:r>
-            <a:r>
               <a:rPr lang="en-GB" sz="1600" b="1" dirty="0">
                 <a:latin typeface="Courier New" pitchFamily="49" charset="0"/>
                 <a:ea typeface="msgothic" charset="0"/>
                 <a:cs typeface="msgothic" charset="0"/>
               </a:rPr>
-              <a:t>)</a:t>
+              <a:t>sum()</a:t>
             </a:r>
           </a:p>
         </p:txBody>
@@ -18646,7 +18381,7 @@
               </a:tabLst>
             </a:pPr>
             <a:r>
-              <a:rPr lang="en-GB" sz="1800" b="1" dirty="0" err="1" smtClean="0">
+              <a:rPr lang="en-GB" sz="1800" b="1" dirty="0" err="1">
                 <a:latin typeface="Courier New" pitchFamily="49" charset="0"/>
                 <a:ea typeface="msgothic" charset="0"/>
                 <a:cs typeface="msgothic" charset="0"/>
@@ -18793,23 +18528,7 @@
                 <a:ea typeface="msgothic" charset="0"/>
                 <a:cs typeface="msgothic" charset="0"/>
               </a:rPr>
-              <a:t> </a:t>
-            </a:r>
-            <a:r>
-              <a:rPr lang="en-GB" sz="1600" b="1" dirty="0" smtClean="0">
-                <a:latin typeface="Courier New" pitchFamily="49" charset="0"/>
-                <a:ea typeface="msgothic" charset="0"/>
-                <a:cs typeface="msgothic" charset="0"/>
-              </a:rPr>
-              <a:t>array[</a:t>
-            </a:r>
-            <a:r>
-              <a:rPr lang="en-GB" sz="1600" b="1" dirty="0">
-                <a:latin typeface="Courier New" pitchFamily="49" charset="0"/>
-                <a:ea typeface="msgothic" charset="0"/>
-                <a:cs typeface="msgothic" charset="0"/>
-              </a:rPr>
-              <a:t>2]={1,2}</a:t>
+              <a:t> array[2]={1,2}</a:t>
             </a:r>
           </a:p>
         </p:txBody>
@@ -18875,21 +18594,8 @@
                 <a:ea typeface="msgothic" charset="0"/>
                 <a:cs typeface="msgothic" charset="0"/>
               </a:rPr>
-              <a:t>System </a:t>
-            </a:r>
-            <a:r>
-              <a:rPr lang="en-GB" sz="1600" b="1" dirty="0" smtClean="0">
-                <a:latin typeface="Calibri" pitchFamily="34" charset="0"/>
-                <a:ea typeface="msgothic" charset="0"/>
-                <a:cs typeface="msgothic" charset="0"/>
-              </a:rPr>
-              <a:t>data</a:t>
-            </a:r>
-            <a:endParaRPr lang="en-GB" sz="1600" b="1" dirty="0">
-              <a:latin typeface="Calibri" pitchFamily="34" charset="0"/>
-              <a:ea typeface="msgothic" charset="0"/>
-              <a:cs typeface="msgothic" charset="0"/>
-            </a:endParaRPr>
+              <a:t>System data</a:t>
+            </a:r>
           </a:p>
         </p:txBody>
       </p:sp>
@@ -20183,21 +19889,8 @@
                   <a:ea typeface="msgothic" charset="0"/>
                   <a:cs typeface="msgothic" charset="0"/>
                 </a:rPr>
-                <a:t>System </a:t>
+                <a:t>System data</a:t>
               </a:r>
-              <a:r>
-                <a:rPr lang="en-GB" sz="1600" b="1" dirty="0" smtClean="0">
-                  <a:latin typeface="Calibri" pitchFamily="34" charset="0"/>
-                  <a:ea typeface="msgothic" charset="0"/>
-                  <a:cs typeface="msgothic" charset="0"/>
-                </a:rPr>
-                <a:t>data</a:t>
-              </a:r>
-              <a:endParaRPr lang="en-GB" sz="1600" b="1" dirty="0">
-                <a:latin typeface="Calibri" pitchFamily="34" charset="0"/>
-                <a:ea typeface="msgothic" charset="0"/>
-                <a:cs typeface="msgothic" charset="0"/>
-              </a:endParaRPr>
             </a:p>
           </p:txBody>
         </p:sp>
@@ -20270,23 +19963,7 @@
                   <a:ea typeface="msgothic" charset="0"/>
                   <a:cs typeface="msgothic" charset="0"/>
                 </a:rPr>
-                <a:t> </a:t>
-              </a:r>
-              <a:r>
-                <a:rPr lang="en-GB" sz="1600" b="1" dirty="0" smtClean="0">
-                  <a:latin typeface="Courier New" pitchFamily="49" charset="0"/>
-                  <a:ea typeface="msgothic" charset="0"/>
-                  <a:cs typeface="msgothic" charset="0"/>
-                </a:rPr>
-                <a:t>array[</a:t>
-              </a:r>
-              <a:r>
-                <a:rPr lang="en-GB" sz="1600" b="1" dirty="0">
-                  <a:latin typeface="Courier New" pitchFamily="49" charset="0"/>
-                  <a:ea typeface="msgothic" charset="0"/>
-                  <a:cs typeface="msgothic" charset="0"/>
-                </a:rPr>
-                <a:t>2]={1,2}</a:t>
+                <a:t> array[2]={1,2}</a:t>
               </a:r>
             </a:p>
           </p:txBody>
@@ -20297,11 +19974,11 @@
   <p:clrMapOvr>
     <a:masterClrMapping/>
   </p:clrMapOvr>
-  <p:transition xmlns:p14="http://schemas.microsoft.com/office/powerpoint/2010/main" spd="med"/>
+  <p:transition spd="med"/>
   <p:timing>
     <p:tnLst>
       <p:par>
-        <p:cTn xmlns:p14="http://schemas.microsoft.com/office/powerpoint/2010/main" id="1" dur="indefinite" restart="never" nodeType="tmRoot">
+        <p:cTn id="1" dur="indefinite" restart="never" nodeType="tmRoot">
           <p:childTnLst>
             <p:seq concurrent="1" nextAc="seek">
               <p:cTn id="2" dur="indefinite" nodeType="mainSeq">
@@ -20434,10 +20111,9 @@
               </a:tabLst>
             </a:pPr>
             <a:r>
-              <a:rPr lang="en-GB" dirty="0" smtClean="0"/>
+              <a:rPr lang="en-GB" dirty="0"/>
               <a:t>Relocation Entries</a:t>
             </a:r>
-            <a:endParaRPr lang="en-GB" dirty="0"/>
           </a:p>
         </p:txBody>
       </p:sp>
@@ -20500,7 +20176,7 @@
               <a:t>Source: </a:t>
             </a:r>
             <a:r>
-              <a:rPr lang="en-GB" sz="1400" b="1" dirty="0" err="1" smtClean="0">
+              <a:rPr lang="en-GB" sz="1400" b="1" dirty="0" err="1">
                 <a:latin typeface="Courier New" pitchFamily="49" charset="0"/>
                 <a:ea typeface="msgothic" charset="0"/>
                 <a:cs typeface="msgothic" charset="0"/>
@@ -20508,7 +20184,7 @@
               <a:t>objdump</a:t>
             </a:r>
             <a:r>
-              <a:rPr lang="en-GB" sz="1400" b="1" dirty="0" smtClean="0">
+              <a:rPr lang="en-GB" sz="1400" b="1" dirty="0">
                 <a:latin typeface="Courier New" pitchFamily="49" charset="0"/>
                 <a:ea typeface="msgothic" charset="0"/>
                 <a:cs typeface="msgothic" charset="0"/>
@@ -20516,7 +20192,7 @@
               <a:t> –r –d </a:t>
             </a:r>
             <a:r>
-              <a:rPr lang="en-GB" sz="1400" b="1" dirty="0" err="1" smtClean="0">
+              <a:rPr lang="en-GB" sz="1400" b="1" dirty="0" err="1">
                 <a:latin typeface="Courier New" pitchFamily="49" charset="0"/>
                 <a:ea typeface="msgothic" charset="0"/>
                 <a:cs typeface="msgothic" charset="0"/>
@@ -20858,7 +20534,7 @@
               </a:tabLst>
             </a:pPr>
             <a:r>
-              <a:rPr lang="en-GB" sz="1800" b="1" i="1" dirty="0" err="1" smtClean="0">
+              <a:rPr lang="en-GB" sz="1800" b="1" i="1" dirty="0" err="1">
                 <a:solidFill>
                   <a:schemeClr val="tx1">
                     <a:lumMod val="50000"/>
@@ -20921,7 +20597,7 @@
           <a:lstStyle/>
           <a:p>
             <a:r>
-              <a:rPr lang="hu-HU" sz="1800" dirty="0" smtClean="0">
+              <a:rPr lang="hu-HU" sz="1800" dirty="0">
                 <a:solidFill>
                   <a:srgbClr val="2D961E"/>
                 </a:solidFill>
@@ -20930,7 +20606,7 @@
               <a:t>int</a:t>
             </a:r>
             <a:r>
-              <a:rPr lang="hu-HU" sz="1800" dirty="0" smtClean="0">
+              <a:rPr lang="hu-HU" sz="1800" dirty="0">
                 <a:solidFill>
                   <a:srgbClr val="000000"/>
                 </a:solidFill>
@@ -21194,7 +20870,7 @@
               </a:tabLst>
             </a:pPr>
             <a:r>
-              <a:rPr lang="en-GB" sz="1800" b="1" i="1" dirty="0" err="1" smtClean="0">
+              <a:rPr lang="en-GB" sz="1800" b="1" i="1" dirty="0" err="1">
                 <a:solidFill>
                   <a:schemeClr val="tx1">
                     <a:lumMod val="50000"/>
@@ -21226,11 +20902,11 @@
   <p:clrMapOvr>
     <a:masterClrMapping/>
   </p:clrMapOvr>
-  <p:transition xmlns:p14="http://schemas.microsoft.com/office/powerpoint/2010/main" spd="med"/>
+  <p:transition spd="med"/>
   <p:timing>
     <p:tnLst>
       <p:par>
-        <p:cTn xmlns:p14="http://schemas.microsoft.com/office/powerpoint/2010/main" id="1" dur="indefinite" restart="never" nodeType="tmRoot">
+        <p:cTn id="1" dur="indefinite" restart="never" nodeType="tmRoot">
           <p:childTnLst>
             <p:seq concurrent="1" nextAc="seek">
               <p:cTn id="2" dur="0" nodeType="mainSeq"/>
@@ -21312,10 +20988,9 @@
               </a:tabLst>
             </a:pPr>
             <a:r>
-              <a:rPr lang="en-GB" dirty="0" smtClean="0"/>
+              <a:rPr lang="en-GB" dirty="0"/>
               <a:t>Relocated .text section</a:t>
             </a:r>
-            <a:endParaRPr lang="en-GB" dirty="0"/>
           </a:p>
         </p:txBody>
       </p:sp>
@@ -21438,25 +21113,7 @@
                 </a:solidFill>
                 <a:latin typeface="Menlo-Regular"/>
               </a:rPr>
-              <a:t>  4004d0:       48 83 ec 08       </a:t>
-            </a:r>
-            <a:r>
-              <a:rPr lang="ro-RO" sz="1600" dirty="0" smtClean="0">
-                <a:solidFill>
-                  <a:srgbClr val="000000"/>
-                </a:solidFill>
-                <a:latin typeface="Menlo-Regular"/>
-              </a:rPr>
-              <a:t>sub    </a:t>
-            </a:r>
-            <a:r>
-              <a:rPr lang="ro-RO" sz="1600" dirty="0">
-                <a:solidFill>
-                  <a:srgbClr val="000000"/>
-                </a:solidFill>
-                <a:latin typeface="Menlo-Regular"/>
-              </a:rPr>
-              <a:t>$0x8,%rsp</a:t>
+              <a:t>  4004d0:       48 83 ec 08       sub    $0x8,%rsp</a:t>
             </a:r>
           </a:p>
           <a:p>
@@ -21470,7 +21127,7 @@
               <a:t>  4004d4:       be 02 00 00 00    </a:t>
             </a:r>
             <a:r>
-              <a:rPr lang="en-US" sz="1600" dirty="0" err="1" smtClean="0">
+              <a:rPr lang="en-US" sz="1600" dirty="0" err="1">
                 <a:solidFill>
                   <a:srgbClr val="000000"/>
                 </a:solidFill>
@@ -21479,34 +21136,16 @@
               <a:t>mov</a:t>
             </a:r>
             <a:r>
-              <a:rPr lang="en-US" sz="1600" dirty="0" smtClean="0">
-                <a:solidFill>
-                  <a:srgbClr val="000000"/>
-                </a:solidFill>
-                <a:latin typeface="Menlo-Regular"/>
-              </a:rPr>
-              <a:t>    </a:t>
-            </a:r>
-            <a:r>
               <a:rPr lang="en-US" sz="1600" dirty="0">
                 <a:solidFill>
                   <a:srgbClr val="000000"/>
                 </a:solidFill>
                 <a:latin typeface="Menlo-Regular"/>
               </a:rPr>
-              <a:t>$0x2,%esi</a:t>
-            </a:r>
-          </a:p>
-          <a:p>
-            <a:r>
-              <a:rPr lang="sk-SK" sz="1600" dirty="0" smtClean="0">
-                <a:solidFill>
-                  <a:srgbClr val="000000"/>
-                </a:solidFill>
-                <a:latin typeface="Menlo-Regular"/>
-              </a:rPr>
-              <a:t>  4004d9</a:t>
-            </a:r>
+              <a:t>    $0x2,%esi</a:t>
+            </a:r>
+          </a:p>
+          <a:p>
             <a:r>
               <a:rPr lang="sk-SK" sz="1600" dirty="0">
                 <a:solidFill>
@@ -21514,16 +21153,7 @@
                 </a:solidFill>
                 <a:latin typeface="Menlo-Regular"/>
               </a:rPr>
-              <a:t>:       bf 18 10 60 00    </a:t>
-            </a:r>
-            <a:r>
-              <a:rPr lang="sk-SK" sz="1600" dirty="0" smtClean="0">
-                <a:solidFill>
-                  <a:srgbClr val="000000"/>
-                </a:solidFill>
-                <a:latin typeface="Menlo-Regular"/>
-              </a:rPr>
-              <a:t>mov    </a:t>
+              <a:t>  4004d9:       bf 18 10 60 00    mov    </a:t>
             </a:r>
             <a:r>
               <a:rPr lang="sk-SK" sz="1600" dirty="0">
@@ -21549,22 +21179,13 @@
           </a:p>
           <a:p>
             <a:r>
-              <a:rPr lang="en-US" sz="1600" dirty="0" smtClean="0">
-                <a:solidFill>
-                  <a:srgbClr val="000000"/>
-                </a:solidFill>
-                <a:latin typeface="Menlo-Regular"/>
-              </a:rPr>
-              <a:t>  4004de</a:t>
-            </a:r>
-            <a:r>
               <a:rPr lang="en-US" sz="1600" dirty="0">
                 <a:solidFill>
                   <a:srgbClr val="000000"/>
                 </a:solidFill>
                 <a:latin typeface="Menlo-Regular"/>
               </a:rPr>
-              <a:t>:       e8 </a:t>
+              <a:t>  4004de:       e8 </a:t>
             </a:r>
             <a:r>
               <a:rPr lang="en-US" sz="1600" dirty="0">
@@ -21576,7 +21197,7 @@
               <a:t>05 00 00 00    </a:t>
             </a:r>
             <a:r>
-              <a:rPr lang="en-US" sz="1600" dirty="0" err="1" smtClean="0">
+              <a:rPr lang="en-US" sz="1600" dirty="0" err="1">
                 <a:solidFill>
                   <a:srgbClr val="000000"/>
                 </a:solidFill>
@@ -21585,7 +21206,7 @@
               <a:t>callq</a:t>
             </a:r>
             <a:r>
-              <a:rPr lang="en-US" sz="1600" dirty="0" smtClean="0">
+              <a:rPr lang="en-US" sz="1600" dirty="0">
                 <a:solidFill>
                   <a:srgbClr val="000000"/>
                 </a:solidFill>
@@ -21614,7 +21235,7 @@
           </a:p>
           <a:p>
             <a:r>
-              <a:rPr lang="en-US" sz="1600" dirty="0" smtClean="0">
+              <a:rPr lang="en-US" sz="1600" dirty="0">
                 <a:solidFill>
                   <a:srgbClr val="000000"/>
                 </a:solidFill>
@@ -21623,7 +21244,7 @@
               <a:t>  </a:t>
             </a:r>
             <a:r>
-              <a:rPr lang="en-US" sz="1600" dirty="0" smtClean="0">
+              <a:rPr lang="en-US" sz="1600" dirty="0">
                 <a:solidFill>
                   <a:srgbClr val="3366FF"/>
                 </a:solidFill>
@@ -21638,17 +21259,10 @@
                 </a:solidFill>
                 <a:latin typeface="Menlo-Regular"/>
               </a:rPr>
-              <a:t>:       48 83 c4 08       </a:t>
-            </a:r>
-            <a:r>
-              <a:rPr lang="en-US" sz="1600" dirty="0" smtClean="0">
-                <a:solidFill>
-                  <a:srgbClr val="000000"/>
-                </a:solidFill>
-                <a:latin typeface="Menlo-Regular"/>
-              </a:rPr>
-              <a:t>add    </a:t>
-            </a:r>
+              <a:t>:       48 83 c4 08       add    $0x8,%rsp</a:t>
+            </a:r>
+          </a:p>
+          <a:p>
             <a:r>
               <a:rPr lang="en-US" sz="1600" dirty="0">
                 <a:solidFill>
@@ -21656,21 +21270,10 @@
                 </a:solidFill>
                 <a:latin typeface="Menlo-Regular"/>
               </a:rPr>
-              <a:t>$0x8,%rsp</a:t>
-            </a:r>
-          </a:p>
-          <a:p>
-            <a:r>
-              <a:rPr lang="en-US" sz="1600" dirty="0">
-                <a:solidFill>
-                  <a:srgbClr val="000000"/>
-                </a:solidFill>
-                <a:latin typeface="Menlo-Regular"/>
-              </a:rPr>
               <a:t>  4004e7:       c3                </a:t>
             </a:r>
             <a:r>
-              <a:rPr lang="en-US" sz="1600" dirty="0" err="1" smtClean="0">
+              <a:rPr lang="en-US" sz="1600" dirty="0" err="1">
                 <a:solidFill>
                   <a:srgbClr val="000000"/>
                 </a:solidFill>
@@ -21971,13 +21574,13 @@
           <a:lstStyle/>
           <a:p>
             <a:r>
-              <a:rPr lang="en-US" sz="2000" dirty="0" smtClean="0">
+              <a:rPr lang="en-US" sz="2000" dirty="0">
                 <a:latin typeface="Calibri" pitchFamily="34" charset="0"/>
               </a:rPr>
               <a:t>Using PC-relative addressing for sum():  </a:t>
             </a:r>
             <a:r>
-              <a:rPr lang="en-US" sz="2000" dirty="0" smtClean="0">
+              <a:rPr lang="en-US" sz="2000" dirty="0">
                 <a:solidFill>
                   <a:srgbClr val="FF0000"/>
                 </a:solidFill>
@@ -21986,13 +21589,13 @@
               <a:t>0x4004e8</a:t>
             </a:r>
             <a:r>
-              <a:rPr lang="en-US" sz="2000" dirty="0" smtClean="0">
+              <a:rPr lang="en-US" sz="2000" dirty="0">
                 <a:latin typeface="Calibri" pitchFamily="34" charset="0"/>
               </a:rPr>
               <a:t> = </a:t>
             </a:r>
             <a:r>
-              <a:rPr lang="en-US" sz="2000" dirty="0" smtClean="0">
+              <a:rPr lang="en-US" sz="2000" dirty="0">
                 <a:solidFill>
                   <a:srgbClr val="3366FF"/>
                 </a:solidFill>
@@ -22001,13 +21604,13 @@
               <a:t>0x4004e3</a:t>
             </a:r>
             <a:r>
-              <a:rPr lang="en-US" sz="2000" dirty="0" smtClean="0">
+              <a:rPr lang="en-US" sz="2000" dirty="0">
                 <a:latin typeface="Calibri" pitchFamily="34" charset="0"/>
               </a:rPr>
               <a:t> + </a:t>
             </a:r>
             <a:r>
-              <a:rPr lang="en-US" sz="2000" dirty="0" smtClean="0">
+              <a:rPr lang="en-US" sz="2000" dirty="0">
                 <a:solidFill>
                   <a:srgbClr val="00CC99"/>
                 </a:solidFill>
@@ -22044,35 +21647,21 @@
                 <a:latin typeface="Courier New"/>
                 <a:cs typeface="Courier New"/>
               </a:rPr>
-              <a:t>S</a:t>
-            </a:r>
-            <a:r>
-              <a:rPr lang="en-US" sz="1600" dirty="0" smtClean="0">
+              <a:t>Source: </a:t>
+            </a:r>
+            <a:r>
+              <a:rPr lang="en-US" sz="1600" dirty="0" err="1">
                 <a:latin typeface="Courier New"/>
                 <a:cs typeface="Courier New"/>
               </a:rPr>
-              <a:t>ource: </a:t>
-            </a:r>
-            <a:r>
-              <a:rPr lang="en-US" sz="1600" dirty="0" err="1" smtClean="0">
-                <a:latin typeface="Courier New"/>
-                <a:cs typeface="Courier New"/>
-              </a:rPr>
               <a:t>objdump</a:t>
-            </a:r>
-            <a:r>
-              <a:rPr lang="en-US" sz="1600" dirty="0" smtClean="0">
-                <a:latin typeface="Courier New"/>
-                <a:cs typeface="Courier New"/>
-              </a:rPr>
-              <a:t> </a:t>
             </a:r>
             <a:r>
               <a:rPr lang="en-US" sz="1600" dirty="0">
                 <a:latin typeface="Courier New"/>
                 <a:cs typeface="Courier New"/>
               </a:rPr>
-              <a:t>-dx </a:t>
+              <a:t> -dx </a:t>
             </a:r>
             <a:r>
               <a:rPr lang="en-US" sz="1600" dirty="0" err="1">
@@ -22093,11 +21682,11 @@
   <p:clrMapOvr>
     <a:masterClrMapping/>
   </p:clrMapOvr>
-  <p:transition xmlns:p14="http://schemas.microsoft.com/office/powerpoint/2010/main" spd="med"/>
+  <p:transition spd="med"/>
   <p:timing>
     <p:tnLst>
       <p:par>
-        <p:cTn xmlns:p14="http://schemas.microsoft.com/office/powerpoint/2010/main" id="1" dur="indefinite" restart="never" nodeType="tmRoot">
+        <p:cTn id="1" dur="indefinite" restart="never" nodeType="tmRoot">
           <p:childTnLst>
             <p:seq concurrent="1" nextAc="seek">
               <p:cTn id="2" dur="0" nodeType="mainSeq"/>
@@ -22127,6 +21716,14 @@
 <file path=ppt/slides/slide23.xml><?xml version="1.0" encoding="utf-8"?>
 <p:sld xmlns:a="http://schemas.openxmlformats.org/drawingml/2006/main" xmlns:r="http://schemas.openxmlformats.org/officeDocument/2006/relationships" xmlns:p="http://schemas.openxmlformats.org/presentationml/2006/main">
   <p:cSld>
+    <p:bg>
+      <p:bgPr>
+        <a:solidFill>
+          <a:srgbClr val="92D050"/>
+        </a:solidFill>
+        <a:effectLst/>
+      </p:bgPr>
+    </p:bg>
     <p:spTree>
       <p:nvGrpSpPr>
         <p:cNvPr id="1" name=""/>
@@ -22180,13 +21777,8 @@
             </a:pPr>
             <a:r>
               <a:rPr lang="en-GB" dirty="0"/>
-              <a:t>Loading Executable Object </a:t>
-            </a:r>
-            <a:r>
-              <a:rPr lang="en-GB" dirty="0" smtClean="0"/>
-              <a:t>Files</a:t>
-            </a:r>
-            <a:endParaRPr lang="en-GB" dirty="0"/>
+              <a:t>Loading Executable Object Files</a:t>
+            </a:r>
           </a:p>
         </p:txBody>
       </p:sp>
@@ -23615,7 +23207,7 @@
               </a:tabLst>
             </a:pPr>
             <a:r>
-              <a:rPr lang="en-GB" sz="1600" b="1" dirty="0" smtClean="0">
+              <a:rPr lang="en-GB" sz="1600" b="1" dirty="0">
                 <a:latin typeface="Courier New" pitchFamily="49" charset="0"/>
                 <a:ea typeface="msgothic" charset="0"/>
                 <a:cs typeface="msgothic" charset="0"/>
@@ -23631,7 +23223,7 @@
               <a:t>r</a:t>
             </a:r>
             <a:r>
-              <a:rPr lang="en-GB" sz="1600" b="1" dirty="0" err="1" smtClean="0">
+              <a:rPr lang="en-GB" sz="1600" b="1" dirty="0" err="1">
                 <a:latin typeface="Courier New" pitchFamily="49" charset="0"/>
                 <a:ea typeface="msgothic" charset="0"/>
                 <a:cs typeface="msgothic" charset="0"/>
@@ -23639,18 +23231,13 @@
               <a:t>sp</a:t>
             </a:r>
             <a:r>
-              <a:rPr lang="en-GB" sz="1600" b="1" dirty="0" smtClean="0">
+              <a:rPr lang="en-GB" sz="1600" b="1" dirty="0">
                 <a:latin typeface="Calibri" pitchFamily="34" charset="0"/>
                 <a:ea typeface="msgothic" charset="0"/>
                 <a:cs typeface="msgothic" charset="0"/>
               </a:rPr>
               <a:t> </a:t>
             </a:r>
-            <a:endParaRPr lang="en-GB" sz="1600" b="1" dirty="0">
-              <a:latin typeface="Calibri" pitchFamily="34" charset="0"/>
-              <a:ea typeface="msgothic" charset="0"/>
-              <a:cs typeface="msgothic" charset="0"/>
-            </a:endParaRPr>
           </a:p>
           <a:p>
             <a:pPr>
@@ -23827,18 +23414,13 @@
               </a:tabLst>
             </a:pPr>
             <a:r>
-              <a:rPr lang="en-GB" sz="1600" b="1" dirty="0" smtClean="0">
+              <a:rPr lang="en-GB" sz="1600" b="1" dirty="0">
                 <a:latin typeface="Calibri" pitchFamily="34" charset="0"/>
                 <a:ea typeface="msgothic" charset="0"/>
                 <a:cs typeface="msgothic" charset="0"/>
               </a:rPr>
               <a:t>invisible to user code</a:t>
             </a:r>
-            <a:endParaRPr lang="en-GB" sz="1600" b="1" dirty="0">
-              <a:latin typeface="Calibri" pitchFamily="34" charset="0"/>
-              <a:ea typeface="msgothic" charset="0"/>
-              <a:cs typeface="msgothic" charset="0"/>
-            </a:endParaRPr>
           </a:p>
         </p:txBody>
       </p:sp>
@@ -24024,18 +23606,13 @@
               </a:tabLst>
             </a:pPr>
             <a:r>
-              <a:rPr lang="en-GB" sz="1200" b="1" dirty="0" smtClean="0">
+              <a:rPr lang="en-GB" sz="1200" b="1" dirty="0">
                 <a:latin typeface="Courier New" pitchFamily="49" charset="0"/>
                 <a:ea typeface="msgothic" charset="0"/>
                 <a:cs typeface="msgothic" charset="0"/>
               </a:rPr>
               <a:t>0x400000</a:t>
             </a:r>
-            <a:endParaRPr lang="en-GB" sz="1200" b="1" dirty="0">
-              <a:latin typeface="Courier New" pitchFamily="49" charset="0"/>
-              <a:ea typeface="msgothic" charset="0"/>
-              <a:cs typeface="msgothic" charset="0"/>
-            </a:endParaRPr>
           </a:p>
         </p:txBody>
       </p:sp>
@@ -24100,21 +23677,8 @@
                 <a:ea typeface="msgothic" charset="0"/>
                 <a:cs typeface="msgothic" charset="0"/>
               </a:rPr>
-              <a:t>Read/write </a:t>
-            </a:r>
-            <a:r>
-              <a:rPr lang="en-GB" sz="1600" b="1" dirty="0" smtClean="0">
-                <a:latin typeface="Calibri" pitchFamily="34" charset="0"/>
-                <a:ea typeface="msgothic" charset="0"/>
-                <a:cs typeface="msgothic" charset="0"/>
-              </a:rPr>
-              <a:t>data segment</a:t>
-            </a:r>
-            <a:endParaRPr lang="en-GB" sz="1600" b="1" dirty="0">
-              <a:latin typeface="Calibri" pitchFamily="34" charset="0"/>
-              <a:ea typeface="msgothic" charset="0"/>
-              <a:cs typeface="msgothic" charset="0"/>
-            </a:endParaRPr>
+              <a:t>Read/write data segment</a:t>
+            </a:r>
           </a:p>
           <a:p>
             <a:pPr algn="ctr">
@@ -24237,21 +23801,8 @@
                 <a:ea typeface="msgothic" charset="0"/>
                 <a:cs typeface="msgothic" charset="0"/>
               </a:rPr>
-              <a:t>Read-only </a:t>
-            </a:r>
-            <a:r>
-              <a:rPr lang="en-GB" sz="1600" b="1" dirty="0" smtClean="0">
-                <a:latin typeface="Calibri" pitchFamily="34" charset="0"/>
-                <a:ea typeface="msgothic" charset="0"/>
-                <a:cs typeface="msgothic" charset="0"/>
-              </a:rPr>
-              <a:t>code segment</a:t>
-            </a:r>
-            <a:endParaRPr lang="en-GB" sz="1600" b="1" dirty="0">
-              <a:latin typeface="Calibri" pitchFamily="34" charset="0"/>
-              <a:ea typeface="msgothic" charset="0"/>
-              <a:cs typeface="msgothic" charset="0"/>
-            </a:endParaRPr>
+              <a:t>Read-only code segment</a:t>
+            </a:r>
           </a:p>
           <a:p>
             <a:pPr algn="ctr">
@@ -24608,36 +24159,28 @@
               </a:tabLst>
             </a:pPr>
             <a:r>
-              <a:rPr lang="en-GB" sz="1600" b="1" dirty="0" smtClean="0">
-                <a:latin typeface="Calibri" pitchFamily="34" charset="0"/>
-                <a:ea typeface="msgothic" charset="0"/>
-                <a:cs typeface="msgothic" charset="0"/>
-              </a:rPr>
-              <a:t>.</a:t>
-            </a:r>
-            <a:r>
-              <a:rPr lang="en-GB" sz="1600" b="1" dirty="0" err="1" smtClean="0">
-                <a:latin typeface="Calibri" pitchFamily="34" charset="0"/>
-                <a:ea typeface="msgothic" charset="0"/>
-                <a:cs typeface="msgothic" charset="0"/>
-              </a:rPr>
-              <a:t>rodata</a:t>
-            </a:r>
-            <a:r>
-              <a:rPr lang="en-GB" sz="1600" b="1" dirty="0" smtClean="0">
-                <a:latin typeface="Calibri" pitchFamily="34" charset="0"/>
-                <a:ea typeface="msgothic" charset="0"/>
-                <a:cs typeface="msgothic" charset="0"/>
-              </a:rPr>
-              <a:t> </a:t>
-            </a:r>
-            <a:r>
               <a:rPr lang="en-GB" sz="1600" b="1" dirty="0">
                 <a:latin typeface="Calibri" pitchFamily="34" charset="0"/>
                 <a:ea typeface="msgothic" charset="0"/>
                 <a:cs typeface="msgothic" charset="0"/>
               </a:rPr>
-              <a:t>section</a:t>
+              <a:t>.</a:t>
+            </a:r>
+            <a:r>
+              <a:rPr lang="en-GB" sz="1600" b="1" dirty="0" err="1">
+                <a:latin typeface="Calibri" pitchFamily="34" charset="0"/>
+                <a:ea typeface="msgothic" charset="0"/>
+                <a:cs typeface="msgothic" charset="0"/>
+              </a:rPr>
+              <a:t>rodata</a:t>
+            </a:r>
+            <a:r>
+              <a:rPr lang="en-GB" sz="1600" b="1" dirty="0">
+                <a:latin typeface="Calibri" pitchFamily="34" charset="0"/>
+                <a:ea typeface="msgothic" charset="0"/>
+                <a:cs typeface="msgothic" charset="0"/>
+              </a:rPr>
+              <a:t> section</a:t>
             </a:r>
           </a:p>
         </p:txBody>
@@ -24697,18 +24240,13 @@
               </a:tabLst>
             </a:pPr>
             <a:r>
-              <a:rPr lang="en-GB" sz="1600" b="1" dirty="0" smtClean="0">
+              <a:rPr lang="en-GB" sz="1600" b="1" dirty="0">
                 <a:latin typeface="Calibri" pitchFamily="34" charset="0"/>
                 <a:ea typeface="msgothic" charset="0"/>
                 <a:cs typeface="msgothic" charset="0"/>
               </a:rPr>
               <a:t>.line</a:t>
             </a:r>
-            <a:endParaRPr lang="en-GB" sz="1600" b="1" dirty="0">
-              <a:latin typeface="Calibri" pitchFamily="34" charset="0"/>
-              <a:ea typeface="msgothic" charset="0"/>
-              <a:cs typeface="msgothic" charset="0"/>
-            </a:endParaRPr>
           </a:p>
         </p:txBody>
       </p:sp>
@@ -24765,36 +24303,28 @@
               </a:tabLst>
             </a:pPr>
             <a:r>
-              <a:rPr lang="en-GB" sz="1600" b="1" dirty="0" smtClean="0">
-                <a:latin typeface="Calibri" pitchFamily="34" charset="0"/>
-                <a:ea typeface="msgothic" charset="0"/>
-                <a:cs typeface="msgothic" charset="0"/>
-              </a:rPr>
-              <a:t>.</a:t>
-            </a:r>
-            <a:r>
-              <a:rPr lang="en-GB" sz="1600" dirty="0" smtClean="0">
-                <a:latin typeface="Calibri" pitchFamily="34" charset="0"/>
-                <a:ea typeface="msgothic" charset="0"/>
-                <a:cs typeface="msgothic" charset="0"/>
-              </a:rPr>
-              <a:t>ini</a:t>
-            </a:r>
-            <a:r>
-              <a:rPr lang="en-GB" sz="1600" b="1" dirty="0" smtClean="0">
-                <a:latin typeface="Calibri" pitchFamily="34" charset="0"/>
-                <a:ea typeface="msgothic" charset="0"/>
-                <a:cs typeface="msgothic" charset="0"/>
-              </a:rPr>
-              <a:t>t </a:t>
-            </a:r>
-            <a:r>
               <a:rPr lang="en-GB" sz="1600" b="1" dirty="0">
                 <a:latin typeface="Calibri" pitchFamily="34" charset="0"/>
                 <a:ea typeface="msgothic" charset="0"/>
                 <a:cs typeface="msgothic" charset="0"/>
               </a:rPr>
-              <a:t>section</a:t>
+              <a:t>.</a:t>
+            </a:r>
+            <a:r>
+              <a:rPr lang="en-GB" sz="1600" dirty="0">
+                <a:latin typeface="Calibri" pitchFamily="34" charset="0"/>
+                <a:ea typeface="msgothic" charset="0"/>
+                <a:cs typeface="msgothic" charset="0"/>
+              </a:rPr>
+              <a:t>ini</a:t>
+            </a:r>
+            <a:r>
+              <a:rPr lang="en-GB" sz="1600" b="1" dirty="0">
+                <a:latin typeface="Calibri" pitchFamily="34" charset="0"/>
+                <a:ea typeface="msgothic" charset="0"/>
+                <a:cs typeface="msgothic" charset="0"/>
+              </a:rPr>
+              <a:t>t section</a:t>
             </a:r>
           </a:p>
         </p:txBody>
@@ -24854,7 +24384,7 @@
               </a:tabLst>
             </a:pPr>
             <a:r>
-              <a:rPr lang="en-GB" sz="1600" b="1" dirty="0" smtClean="0">
+              <a:rPr lang="en-GB" sz="1600" b="1" dirty="0">
                 <a:latin typeface="Calibri" pitchFamily="34" charset="0"/>
                 <a:ea typeface="msgothic" charset="0"/>
                 <a:cs typeface="msgothic" charset="0"/>
@@ -24862,7 +24392,7 @@
               <a:t>.</a:t>
             </a:r>
             <a:r>
-              <a:rPr lang="en-GB" sz="1600" b="1" dirty="0" err="1" smtClean="0">
+              <a:rPr lang="en-GB" sz="1600" b="1" dirty="0" err="1">
                 <a:latin typeface="Calibri" pitchFamily="34" charset="0"/>
                 <a:ea typeface="msgothic" charset="0"/>
                 <a:cs typeface="msgothic" charset="0"/>
@@ -24882,11 +24412,11 @@
   <p:clrMapOvr>
     <a:masterClrMapping/>
   </p:clrMapOvr>
-  <p:transition xmlns:p14="http://schemas.microsoft.com/office/powerpoint/2010/main" spd="med"/>
+  <p:transition spd="med"/>
   <p:timing>
     <p:tnLst>
       <p:par>
-        <p:cTn xmlns:p14="http://schemas.microsoft.com/office/powerpoint/2010/main" id="1" dur="indefinite" restart="never" nodeType="tmRoot">
+        <p:cTn id="1" dur="indefinite" restart="never" nodeType="tmRoot">
           <p:childTnLst>
             <p:seq concurrent="1" nextAc="seek">
               <p:cTn id="2" dur="0" nodeType="mainSeq"/>
@@ -25055,7 +24585,7 @@
                 <a:tab pos="9990138" algn="l"/>
               </a:tabLst>
             </a:pPr>
-            <a:endParaRPr lang="en-GB" dirty="0" smtClean="0"/>
+            <a:endParaRPr lang="en-GB" dirty="0"/>
           </a:p>
           <a:p>
             <a:pPr>
@@ -25075,12 +24605,8 @@
               </a:tabLst>
             </a:pPr>
             <a:r>
-              <a:rPr lang="en-GB" dirty="0" smtClean="0"/>
-              <a:t>Awkward</a:t>
-            </a:r>
-            <a:r>
               <a:rPr lang="en-GB" dirty="0"/>
-              <a:t>, given the linker framework so far:</a:t>
+              <a:t>Awkward, given the linker framework so far:</a:t>
             </a:r>
           </a:p>
           <a:p>
@@ -25110,15 +24636,7 @@
             </a:r>
             <a:r>
               <a:rPr lang="en-GB" dirty="0"/>
-              <a:t> Put all functions </a:t>
-            </a:r>
-            <a:r>
-              <a:rPr lang="en-GB" dirty="0" smtClean="0"/>
-              <a:t>into </a:t>
-            </a:r>
-            <a:r>
-              <a:rPr lang="en-GB" dirty="0"/>
-              <a:t>a single source file</a:t>
+              <a:t> Put all functions into a single source file</a:t>
             </a:r>
           </a:p>
           <a:p>
@@ -25246,11 +24764,11 @@
   <p:clrMapOvr>
     <a:masterClrMapping/>
   </p:clrMapOvr>
-  <p:transition xmlns:p14="http://schemas.microsoft.com/office/powerpoint/2010/main" spd="med"/>
+  <p:transition spd="med"/>
   <p:timing>
     <p:tnLst>
       <p:par>
-        <p:cTn xmlns:p14="http://schemas.microsoft.com/office/powerpoint/2010/main" id="1" dur="indefinite" restart="never" nodeType="tmRoot">
+        <p:cTn id="1" dur="indefinite" restart="never" nodeType="tmRoot">
           <p:childTnLst>
             <p:seq concurrent="1" nextAc="seek">
               <p:cTn id="2" dur="0" nodeType="mainSeq"/>
@@ -25332,12 +24850,8 @@
               </a:tabLst>
             </a:pPr>
             <a:r>
-              <a:rPr lang="en-GB" dirty="0" smtClean="0"/>
-              <a:t>Old-fashioned Solution: Static </a:t>
-            </a:r>
-            <a:r>
               <a:rPr lang="en-GB" dirty="0"/>
-              <a:t>Libraries</a:t>
+              <a:t>Old-fashioned Solution: Static Libraries</a:t>
             </a:r>
           </a:p>
         </p:txBody>
@@ -25380,20 +24894,12 @@
               </a:tabLst>
             </a:pPr>
             <a:r>
-              <a:rPr lang="en-GB" dirty="0" smtClean="0">
+              <a:rPr lang="en-GB" dirty="0">
                 <a:solidFill>
                   <a:srgbClr val="990000"/>
                 </a:solidFill>
               </a:rPr>
-              <a:t>Static </a:t>
-            </a:r>
-            <a:r>
-              <a:rPr lang="en-GB" dirty="0">
-                <a:solidFill>
-                  <a:srgbClr val="990000"/>
-                </a:solidFill>
-              </a:rPr>
-              <a:t>libraries </a:t>
+              <a:t>Static libraries </a:t>
             </a:r>
             <a:r>
               <a:rPr lang="en-GB" dirty="0"/>
@@ -25544,23 +25050,7 @@
             </a:pPr>
             <a:r>
               <a:rPr lang="en-GB" dirty="0"/>
-              <a:t>If an archive member file resolves reference, </a:t>
-            </a:r>
-            <a:r>
-              <a:rPr lang="en-GB" dirty="0" smtClean="0"/>
-              <a:t>link it  </a:t>
-            </a:r>
-            <a:r>
-              <a:rPr lang="en-GB" dirty="0"/>
-              <a:t>into</a:t>
-            </a:r>
-            <a:r>
-              <a:rPr lang="en-GB" dirty="0" smtClean="0"/>
-              <a:t> the executable</a:t>
-            </a:r>
-            <a:r>
-              <a:rPr lang="en-GB" dirty="0"/>
-              <a:t>.</a:t>
+              <a:t>If an archive member file resolves reference, link it  into the executable.</a:t>
             </a:r>
           </a:p>
           <a:p>
@@ -25591,11 +25081,11 @@
   <p:clrMapOvr>
     <a:masterClrMapping/>
   </p:clrMapOvr>
-  <p:transition xmlns:p14="http://schemas.microsoft.com/office/powerpoint/2010/main" spd="med"/>
+  <p:transition spd="med"/>
   <p:timing>
     <p:tnLst>
       <p:par>
-        <p:cTn xmlns:p14="http://schemas.microsoft.com/office/powerpoint/2010/main" id="1" dur="indefinite" restart="never" nodeType="tmRoot">
+        <p:cTn id="1" dur="indefinite" restart="never" nodeType="tmRoot">
           <p:childTnLst>
             <p:seq concurrent="1" nextAc="seek">
               <p:cTn id="2" dur="0" nodeType="mainSeq"/>
@@ -25625,6 +25115,14 @@
 <file path=ppt/slides/slide26.xml><?xml version="1.0" encoding="utf-8"?>
 <p:sld xmlns:a="http://schemas.openxmlformats.org/drawingml/2006/main" xmlns:r="http://schemas.openxmlformats.org/officeDocument/2006/relationships" xmlns:p="http://schemas.openxmlformats.org/presentationml/2006/main">
   <p:cSld>
+    <p:bg>
+      <p:bgPr>
+        <a:solidFill>
+          <a:srgbClr val="92D050"/>
+        </a:solidFill>
+        <a:effectLst/>
+      </p:bgPr>
+    </p:bg>
     <p:spTree>
       <p:nvGrpSpPr>
         <p:cNvPr id="1" name=""/>
@@ -27177,13 +26675,13 @@
               </a:tabLst>
             </a:pPr>
             <a:r>
-              <a:rPr lang="en-GB" sz="2000" kern="0" dirty="0" err="1" smtClean="0">
+              <a:rPr lang="en-GB" sz="2000" kern="0" dirty="0" err="1">
                 <a:latin typeface="Calibri" pitchFamily="34" charset="0"/>
               </a:rPr>
               <a:t>Archiver</a:t>
             </a:r>
             <a:r>
-              <a:rPr lang="en-GB" sz="2000" kern="0" dirty="0" smtClean="0">
+              <a:rPr lang="en-GB" sz="2000" kern="0" dirty="0">
                 <a:latin typeface="Calibri" pitchFamily="34" charset="0"/>
               </a:rPr>
               <a:t> allows incremental updates</a:t>
@@ -27216,7 +26714,7 @@
               </a:tabLst>
             </a:pPr>
             <a:r>
-              <a:rPr lang="en-US" sz="2000" kern="0" dirty="0" smtClean="0">
+              <a:rPr lang="en-US" sz="2000" kern="0" dirty="0">
                 <a:latin typeface="Calibri" pitchFamily="34" charset="0"/>
               </a:rPr>
               <a:t>Recompile function that changes and replace .o file in archive.</a:t>
@@ -27248,7 +26746,7 @@
                 <a:tab pos="9990138" algn="l"/>
               </a:tabLst>
             </a:pPr>
-            <a:endParaRPr lang="en-GB" sz="2000" kern="0" dirty="0" smtClean="0">
+            <a:endParaRPr lang="en-GB" sz="2000" kern="0" dirty="0">
               <a:latin typeface="Calibri" pitchFamily="34" charset="0"/>
             </a:endParaRPr>
           </a:p>
@@ -27259,11 +26757,11 @@
   <p:clrMapOvr>
     <a:masterClrMapping/>
   </p:clrMapOvr>
-  <p:transition xmlns:p14="http://schemas.microsoft.com/office/powerpoint/2010/main" spd="med"/>
+  <p:transition spd="med"/>
   <p:timing>
     <p:tnLst>
       <p:par>
-        <p:cTn xmlns:p14="http://schemas.microsoft.com/office/powerpoint/2010/main" id="1" dur="indefinite" restart="never" nodeType="tmRoot">
+        <p:cTn id="1" dur="indefinite" restart="never" nodeType="tmRoot">
           <p:childTnLst>
             <p:seq concurrent="1" nextAc="seek">
               <p:cTn id="2" dur="0" nodeType="mainSeq"/>
@@ -27431,20 +26929,8 @@
               </a:tabLst>
             </a:pPr>
             <a:r>
-              <a:rPr lang="en-GB" sz="1800" dirty="0" smtClean="0"/>
-              <a:t>4.6 MB archive </a:t>
-            </a:r>
-            <a:r>
               <a:rPr lang="en-GB" sz="1800" dirty="0"/>
-              <a:t>of </a:t>
-            </a:r>
-            <a:r>
-              <a:rPr lang="en-GB" sz="1800" dirty="0" smtClean="0"/>
-              <a:t>1496 object </a:t>
-            </a:r>
-            <a:r>
-              <a:rPr lang="en-GB" sz="1800" dirty="0"/>
-              <a:t>files.</a:t>
+              <a:t>4.6 MB archive of 1496 object files.</a:t>
             </a:r>
           </a:p>
           <a:p>
@@ -27535,20 +27021,8 @@
               </a:tabLst>
             </a:pPr>
             <a:r>
-              <a:rPr lang="en-GB" sz="1800" dirty="0" smtClean="0"/>
-              <a:t>2 </a:t>
-            </a:r>
-            <a:r>
               <a:rPr lang="en-GB" sz="1800" dirty="0"/>
-              <a:t>MB archive of </a:t>
-            </a:r>
-            <a:r>
-              <a:rPr lang="en-GB" sz="1800" dirty="0" smtClean="0"/>
-              <a:t>444 </a:t>
-            </a:r>
-            <a:r>
-              <a:rPr lang="en-GB" sz="1800" dirty="0"/>
-              <a:t>object files. </a:t>
+              <a:t>2 MB archive of 444 object files. </a:t>
             </a:r>
           </a:p>
           <a:p>
@@ -27727,31 +27201,15 @@
                 <a:ea typeface="msgothic" charset="0"/>
                 <a:cs typeface="msgothic" charset="0"/>
               </a:rPr>
-              <a:t> </a:t>
-            </a:r>
-            <a:r>
-              <a:rPr lang="en-GB" sz="1600" b="1" dirty="0" smtClean="0">
+              <a:t> –t </a:t>
+            </a:r>
+            <a:r>
+              <a:rPr lang="en-GB" sz="1600" b="1" dirty="0" err="1">
                 <a:latin typeface="Courier New" pitchFamily="49" charset="0"/>
                 <a:ea typeface="msgothic" charset="0"/>
                 <a:cs typeface="msgothic" charset="0"/>
               </a:rPr>
-              <a:t>–t </a:t>
-            </a:r>
-            <a:r>
-              <a:rPr lang="en-GB" sz="1600" b="1" dirty="0" err="1" smtClean="0">
-                <a:latin typeface="Courier New" pitchFamily="49" charset="0"/>
-                <a:ea typeface="msgothic" charset="0"/>
-                <a:cs typeface="msgothic" charset="0"/>
-              </a:rPr>
               <a:t>libc.a</a:t>
-            </a:r>
-            <a:r>
-              <a:rPr lang="en-GB" sz="1600" b="1" dirty="0" smtClean="0">
-                <a:latin typeface="Courier New" pitchFamily="49" charset="0"/>
-                <a:ea typeface="msgothic" charset="0"/>
-                <a:cs typeface="msgothic" charset="0"/>
-              </a:rPr>
-              <a:t> </a:t>
             </a:r>
             <a:r>
               <a:rPr lang="en-GB" sz="1600" b="1" dirty="0">
@@ -27759,7 +27217,7 @@
                 <a:ea typeface="msgothic" charset="0"/>
                 <a:cs typeface="msgothic" charset="0"/>
               </a:rPr>
-              <a:t>| sort </a:t>
+              <a:t> | sort </a:t>
             </a:r>
           </a:p>
           <a:p>
@@ -28223,31 +27681,15 @@
                 <a:ea typeface="msgothic" charset="0"/>
                 <a:cs typeface="msgothic" charset="0"/>
               </a:rPr>
-              <a:t> </a:t>
-            </a:r>
-            <a:r>
-              <a:rPr lang="en-GB" sz="1600" b="1" dirty="0" smtClean="0">
+              <a:t> –t </a:t>
+            </a:r>
+            <a:r>
+              <a:rPr lang="en-GB" sz="1600" b="1" dirty="0" err="1">
                 <a:latin typeface="Courier New" pitchFamily="49" charset="0"/>
                 <a:ea typeface="msgothic" charset="0"/>
                 <a:cs typeface="msgothic" charset="0"/>
               </a:rPr>
-              <a:t>–t </a:t>
-            </a:r>
-            <a:r>
-              <a:rPr lang="en-GB" sz="1600" b="1" dirty="0" err="1" smtClean="0">
-                <a:latin typeface="Courier New" pitchFamily="49" charset="0"/>
-                <a:ea typeface="msgothic" charset="0"/>
-                <a:cs typeface="msgothic" charset="0"/>
-              </a:rPr>
               <a:t>libm.a</a:t>
-            </a:r>
-            <a:r>
-              <a:rPr lang="en-GB" sz="1600" b="1" dirty="0" smtClean="0">
-                <a:latin typeface="Courier New" pitchFamily="49" charset="0"/>
-                <a:ea typeface="msgothic" charset="0"/>
-                <a:cs typeface="msgothic" charset="0"/>
-              </a:rPr>
-              <a:t> </a:t>
             </a:r>
             <a:r>
               <a:rPr lang="en-GB" sz="1600" b="1" dirty="0">
@@ -28255,7 +27697,7 @@
                 <a:ea typeface="msgothic" charset="0"/>
                 <a:cs typeface="msgothic" charset="0"/>
               </a:rPr>
-              <a:t>| sort </a:t>
+              <a:t> | sort </a:t>
             </a:r>
           </a:p>
           <a:p>
@@ -28656,11 +28098,11 @@
   <p:clrMapOvr>
     <a:masterClrMapping/>
   </p:clrMapOvr>
-  <p:transition xmlns:p14="http://schemas.microsoft.com/office/powerpoint/2010/main" spd="med"/>
+  <p:transition spd="med"/>
   <p:timing>
     <p:tnLst>
       <p:par>
-        <p:cTn xmlns:p14="http://schemas.microsoft.com/office/powerpoint/2010/main" id="1" dur="indefinite" restart="never" nodeType="tmRoot">
+        <p:cTn id="1" dur="indefinite" restart="never" nodeType="tmRoot">
           <p:childTnLst>
             <p:seq concurrent="1" nextAc="seek">
               <p:cTn id="2" dur="0" nodeType="mainSeq"/>
@@ -28725,10 +28167,9 @@
           <a:lstStyle/>
           <a:p>
             <a:r>
-              <a:rPr lang="en-US" dirty="0" smtClean="0"/>
+              <a:rPr lang="en-US" dirty="0"/>
               <a:t>Linking with Static Libraries</a:t>
             </a:r>
-            <a:endParaRPr lang="en-US" dirty="0"/>
           </a:p>
         </p:txBody>
       </p:sp>
@@ -28768,22 +28209,13 @@
           <a:lstStyle/>
           <a:p>
             <a:r>
-              <a:rPr lang="en-US" sz="1600" dirty="0" smtClean="0">
+              <a:rPr lang="en-US" sz="1600" dirty="0">
                 <a:solidFill>
                   <a:srgbClr val="926492"/>
                 </a:solidFill>
                 <a:latin typeface="Menlo-Regular"/>
               </a:rPr>
-              <a:t>#</a:t>
-            </a:r>
-            <a:r>
-              <a:rPr lang="en-US" sz="1600" dirty="0">
-                <a:solidFill>
-                  <a:srgbClr val="926492"/>
-                </a:solidFill>
-                <a:latin typeface="Menlo-Regular"/>
-              </a:rPr>
-              <a:t>include</a:t>
+              <a:t>#include</a:t>
             </a:r>
             <a:r>
               <a:rPr lang="en-US" sz="1600" dirty="0">
@@ -29106,19 +28538,10 @@
                 </a:solidFill>
                 <a:latin typeface="Menlo-Regular"/>
               </a:rPr>
-              <a:t>"z = [%d %d]\</a:t>
-            </a:r>
-            <a:r>
-              <a:rPr lang="ro-RO" sz="1600" dirty="0" smtClean="0">
-                <a:solidFill>
-                  <a:srgbClr val="9D206F"/>
-                </a:solidFill>
-                <a:latin typeface="Menlo-Regular"/>
-              </a:rPr>
-              <a:t>n”</a:t>
-            </a:r>
-            <a:r>
-              <a:rPr lang="ro-RO" sz="1600" dirty="0" smtClean="0">
+              <a:t>"z = [%d %d]\n”</a:t>
+            </a:r>
+            <a:r>
+              <a:rPr lang="ro-RO" sz="1600" dirty="0">
                 <a:solidFill>
                   <a:srgbClr val="000000"/>
                 </a:solidFill>
@@ -29135,25 +28558,7 @@
                 </a:solidFill>
                 <a:latin typeface="Menlo-Regular"/>
               </a:rPr>
-              <a:t> </a:t>
-            </a:r>
-            <a:r>
-              <a:rPr lang="ro-RO" sz="1600" dirty="0" smtClean="0">
-                <a:solidFill>
-                  <a:srgbClr val="000000"/>
-                </a:solidFill>
-                <a:latin typeface="Menlo-Regular"/>
-              </a:rPr>
-              <a:t>          </a:t>
-            </a:r>
-            <a:r>
-              <a:rPr lang="ro-RO" sz="1600" dirty="0">
-                <a:solidFill>
-                  <a:srgbClr val="000000"/>
-                </a:solidFill>
-                <a:latin typeface="Menlo-Regular"/>
-              </a:rPr>
-              <a:t>z[0], z[1]);</a:t>
+              <a:t>           z[0], z[1]);</a:t>
             </a:r>
           </a:p>
           <a:p>
@@ -29249,7 +28654,7 @@
               </a:tabLst>
             </a:pPr>
             <a:r>
-              <a:rPr lang="en-GB" sz="1800" b="1" i="1" dirty="0" smtClean="0">
+              <a:rPr lang="en-GB" sz="1800" b="1" i="1" dirty="0">
                 <a:solidFill>
                   <a:schemeClr val="tx1">
                     <a:lumMod val="50000"/>
@@ -29262,17 +28667,6 @@
               </a:rPr>
               <a:t>main2.c</a:t>
             </a:r>
-            <a:endParaRPr lang="en-GB" sz="1800" b="1" i="1" dirty="0">
-              <a:solidFill>
-                <a:schemeClr val="tx1">
-                  <a:lumMod val="50000"/>
-                  <a:lumOff val="50000"/>
-                </a:schemeClr>
-              </a:solidFill>
-              <a:latin typeface="Courier New" pitchFamily="49" charset="0"/>
-              <a:ea typeface="msgothic" charset="0"/>
-              <a:cs typeface="msgothic" charset="0"/>
-            </a:endParaRPr>
           </a:p>
         </p:txBody>
       </p:sp>
@@ -29312,7 +28706,7 @@
           <a:lstStyle/>
           <a:p>
             <a:r>
-              <a:rPr lang="en-US" sz="1600" dirty="0" smtClean="0">
+              <a:rPr lang="en-US" sz="1600" dirty="0">
                 <a:solidFill>
                   <a:srgbClr val="2D961E"/>
                 </a:solidFill>
@@ -29321,7 +28715,7 @@
               <a:t>void</a:t>
             </a:r>
             <a:r>
-              <a:rPr lang="en-US" sz="1600" dirty="0" smtClean="0">
+              <a:rPr lang="en-US" sz="1600" dirty="0">
                 <a:solidFill>
                   <a:srgbClr val="000000"/>
                 </a:solidFill>
@@ -29494,7 +28888,7 @@
               <a:t>n</a:t>
             </a:r>
             <a:r>
-              <a:rPr lang="fr-FR" sz="1600" dirty="0" smtClean="0">
+              <a:rPr lang="fr-FR" sz="1600" dirty="0">
                 <a:solidFill>
                   <a:srgbClr val="000000"/>
                 </a:solidFill>
@@ -29502,12 +28896,6 @@
               </a:rPr>
               <a:t>) {</a:t>
             </a:r>
-            <a:endParaRPr lang="fr-FR" sz="1600" dirty="0">
-              <a:solidFill>
-                <a:srgbClr val="000000"/>
-              </a:solidFill>
-              <a:latin typeface="Menlo-Regular"/>
-            </a:endParaRPr>
           </a:p>
           <a:p>
             <a:r>
@@ -29547,7 +28935,7 @@
               <a:t>i</a:t>
             </a:r>
             <a:r>
-              <a:rPr lang="fr-FR" sz="1600" dirty="0" smtClean="0">
+              <a:rPr lang="fr-FR" sz="1600" dirty="0">
                 <a:solidFill>
                   <a:srgbClr val="000000"/>
                 </a:solidFill>
@@ -29566,7 +28954,7 @@
           </a:p>
           <a:p>
             <a:r>
-              <a:rPr lang="en-US" sz="1600" dirty="0" smtClean="0">
+              <a:rPr lang="en-US" sz="1600" dirty="0">
                 <a:solidFill>
                   <a:srgbClr val="000000"/>
                 </a:solidFill>
@@ -29575,7 +28963,7 @@
               <a:t>    </a:t>
             </a:r>
             <a:r>
-              <a:rPr lang="da-DK" sz="1600" dirty="0" smtClean="0">
+              <a:rPr lang="da-DK" sz="1600" dirty="0">
                 <a:solidFill>
                   <a:srgbClr val="C200FF"/>
                 </a:solidFill>
@@ -29584,22 +28972,13 @@
               <a:t>for</a:t>
             </a:r>
             <a:r>
-              <a:rPr lang="da-DK" sz="1600" dirty="0" smtClean="0">
-                <a:solidFill>
-                  <a:srgbClr val="000000"/>
-                </a:solidFill>
-                <a:latin typeface="Menlo-Regular"/>
-              </a:rPr>
-              <a:t> </a:t>
-            </a:r>
-            <a:r>
               <a:rPr lang="da-DK" sz="1600" dirty="0">
                 <a:solidFill>
                   <a:srgbClr val="000000"/>
                 </a:solidFill>
                 <a:latin typeface="Menlo-Regular"/>
               </a:rPr>
-              <a:t>(i = 0; i &lt; n; i++)</a:t>
+              <a:t> (i = 0; i &lt; n; i++)</a:t>
             </a:r>
           </a:p>
           <a:p>
@@ -29668,7 +29047,7 @@
           <a:lstStyle/>
           <a:p>
             <a:r>
-              <a:rPr lang="en-US" sz="1600" dirty="0" smtClean="0">
+              <a:rPr lang="en-US" sz="1600" dirty="0">
                 <a:solidFill>
                   <a:srgbClr val="2D961E"/>
                 </a:solidFill>
@@ -29677,7 +29056,7 @@
               <a:t>void</a:t>
             </a:r>
             <a:r>
-              <a:rPr lang="en-US" sz="1600" dirty="0" smtClean="0">
+              <a:rPr lang="en-US" sz="1600" dirty="0">
                 <a:solidFill>
                   <a:srgbClr val="000000"/>
                 </a:solidFill>
@@ -29927,7 +29306,7 @@
           </a:p>
           <a:p>
             <a:r>
-              <a:rPr lang="da-DK" sz="1600" dirty="0" smtClean="0">
+              <a:rPr lang="da-DK" sz="1600" dirty="0">
                 <a:solidFill>
                   <a:srgbClr val="C200FF"/>
                 </a:solidFill>
@@ -29936,22 +29315,13 @@
               <a:t>    for</a:t>
             </a:r>
             <a:r>
-              <a:rPr lang="da-DK" sz="1600" dirty="0" smtClean="0">
-                <a:solidFill>
-                  <a:srgbClr val="000000"/>
-                </a:solidFill>
-                <a:latin typeface="Menlo-Regular"/>
-              </a:rPr>
-              <a:t> </a:t>
-            </a:r>
-            <a:r>
               <a:rPr lang="da-DK" sz="1600" dirty="0">
                 <a:solidFill>
                   <a:srgbClr val="000000"/>
                 </a:solidFill>
                 <a:latin typeface="Menlo-Regular"/>
               </a:rPr>
-              <a:t>(i = 0; i &lt; n; i++)</a:t>
+              <a:t> (i = 0; i &lt; n; i++)</a:t>
             </a:r>
           </a:p>
           <a:p>
@@ -30035,7 +29405,7 @@
               </a:tabLst>
             </a:pPr>
             <a:r>
-              <a:rPr lang="en-GB" sz="1800" b="1" i="1" dirty="0" err="1" smtClean="0">
+              <a:rPr lang="en-GB" sz="1800" b="1" i="1" dirty="0" err="1">
                 <a:solidFill>
                   <a:schemeClr val="tx1">
                     <a:lumMod val="50000"/>
@@ -30113,7 +29483,7 @@
               </a:tabLst>
             </a:pPr>
             <a:r>
-              <a:rPr lang="en-GB" sz="1800" b="1" i="1" dirty="0" err="1" smtClean="0">
+              <a:rPr lang="en-GB" sz="1800" b="1" i="1" dirty="0" err="1">
                 <a:solidFill>
                   <a:schemeClr val="tx1">
                     <a:lumMod val="50000"/>
@@ -30201,12 +29571,12 @@
           <a:lstStyle/>
           <a:p>
             <a:r>
-              <a:rPr lang="en-US" sz="1800" dirty="0" err="1" smtClean="0">
+              <a:rPr lang="en-US" sz="1800" dirty="0" err="1">
                 <a:latin typeface="Calibri" pitchFamily="34" charset="0"/>
               </a:rPr>
               <a:t>libvector.a</a:t>
             </a:r>
-            <a:endParaRPr lang="en-US" sz="1800" dirty="0" smtClean="0">
+            <a:endParaRPr lang="en-US" sz="1800" dirty="0">
               <a:latin typeface="Calibri" pitchFamily="34" charset="0"/>
             </a:endParaRPr>
           </a:p>
@@ -30222,19 +29592,20 @@
   <p:clrMapOvr>
     <a:masterClrMapping/>
   </p:clrMapOvr>
-  <p:timing>
-    <p:tnLst>
-      <p:par>
-        <p:cTn xmlns:p14="http://schemas.microsoft.com/office/powerpoint/2010/main" id="1" dur="indefinite" restart="never" nodeType="tmRoot"/>
-      </p:par>
-    </p:tnLst>
-  </p:timing>
 </p:sld>
 </file>
 
 <file path=ppt/slides/slide29.xml><?xml version="1.0" encoding="utf-8"?>
 <p:sld xmlns:a="http://schemas.openxmlformats.org/drawingml/2006/main" xmlns:r="http://schemas.openxmlformats.org/officeDocument/2006/relationships" xmlns:p="http://schemas.openxmlformats.org/presentationml/2006/main">
   <p:cSld>
+    <p:bg>
+      <p:bgPr>
+        <a:solidFill>
+          <a:srgbClr val="92D050"/>
+        </a:solidFill>
+        <a:effectLst/>
+      </p:bgPr>
+    </p:bg>
     <p:spTree>
       <p:nvGrpSpPr>
         <p:cNvPr id="1" name=""/>
@@ -30896,18 +30267,13 @@
               </a:tabLst>
             </a:pPr>
             <a:r>
-              <a:rPr lang="en-GB" sz="1800" b="1" dirty="0" smtClean="0">
+              <a:rPr lang="en-GB" sz="1800" b="1" dirty="0">
                 <a:latin typeface="Courier New" pitchFamily="49" charset="0"/>
                 <a:ea typeface="msgothic" charset="0"/>
                 <a:cs typeface="msgothic" charset="0"/>
               </a:rPr>
               <a:t>prog2c</a:t>
             </a:r>
-            <a:endParaRPr lang="en-GB" sz="1800" b="1" dirty="0">
-              <a:latin typeface="Courier New" pitchFamily="49" charset="0"/>
-              <a:ea typeface="msgothic" charset="0"/>
-              <a:cs typeface="msgothic" charset="0"/>
-            </a:endParaRPr>
           </a:p>
         </p:txBody>
       </p:sp>
@@ -31989,7 +31355,7 @@
           <a:lstStyle/>
           <a:p>
             <a:r>
-              <a:rPr lang="en-US" sz="1600" i="1" dirty="0" smtClean="0">
+              <a:rPr lang="en-US" sz="1600" i="1" dirty="0">
                 <a:latin typeface="Calibri" pitchFamily="34" charset="0"/>
               </a:rPr>
               <a:t>“c” for “compile-time”</a:t>
@@ -32002,11 +31368,11 @@
   <p:clrMapOvr>
     <a:masterClrMapping/>
   </p:clrMapOvr>
-  <p:transition xmlns:p14="http://schemas.microsoft.com/office/powerpoint/2010/main" spd="med"/>
+  <p:transition spd="med"/>
   <p:timing>
     <p:tnLst>
       <p:par>
-        <p:cTn xmlns:p14="http://schemas.microsoft.com/office/powerpoint/2010/main" id="1" dur="indefinite" restart="never" nodeType="tmRoot">
+        <p:cTn id="1" dur="indefinite" restart="never" nodeType="tmRoot">
           <p:childTnLst>
             <p:seq concurrent="1" nextAc="seek">
               <p:cTn id="2" dur="0" nodeType="mainSeq"/>
@@ -32066,10 +31432,9 @@
           <a:lstStyle/>
           <a:p>
             <a:r>
-              <a:rPr lang="en-US" dirty="0" smtClean="0"/>
+              <a:rPr lang="en-US" dirty="0"/>
               <a:t>Example C Program</a:t>
             </a:r>
-            <a:endParaRPr lang="en-US" dirty="0"/>
           </a:p>
         </p:txBody>
       </p:sp>
@@ -32437,7 +31802,7 @@
           </a:p>
           <a:p>
             <a:r>
-              <a:rPr lang="fr-FR" sz="1800" dirty="0" smtClean="0">
+              <a:rPr lang="fr-FR" sz="1800" dirty="0">
                 <a:solidFill>
                   <a:srgbClr val="000000"/>
                 </a:solidFill>
@@ -32767,7 +32132,7 @@
           </a:p>
           <a:p>
             <a:r>
-              <a:rPr lang="is-IS" sz="1800" dirty="0" smtClean="0">
+              <a:rPr lang="is-IS" sz="1800" dirty="0">
                 <a:solidFill>
                   <a:srgbClr val="000000"/>
                 </a:solidFill>
@@ -32837,7 +32202,7 @@
               </a:tabLst>
             </a:pPr>
             <a:r>
-              <a:rPr lang="en-GB" sz="1800" b="1" i="1" dirty="0" err="1" smtClean="0">
+              <a:rPr lang="en-GB" sz="1800" b="1" i="1" dirty="0" err="1">
                 <a:solidFill>
                   <a:schemeClr val="tx1">
                     <a:lumMod val="50000"/>
@@ -32915,7 +32280,7 @@
               </a:tabLst>
             </a:pPr>
             <a:r>
-              <a:rPr lang="en-GB" sz="1800" b="1" i="1" dirty="0" err="1" smtClean="0">
+              <a:rPr lang="en-GB" sz="1800" b="1" i="1" dirty="0" err="1">
                 <a:solidFill>
                   <a:schemeClr val="tx1">
                     <a:lumMod val="50000"/>
@@ -32947,13 +32312,6 @@
   <p:clrMapOvr>
     <a:masterClrMapping/>
   </p:clrMapOvr>
-  <p:timing>
-    <p:tnLst>
-      <p:par>
-        <p:cTn xmlns:p14="http://schemas.microsoft.com/office/powerpoint/2010/main" id="1" dur="indefinite" restart="never" nodeType="tmRoot"/>
-      </p:par>
-    </p:tnLst>
-  </p:timing>
 </p:sld>
 </file>
 
@@ -33239,7 +32597,7 @@
                 <a:tab pos="9990138" algn="l"/>
               </a:tabLst>
             </a:pPr>
-            <a:endParaRPr lang="en-GB" dirty="0" smtClean="0"/>
+            <a:endParaRPr lang="en-GB" dirty="0"/>
           </a:p>
           <a:p>
             <a:pPr>
@@ -33262,12 +32620,8 @@
               </a:tabLst>
             </a:pPr>
             <a:r>
-              <a:rPr lang="en-GB" dirty="0" smtClean="0"/>
-              <a:t>Problem</a:t>
-            </a:r>
-            <a:r>
               <a:rPr lang="en-GB" dirty="0"/>
-              <a:t>:</a:t>
+              <a:t>Problem:</a:t>
             </a:r>
           </a:p>
           <a:p>
@@ -33377,7 +32731,7 @@
               </a:tabLst>
             </a:pPr>
             <a:r>
-              <a:rPr lang="en-GB" sz="1600" b="1" dirty="0" err="1" smtClean="0">
+              <a:rPr lang="en-GB" sz="1600" b="1" dirty="0" err="1">
                 <a:latin typeface="Courier New" pitchFamily="49" charset="0"/>
                 <a:ea typeface="msgothic" charset="0"/>
                 <a:cs typeface="msgothic" charset="0"/>
@@ -33385,7 +32739,7 @@
               <a:t>unix</a:t>
             </a:r>
             <a:r>
-              <a:rPr lang="en-GB" sz="1600" b="1" dirty="0" smtClean="0">
+              <a:rPr lang="en-GB" sz="1600" b="1" dirty="0">
                 <a:latin typeface="Courier New" pitchFamily="49" charset="0"/>
                 <a:ea typeface="msgothic" charset="0"/>
                 <a:cs typeface="msgothic" charset="0"/>
@@ -33462,7 +32816,7 @@
               </a:tabLst>
             </a:pPr>
             <a:r>
-              <a:rPr lang="en-GB" sz="1600" b="1" dirty="0" err="1" smtClean="0">
+              <a:rPr lang="en-GB" sz="1600" b="1" dirty="0" err="1">
                 <a:latin typeface="Courier New" pitchFamily="49" charset="0"/>
                 <a:ea typeface="msgothic" charset="0"/>
                 <a:cs typeface="msgothic" charset="0"/>
@@ -33470,7 +32824,7 @@
               <a:t>unix</a:t>
             </a:r>
             <a:r>
-              <a:rPr lang="en-GB" sz="1600" b="1" dirty="0" smtClean="0">
+              <a:rPr lang="en-GB" sz="1600" b="1" dirty="0">
                 <a:latin typeface="Courier New" pitchFamily="49" charset="0"/>
                 <a:ea typeface="msgothic" charset="0"/>
                 <a:cs typeface="msgothic" charset="0"/>
@@ -33623,11 +32977,11 @@
   <p:clrMapOvr>
     <a:masterClrMapping/>
   </p:clrMapOvr>
-  <p:transition xmlns:p14="http://schemas.microsoft.com/office/powerpoint/2010/main" spd="med"/>
+  <p:transition spd="med"/>
   <p:timing>
     <p:tnLst>
       <p:par>
-        <p:cTn xmlns:p14="http://schemas.microsoft.com/office/powerpoint/2010/main" id="1" dur="indefinite" restart="never" nodeType="tmRoot">
+        <p:cTn id="1" dur="indefinite" restart="never" nodeType="tmRoot">
           <p:childTnLst>
             <p:seq concurrent="1" nextAc="seek">
               <p:cTn id="2" dur="0" nodeType="mainSeq"/>
@@ -33709,12 +33063,8 @@
               </a:tabLst>
             </a:pPr>
             <a:r>
-              <a:rPr lang="en-GB" dirty="0" smtClean="0"/>
-              <a:t>Modern Solution: Shared </a:t>
-            </a:r>
-            <a:r>
               <a:rPr lang="en-GB" dirty="0"/>
-              <a:t>Libraries</a:t>
+              <a:t>Modern Solution: Shared Libraries</a:t>
             </a:r>
           </a:p>
         </p:txBody>
@@ -33779,18 +33129,17 @@
               </a:tabLst>
             </a:pPr>
             <a:r>
-              <a:rPr lang="en-GB" dirty="0" smtClean="0"/>
+              <a:rPr lang="en-GB" dirty="0"/>
               <a:t>Duplication in the stored executables (every function needs </a:t>
             </a:r>
             <a:r>
-              <a:rPr lang="en-GB" dirty="0" err="1" smtClean="0"/>
+              <a:rPr lang="en-GB" dirty="0" err="1"/>
               <a:t>libc</a:t>
             </a:r>
             <a:r>
-              <a:rPr lang="en-GB" dirty="0" smtClean="0"/>
+              <a:rPr lang="en-GB" dirty="0"/>
               <a:t>)</a:t>
             </a:r>
-            <a:endParaRPr lang="en-GB" dirty="0"/>
           </a:p>
           <a:p>
             <a:pPr lvl="1">
@@ -33810,10 +33159,9 @@
               </a:tabLst>
             </a:pPr>
             <a:r>
-              <a:rPr lang="en-GB" dirty="0" smtClean="0"/>
+              <a:rPr lang="en-GB" dirty="0"/>
               <a:t>Duplication in the running executables</a:t>
             </a:r>
-            <a:endParaRPr lang="en-GB" dirty="0"/>
           </a:p>
           <a:p>
             <a:pPr lvl="1">
@@ -33859,7 +33207,7 @@
                 <a:tab pos="9990138" algn="l"/>
               </a:tabLst>
             </a:pPr>
-            <a:endParaRPr lang="en-GB" dirty="0" smtClean="0">
+            <a:endParaRPr lang="en-GB" dirty="0">
               <a:solidFill>
                 <a:srgbClr val="000004"/>
               </a:solidFill>
@@ -33883,36 +33231,12 @@
               </a:tabLst>
             </a:pPr>
             <a:r>
-              <a:rPr lang="en-GB" dirty="0" smtClean="0">
+              <a:rPr lang="en-GB" dirty="0">
                 <a:solidFill>
                   <a:srgbClr val="000004"/>
                 </a:solidFill>
               </a:rPr>
-              <a:t>Modern </a:t>
-            </a:r>
-            <a:r>
-              <a:rPr lang="en-GB" dirty="0">
-                <a:solidFill>
-                  <a:srgbClr val="000004"/>
-                </a:solidFill>
-              </a:rPr>
-              <a:t>s</a:t>
-            </a:r>
-            <a:r>
-              <a:rPr lang="en-GB" dirty="0" smtClean="0">
-                <a:solidFill>
-                  <a:srgbClr val="000004"/>
-                </a:solidFill>
-              </a:rPr>
-              <a:t>olution</a:t>
-            </a:r>
-            <a:r>
-              <a:rPr lang="en-GB" dirty="0">
-                <a:solidFill>
-                  <a:srgbClr val="000004"/>
-                </a:solidFill>
-              </a:rPr>
-              <a:t>: Shared Libraries </a:t>
+              <a:t>Modern solution: Shared Libraries </a:t>
             </a:r>
           </a:p>
           <a:p>
@@ -34039,11 +33363,11 @@
   <p:clrMapOvr>
     <a:masterClrMapping/>
   </p:clrMapOvr>
-  <p:transition xmlns:p14="http://schemas.microsoft.com/office/powerpoint/2010/main" spd="med"/>
+  <p:transition spd="med"/>
   <p:timing>
     <p:tnLst>
       <p:par>
-        <p:cTn xmlns:p14="http://schemas.microsoft.com/office/powerpoint/2010/main" id="1" dur="indefinite" restart="never" nodeType="tmRoot">
+        <p:cTn id="1" dur="indefinite" restart="never" nodeType="tmRoot">
           <p:childTnLst>
             <p:seq concurrent="1" nextAc="seek">
               <p:cTn id="2" dur="indefinite" nodeType="mainSeq">
@@ -34240,13 +33564,8 @@
             </a:pPr>
             <a:r>
               <a:rPr lang="en-GB" dirty="0"/>
-              <a:t>Shared Libraries (</a:t>
-            </a:r>
-            <a:r>
-              <a:rPr lang="en-GB" dirty="0" smtClean="0"/>
-              <a:t>cont.)</a:t>
-            </a:r>
-            <a:endParaRPr lang="en-GB" dirty="0"/>
+              <a:t>Shared Libraries (cont.)</a:t>
+            </a:r>
           </a:p>
         </p:txBody>
       </p:sp>
@@ -34386,20 +33705,12 @@
               <a:rPr lang="en-GB" dirty="0"/>
               <a:t>Dynamic linking can also occur after program has begun </a:t>
             </a:r>
-            <a:r>
-              <a:rPr lang="en-GB" dirty="0" smtClean="0"/>
-              <a:t/>
-            </a:r>
             <a:br>
-              <a:rPr lang="en-GB" dirty="0" smtClean="0"/>
+              <a:rPr lang="en-GB" dirty="0"/>
             </a:br>
             <a:r>
-              <a:rPr lang="en-GB" dirty="0" smtClean="0"/>
-              <a:t>(</a:t>
-            </a:r>
-            <a:r>
               <a:rPr lang="en-GB" dirty="0"/>
-              <a:t>run-time linking).</a:t>
+              <a:t>(run-time linking).</a:t>
             </a:r>
           </a:p>
           <a:p>
@@ -34421,15 +33732,7 @@
             </a:pPr>
             <a:r>
               <a:rPr lang="en-GB" dirty="0"/>
-              <a:t>In</a:t>
-            </a:r>
-            <a:r>
-              <a:rPr lang="en-GB" dirty="0" smtClean="0"/>
-              <a:t> Linux, </a:t>
-            </a:r>
-            <a:r>
-              <a:rPr lang="en-GB" dirty="0"/>
-              <a:t>this is done by calls to the </a:t>
+              <a:t>In Linux, this is done by calls to the </a:t>
             </a:r>
             <a:r>
               <a:rPr lang="en-GB" b="1" dirty="0" err="1">
@@ -34453,9 +33756,6 @@
               </a:rPr>
               <a:t>.</a:t>
             </a:r>
-            <a:endParaRPr lang="en-GB" dirty="0" smtClean="0">
-              <a:latin typeface="Courier New" pitchFamily="49" charset="0"/>
-            </a:endParaRPr>
           </a:p>
           <a:p>
             <a:pPr lvl="2">
@@ -34475,7 +33775,7 @@
               </a:tabLst>
             </a:pPr>
             <a:r>
-              <a:rPr lang="en-GB" dirty="0" smtClean="0"/>
+              <a:rPr lang="en-GB" dirty="0"/>
               <a:t>Distributing software.</a:t>
             </a:r>
           </a:p>
@@ -34497,12 +33797,8 @@
               </a:tabLst>
             </a:pPr>
             <a:r>
-              <a:rPr lang="en-GB" dirty="0" smtClean="0"/>
-              <a:t>High</a:t>
-            </a:r>
-            <a:r>
               <a:rPr lang="en-GB" dirty="0"/>
-              <a:t>-performance web servers. </a:t>
+              <a:t>High-performance web servers. </a:t>
             </a:r>
           </a:p>
           <a:p>
@@ -34527,11 +33823,11 @@
               <a:t>Runtime library </a:t>
             </a:r>
             <a:r>
-              <a:rPr lang="en-GB" dirty="0" err="1" smtClean="0"/>
+              <a:rPr lang="en-GB" dirty="0" err="1"/>
               <a:t>interpositioning</a:t>
             </a:r>
             <a:r>
-              <a:rPr lang="en-GB" dirty="0" smtClean="0"/>
+              <a:rPr lang="en-GB" dirty="0"/>
               <a:t>.</a:t>
             </a:r>
           </a:p>
@@ -34579,13 +33875,8 @@
             </a:pPr>
             <a:r>
               <a:rPr lang="en-GB" dirty="0"/>
-              <a:t>More on this when we learn about virtual </a:t>
-            </a:r>
-            <a:r>
-              <a:rPr lang="en-GB" dirty="0" smtClean="0"/>
-              <a:t>memory</a:t>
-            </a:r>
-            <a:endParaRPr lang="en-GB" dirty="0"/>
+              <a:t>More on this when we learn about virtual memory</a:t>
+            </a:r>
           </a:p>
         </p:txBody>
       </p:sp>
@@ -34594,11 +33885,11 @@
   <p:clrMapOvr>
     <a:masterClrMapping/>
   </p:clrMapOvr>
-  <p:transition xmlns:p14="http://schemas.microsoft.com/office/powerpoint/2010/main" spd="med"/>
+  <p:transition spd="med"/>
   <p:timing>
     <p:tnLst>
       <p:par>
-        <p:cTn xmlns:p14="http://schemas.microsoft.com/office/powerpoint/2010/main" id="1" dur="indefinite" restart="never" nodeType="tmRoot">
+        <p:cTn id="1" dur="indefinite" restart="never" nodeType="tmRoot">
           <p:childTnLst>
             <p:seq concurrent="1" nextAc="seek">
               <p:cTn id="2" dur="indefinite" nodeType="mainSeq">
@@ -34884,6 +34175,14 @@
 <file path=ppt/slides/slide33.xml><?xml version="1.0" encoding="utf-8"?>
 <p:sld xmlns:a="http://schemas.openxmlformats.org/drawingml/2006/main" xmlns:r="http://schemas.openxmlformats.org/officeDocument/2006/relationships" xmlns:p="http://schemas.openxmlformats.org/presentationml/2006/main">
   <p:cSld>
+    <p:bg>
+      <p:bgPr>
+        <a:solidFill>
+          <a:srgbClr val="92D050"/>
+        </a:solidFill>
+        <a:effectLst/>
+      </p:bgPr>
+    </p:bg>
     <p:spTree>
       <p:nvGrpSpPr>
         <p:cNvPr id="1" name=""/>
@@ -35042,11 +34341,6 @@
               </a:rPr>
               <a:t>Translators </a:t>
             </a:r>
-            <a:endParaRPr lang="en-GB" sz="1600" b="1" dirty="0" smtClean="0">
-              <a:latin typeface="Calibri" pitchFamily="34" charset="0"/>
-              <a:ea typeface="msgothic" charset="0"/>
-              <a:cs typeface="msgothic" charset="0"/>
-            </a:endParaRPr>
           </a:p>
           <a:p>
             <a:pPr algn="ctr">
@@ -35069,7 +34363,7 @@
               </a:tabLst>
             </a:pPr>
             <a:r>
-              <a:rPr lang="en-GB" sz="1600" b="1" dirty="0" smtClean="0">
+              <a:rPr lang="en-GB" sz="1600" b="1" dirty="0">
                 <a:latin typeface="Calibri" pitchFamily="34" charset="0"/>
                 <a:ea typeface="msgothic" charset="0"/>
                 <a:cs typeface="msgothic" charset="0"/>
@@ -35509,18 +34803,13 @@
               </a:tabLst>
             </a:pPr>
             <a:r>
-              <a:rPr lang="en-GB" sz="1600" b="1" dirty="0" smtClean="0">
+              <a:rPr lang="en-GB" sz="1600" b="1" dirty="0">
                 <a:latin typeface="Courier New" pitchFamily="49" charset="0"/>
                 <a:ea typeface="msgothic" charset="0"/>
                 <a:cs typeface="msgothic" charset="0"/>
               </a:rPr>
               <a:t>prog2l</a:t>
             </a:r>
-            <a:endParaRPr lang="en-GB" sz="1600" b="1" dirty="0">
-              <a:latin typeface="Courier New" pitchFamily="49" charset="0"/>
-              <a:ea typeface="msgothic" charset="0"/>
-              <a:cs typeface="msgothic" charset="0"/>
-            </a:endParaRPr>
           </a:p>
         </p:txBody>
       </p:sp>
@@ -36103,14 +35392,6 @@
               </a:rPr>
               <a:t>Partially linked </a:t>
             </a:r>
-            <a:endParaRPr lang="en-GB" sz="1600" b="1" i="1" dirty="0" smtClean="0">
-              <a:solidFill>
-                <a:srgbClr val="990000"/>
-              </a:solidFill>
-              <a:latin typeface="Calibri" pitchFamily="34" charset="0"/>
-              <a:ea typeface="msgothic" charset="0"/>
-              <a:cs typeface="msgothic" charset="0"/>
-            </a:endParaRPr>
           </a:p>
           <a:p>
             <a:pPr algn="r">
@@ -36133,7 +35414,7 @@
               </a:tabLst>
             </a:pPr>
             <a:r>
-              <a:rPr lang="en-GB" sz="1600" b="1" i="1" dirty="0" smtClean="0">
+              <a:rPr lang="en-GB" sz="1600" b="1" i="1" dirty="0">
                 <a:solidFill>
                   <a:srgbClr val="990000"/>
                 </a:solidFill>
@@ -36141,18 +35422,7 @@
                 <a:ea typeface="msgothic" charset="0"/>
                 <a:cs typeface="msgothic" charset="0"/>
               </a:rPr>
-              <a:t>executable </a:t>
-            </a:r>
-            <a:r>
-              <a:rPr lang="en-GB" sz="1600" b="1" i="1" dirty="0">
-                <a:solidFill>
-                  <a:srgbClr val="990000"/>
-                </a:solidFill>
-                <a:latin typeface="Calibri" pitchFamily="34" charset="0"/>
-                <a:ea typeface="msgothic" charset="0"/>
-                <a:cs typeface="msgothic" charset="0"/>
-              </a:rPr>
-              <a:t>object file</a:t>
+              <a:t>executable object file</a:t>
             </a:r>
           </a:p>
         </p:txBody>
@@ -36705,11 +35975,11 @@
   <p:clrMapOvr>
     <a:masterClrMapping/>
   </p:clrMapOvr>
-  <p:transition xmlns:p14="http://schemas.microsoft.com/office/powerpoint/2010/main" spd="med"/>
+  <p:transition spd="med"/>
   <p:timing>
     <p:tnLst>
       <p:par>
-        <p:cTn xmlns:p14="http://schemas.microsoft.com/office/powerpoint/2010/main" id="1" dur="indefinite" restart="never" nodeType="tmRoot">
+        <p:cTn id="1" dur="indefinite" restart="never" nodeType="tmRoot">
           <p:childTnLst>
             <p:seq concurrent="1" nextAc="seek">
               <p:cTn id="2" dur="0" nodeType="mainSeq"/>
@@ -36792,13 +36062,8 @@
             </a:pPr>
             <a:r>
               <a:rPr lang="en-GB" dirty="0"/>
-              <a:t>Dynamic Linking at </a:t>
-            </a:r>
-            <a:r>
-              <a:rPr lang="en-GB" dirty="0" smtClean="0"/>
-              <a:t>Run-time</a:t>
-            </a:r>
-            <a:endParaRPr lang="en-GB" dirty="0"/>
+              <a:t>Dynamic Linking at Run-time</a:t>
+            </a:r>
           </a:p>
         </p:txBody>
       </p:sp>
@@ -37761,23 +37026,8 @@
                 </a:solidFill>
                 <a:latin typeface="Menlo-Regular"/>
               </a:rPr>
-              <a:t>    </a:t>
-            </a:r>
-            <a:r>
-              <a:rPr lang="pl-PL" sz="1600" dirty="0" smtClean="0">
-                <a:solidFill>
-                  <a:srgbClr val="000000"/>
-                </a:solidFill>
-                <a:latin typeface="Menlo-Regular"/>
-              </a:rPr>
-              <a:t>}</a:t>
-            </a:r>
-            <a:endParaRPr lang="pl-PL" sz="1600" dirty="0">
-              <a:solidFill>
-                <a:srgbClr val="000000"/>
-              </a:solidFill>
-              <a:latin typeface="Menlo-Regular"/>
-            </a:endParaRPr>
+              <a:t>    }</a:t>
+            </a:r>
           </a:p>
         </p:txBody>
       </p:sp>
@@ -37832,7 +37082,7 @@
               </a:tabLst>
             </a:pPr>
             <a:r>
-              <a:rPr lang="en-GB" sz="1800" b="1" i="1" dirty="0" err="1" smtClean="0">
+              <a:rPr lang="en-GB" sz="1800" b="1" i="1" dirty="0" err="1">
                 <a:solidFill>
                   <a:schemeClr val="tx1">
                     <a:lumMod val="50000"/>
@@ -37864,11 +37114,11 @@
   <p:clrMapOvr>
     <a:masterClrMapping/>
   </p:clrMapOvr>
-  <p:transition xmlns:p14="http://schemas.microsoft.com/office/powerpoint/2010/main" spd="med"/>
+  <p:transition spd="med"/>
   <p:timing>
     <p:tnLst>
       <p:par>
-        <p:cTn xmlns:p14="http://schemas.microsoft.com/office/powerpoint/2010/main" id="1" dur="indefinite" restart="never" nodeType="tmRoot">
+        <p:cTn id="1" dur="indefinite" restart="never" nodeType="tmRoot">
           <p:childTnLst>
             <p:seq concurrent="1" nextAc="seek">
               <p:cTn id="2" dur="0" nodeType="mainSeq"/>
@@ -38020,59 +37270,6 @@
             </a:r>
           </a:p>
           <a:p>
-            <a:endParaRPr lang="en-US" sz="1600" dirty="0" smtClean="0">
-              <a:solidFill>
-                <a:srgbClr val="000000"/>
-              </a:solidFill>
-              <a:latin typeface="Menlo-Regular"/>
-            </a:endParaRPr>
-          </a:p>
-          <a:p>
-            <a:r>
-              <a:rPr lang="en-US" sz="1600" dirty="0" smtClean="0">
-                <a:solidFill>
-                  <a:srgbClr val="000000"/>
-                </a:solidFill>
-                <a:latin typeface="Menlo-Regular"/>
-              </a:rPr>
-              <a:t>    </a:t>
-            </a:r>
-            <a:r>
-              <a:rPr lang="en-US" sz="1600" dirty="0" smtClean="0">
-                <a:solidFill>
-                  <a:srgbClr val="CB2418"/>
-                </a:solidFill>
-                <a:latin typeface="Menlo-Regular"/>
-              </a:rPr>
-              <a:t>/</a:t>
-            </a:r>
-            <a:r>
-              <a:rPr lang="en-US" sz="1600" dirty="0">
-                <a:solidFill>
-                  <a:srgbClr val="CB2418"/>
-                </a:solidFill>
-                <a:latin typeface="Menlo-Regular"/>
-              </a:rPr>
-              <a:t>* Get a pointer to the </a:t>
-            </a:r>
-            <a:r>
-              <a:rPr lang="en-US" sz="1600" dirty="0" err="1">
-                <a:solidFill>
-                  <a:srgbClr val="CB2418"/>
-                </a:solidFill>
-                <a:latin typeface="Menlo-Regular"/>
-              </a:rPr>
-              <a:t>addvec</a:t>
-            </a:r>
-            <a:r>
-              <a:rPr lang="en-US" sz="1600" dirty="0">
-                <a:solidFill>
-                  <a:srgbClr val="CB2418"/>
-                </a:solidFill>
-                <a:latin typeface="Menlo-Regular"/>
-              </a:rPr>
-              <a:t>() function we just loaded */</a:t>
-            </a:r>
             <a:endParaRPr lang="en-US" sz="1600" dirty="0">
               <a:solidFill>
                 <a:srgbClr val="000000"/>
@@ -38091,9 +37288,18 @@
               <a:t>    </a:t>
             </a:r>
             <a:r>
+              <a:rPr lang="en-US" sz="1600" dirty="0">
+                <a:solidFill>
+                  <a:srgbClr val="CB2418"/>
+                </a:solidFill>
+                <a:latin typeface="Menlo-Regular"/>
+              </a:rPr>
+              <a:t>/* Get a pointer to the </a:t>
+            </a:r>
+            <a:r>
               <a:rPr lang="en-US" sz="1600" dirty="0" err="1">
                 <a:solidFill>
-                  <a:srgbClr val="000000"/>
+                  <a:srgbClr val="CB2418"/>
                 </a:solidFill>
                 <a:latin typeface="Menlo-Regular"/>
               </a:rPr>
@@ -38102,220 +37308,12 @@
             <a:r>
               <a:rPr lang="en-US" sz="1600" dirty="0">
                 <a:solidFill>
-                  <a:srgbClr val="000000"/>
-                </a:solidFill>
-                <a:latin typeface="Menlo-Regular"/>
-              </a:rPr>
-              <a:t> = </a:t>
-            </a:r>
-            <a:r>
-              <a:rPr lang="en-US" sz="1600" dirty="0" err="1">
-                <a:solidFill>
-                  <a:srgbClr val="000000"/>
-                </a:solidFill>
-                <a:latin typeface="Menlo-Regular"/>
-              </a:rPr>
-              <a:t>dlsym</a:t>
-            </a:r>
-            <a:r>
-              <a:rPr lang="en-US" sz="1600" dirty="0">
-                <a:solidFill>
-                  <a:srgbClr val="000000"/>
-                </a:solidFill>
-                <a:latin typeface="Menlo-Regular"/>
-              </a:rPr>
-              <a:t>(handle, </a:t>
-            </a:r>
-            <a:r>
-              <a:rPr lang="en-US" sz="1600" dirty="0">
-                <a:solidFill>
-                  <a:srgbClr val="9D206F"/>
-                </a:solidFill>
-                <a:latin typeface="Menlo-Regular"/>
-              </a:rPr>
-              <a:t>"</a:t>
-            </a:r>
-            <a:r>
-              <a:rPr lang="en-US" sz="1600" dirty="0" err="1">
-                <a:solidFill>
-                  <a:srgbClr val="9D206F"/>
-                </a:solidFill>
-                <a:latin typeface="Menlo-Regular"/>
-              </a:rPr>
-              <a:t>addvec</a:t>
-            </a:r>
-            <a:r>
-              <a:rPr lang="en-US" sz="1600" dirty="0">
-                <a:solidFill>
-                  <a:srgbClr val="9D206F"/>
-                </a:solidFill>
-                <a:latin typeface="Menlo-Regular"/>
-              </a:rPr>
-              <a:t>"</a:t>
-            </a:r>
-            <a:r>
-              <a:rPr lang="en-US" sz="1600" dirty="0">
-                <a:solidFill>
-                  <a:srgbClr val="000000"/>
-                </a:solidFill>
-                <a:latin typeface="Menlo-Regular"/>
-              </a:rPr>
-              <a:t>);</a:t>
-            </a:r>
-          </a:p>
-          <a:p>
-            <a:r>
-              <a:rPr lang="en-US" sz="1600" dirty="0">
-                <a:solidFill>
-                  <a:srgbClr val="000000"/>
-                </a:solidFill>
-                <a:latin typeface="Menlo-Regular"/>
-              </a:rPr>
-              <a:t>    </a:t>
-            </a:r>
-            <a:r>
-              <a:rPr lang="en-US" sz="1600" dirty="0">
-                <a:solidFill>
-                  <a:srgbClr val="C200FF"/>
-                </a:solidFill>
-                <a:latin typeface="Menlo-Regular"/>
-              </a:rPr>
-              <a:t>if</a:t>
-            </a:r>
-            <a:r>
-              <a:rPr lang="en-US" sz="1600" dirty="0">
-                <a:solidFill>
-                  <a:srgbClr val="000000"/>
-                </a:solidFill>
-                <a:latin typeface="Menlo-Regular"/>
-              </a:rPr>
-              <a:t> ((error = </a:t>
-            </a:r>
-            <a:r>
-              <a:rPr lang="en-US" sz="1600" dirty="0" err="1">
-                <a:solidFill>
-                  <a:srgbClr val="000000"/>
-                </a:solidFill>
-                <a:latin typeface="Menlo-Regular"/>
-              </a:rPr>
-              <a:t>dlerror</a:t>
-            </a:r>
-            <a:r>
-              <a:rPr lang="en-US" sz="1600" dirty="0">
-                <a:solidFill>
-                  <a:srgbClr val="000000"/>
-                </a:solidFill>
-                <a:latin typeface="Menlo-Regular"/>
-              </a:rPr>
-              <a:t>()) != </a:t>
-            </a:r>
-            <a:r>
-              <a:rPr lang="en-US" sz="1600" dirty="0">
-                <a:solidFill>
-                  <a:srgbClr val="2C9290"/>
-                </a:solidFill>
-                <a:latin typeface="Menlo-Regular"/>
-              </a:rPr>
-              <a:t>NULL</a:t>
-            </a:r>
-            <a:r>
-              <a:rPr lang="en-US" sz="1600" dirty="0">
-                <a:solidFill>
-                  <a:srgbClr val="000000"/>
-                </a:solidFill>
-                <a:latin typeface="Menlo-Regular"/>
-              </a:rPr>
-              <a:t>) {</a:t>
-            </a:r>
-          </a:p>
-          <a:p>
-            <a:r>
-              <a:rPr lang="en-US" sz="1600" dirty="0">
-                <a:solidFill>
-                  <a:srgbClr val="000000"/>
-                </a:solidFill>
-                <a:latin typeface="Menlo-Regular"/>
-              </a:rPr>
-              <a:t>        </a:t>
-            </a:r>
-            <a:r>
-              <a:rPr lang="en-US" sz="1600" dirty="0" err="1">
-                <a:solidFill>
-                  <a:srgbClr val="000000"/>
-                </a:solidFill>
-                <a:latin typeface="Menlo-Regular"/>
-              </a:rPr>
-              <a:t>fprintf</a:t>
-            </a:r>
-            <a:r>
-              <a:rPr lang="en-US" sz="1600" dirty="0">
-                <a:solidFill>
-                  <a:srgbClr val="000000"/>
-                </a:solidFill>
-                <a:latin typeface="Menlo-Regular"/>
-              </a:rPr>
-              <a:t>(</a:t>
-            </a:r>
-            <a:r>
-              <a:rPr lang="en-US" sz="1600" dirty="0" err="1">
-                <a:solidFill>
-                  <a:srgbClr val="000000"/>
-                </a:solidFill>
-                <a:latin typeface="Menlo-Regular"/>
-              </a:rPr>
-              <a:t>stderr</a:t>
-            </a:r>
-            <a:r>
-              <a:rPr lang="en-US" sz="1600" dirty="0">
-                <a:solidFill>
-                  <a:srgbClr val="000000"/>
-                </a:solidFill>
-                <a:latin typeface="Menlo-Regular"/>
-              </a:rPr>
-              <a:t>, </a:t>
-            </a:r>
-            <a:r>
-              <a:rPr lang="en-US" sz="1600" dirty="0">
-                <a:solidFill>
-                  <a:srgbClr val="9D206F"/>
-                </a:solidFill>
-                <a:latin typeface="Menlo-Regular"/>
-              </a:rPr>
-              <a:t>"%s\n"</a:t>
-            </a:r>
-            <a:r>
-              <a:rPr lang="en-US" sz="1600" dirty="0">
-                <a:solidFill>
-                  <a:srgbClr val="000000"/>
-                </a:solidFill>
-                <a:latin typeface="Menlo-Regular"/>
-              </a:rPr>
-              <a:t>, error);</a:t>
-            </a:r>
-          </a:p>
-          <a:p>
-            <a:r>
-              <a:rPr lang="en-US" sz="1600" dirty="0">
-                <a:solidFill>
-                  <a:srgbClr val="000000"/>
-                </a:solidFill>
-                <a:latin typeface="Menlo-Regular"/>
-              </a:rPr>
-              <a:t>        exit(1);</a:t>
-            </a:r>
-          </a:p>
-          <a:p>
-            <a:r>
-              <a:rPr lang="en-US" sz="1600" dirty="0">
-                <a:solidFill>
-                  <a:srgbClr val="000000"/>
-                </a:solidFill>
-                <a:latin typeface="Menlo-Regular"/>
-              </a:rPr>
-              <a:t>    }</a:t>
-            </a:r>
-          </a:p>
-          <a:p>
+                  <a:srgbClr val="CB2418"/>
+                </a:solidFill>
+                <a:latin typeface="Menlo-Regular"/>
+              </a:rPr>
+              <a:t>() function we just loaded */</a:t>
+            </a:r>
             <a:endParaRPr lang="en-US" sz="1600" dirty="0">
               <a:solidFill>
                 <a:srgbClr val="000000"/>
@@ -38334,18 +37332,54 @@
               <a:t>    </a:t>
             </a:r>
             <a:r>
+              <a:rPr lang="en-US" sz="1600" dirty="0" err="1">
+                <a:solidFill>
+                  <a:srgbClr val="000000"/>
+                </a:solidFill>
+                <a:latin typeface="Menlo-Regular"/>
+              </a:rPr>
+              <a:t>addvec</a:t>
+            </a:r>
+            <a:r>
               <a:rPr lang="en-US" sz="1600" dirty="0">
                 <a:solidFill>
-                  <a:srgbClr val="CB2418"/>
-                </a:solidFill>
-                <a:latin typeface="Menlo-Regular"/>
-              </a:rPr>
-              <a:t>/* Now we can call </a:t>
+                  <a:srgbClr val="000000"/>
+                </a:solidFill>
+                <a:latin typeface="Menlo-Regular"/>
+              </a:rPr>
+              <a:t> = </a:t>
             </a:r>
             <a:r>
               <a:rPr lang="en-US" sz="1600" dirty="0" err="1">
                 <a:solidFill>
-                  <a:srgbClr val="CB2418"/>
+                  <a:srgbClr val="000000"/>
+                </a:solidFill>
+                <a:latin typeface="Menlo-Regular"/>
+              </a:rPr>
+              <a:t>dlsym</a:t>
+            </a:r>
+            <a:r>
+              <a:rPr lang="en-US" sz="1600" dirty="0">
+                <a:solidFill>
+                  <a:srgbClr val="000000"/>
+                </a:solidFill>
+                <a:latin typeface="Menlo-Regular"/>
+              </a:rPr>
+              <a:t>(handle, </a:t>
+            </a:r>
+            <a:r>
+              <a:rPr lang="en-US" sz="1600" dirty="0">
+                <a:solidFill>
+                  <a:srgbClr val="9D206F"/>
+                </a:solidFill>
+                <a:latin typeface="Menlo-Regular"/>
+              </a:rPr>
+              <a:t>"</a:t>
+            </a:r>
+            <a:r>
+              <a:rPr lang="en-US" sz="1600" dirty="0" err="1">
+                <a:solidFill>
+                  <a:srgbClr val="9D206F"/>
                 </a:solidFill>
                 <a:latin typeface="Menlo-Regular"/>
               </a:rPr>
@@ -38354,12 +37388,175 @@
             <a:r>
               <a:rPr lang="en-US" sz="1600" dirty="0">
                 <a:solidFill>
-                  <a:srgbClr val="CB2418"/>
-                </a:solidFill>
-                <a:latin typeface="Menlo-Regular"/>
-              </a:rPr>
-              <a:t>() just like any other function */</a:t>
-            </a:r>
+                  <a:srgbClr val="9D206F"/>
+                </a:solidFill>
+                <a:latin typeface="Menlo-Regular"/>
+              </a:rPr>
+              <a:t>"</a:t>
+            </a:r>
+            <a:r>
+              <a:rPr lang="en-US" sz="1600" dirty="0">
+                <a:solidFill>
+                  <a:srgbClr val="000000"/>
+                </a:solidFill>
+                <a:latin typeface="Menlo-Regular"/>
+              </a:rPr>
+              <a:t>);</a:t>
+            </a:r>
+          </a:p>
+          <a:p>
+            <a:r>
+              <a:rPr lang="en-US" sz="1600" dirty="0">
+                <a:solidFill>
+                  <a:srgbClr val="000000"/>
+                </a:solidFill>
+                <a:latin typeface="Menlo-Regular"/>
+              </a:rPr>
+              <a:t>    </a:t>
+            </a:r>
+            <a:r>
+              <a:rPr lang="en-US" sz="1600" dirty="0">
+                <a:solidFill>
+                  <a:srgbClr val="C200FF"/>
+                </a:solidFill>
+                <a:latin typeface="Menlo-Regular"/>
+              </a:rPr>
+              <a:t>if</a:t>
+            </a:r>
+            <a:r>
+              <a:rPr lang="en-US" sz="1600" dirty="0">
+                <a:solidFill>
+                  <a:srgbClr val="000000"/>
+                </a:solidFill>
+                <a:latin typeface="Menlo-Regular"/>
+              </a:rPr>
+              <a:t> ((error = </a:t>
+            </a:r>
+            <a:r>
+              <a:rPr lang="en-US" sz="1600" dirty="0" err="1">
+                <a:solidFill>
+                  <a:srgbClr val="000000"/>
+                </a:solidFill>
+                <a:latin typeface="Menlo-Regular"/>
+              </a:rPr>
+              <a:t>dlerror</a:t>
+            </a:r>
+            <a:r>
+              <a:rPr lang="en-US" sz="1600" dirty="0">
+                <a:solidFill>
+                  <a:srgbClr val="000000"/>
+                </a:solidFill>
+                <a:latin typeface="Menlo-Regular"/>
+              </a:rPr>
+              <a:t>()) != </a:t>
+            </a:r>
+            <a:r>
+              <a:rPr lang="en-US" sz="1600" dirty="0">
+                <a:solidFill>
+                  <a:srgbClr val="2C9290"/>
+                </a:solidFill>
+                <a:latin typeface="Menlo-Regular"/>
+              </a:rPr>
+              <a:t>NULL</a:t>
+            </a:r>
+            <a:r>
+              <a:rPr lang="en-US" sz="1600" dirty="0">
+                <a:solidFill>
+                  <a:srgbClr val="000000"/>
+                </a:solidFill>
+                <a:latin typeface="Menlo-Regular"/>
+              </a:rPr>
+              <a:t>) {</a:t>
+            </a:r>
+          </a:p>
+          <a:p>
+            <a:r>
+              <a:rPr lang="en-US" sz="1600" dirty="0">
+                <a:solidFill>
+                  <a:srgbClr val="000000"/>
+                </a:solidFill>
+                <a:latin typeface="Menlo-Regular"/>
+              </a:rPr>
+              <a:t>        </a:t>
+            </a:r>
+            <a:r>
+              <a:rPr lang="en-US" sz="1600" dirty="0" err="1">
+                <a:solidFill>
+                  <a:srgbClr val="000000"/>
+                </a:solidFill>
+                <a:latin typeface="Menlo-Regular"/>
+              </a:rPr>
+              <a:t>fprintf</a:t>
+            </a:r>
+            <a:r>
+              <a:rPr lang="en-US" sz="1600" dirty="0">
+                <a:solidFill>
+                  <a:srgbClr val="000000"/>
+                </a:solidFill>
+                <a:latin typeface="Menlo-Regular"/>
+              </a:rPr>
+              <a:t>(</a:t>
+            </a:r>
+            <a:r>
+              <a:rPr lang="en-US" sz="1600" dirty="0" err="1">
+                <a:solidFill>
+                  <a:srgbClr val="000000"/>
+                </a:solidFill>
+                <a:latin typeface="Menlo-Regular"/>
+              </a:rPr>
+              <a:t>stderr</a:t>
+            </a:r>
+            <a:r>
+              <a:rPr lang="en-US" sz="1600" dirty="0">
+                <a:solidFill>
+                  <a:srgbClr val="000000"/>
+                </a:solidFill>
+                <a:latin typeface="Menlo-Regular"/>
+              </a:rPr>
+              <a:t>, </a:t>
+            </a:r>
+            <a:r>
+              <a:rPr lang="en-US" sz="1600" dirty="0">
+                <a:solidFill>
+                  <a:srgbClr val="9D206F"/>
+                </a:solidFill>
+                <a:latin typeface="Menlo-Regular"/>
+              </a:rPr>
+              <a:t>"%s\n"</a:t>
+            </a:r>
+            <a:r>
+              <a:rPr lang="en-US" sz="1600" dirty="0">
+                <a:solidFill>
+                  <a:srgbClr val="000000"/>
+                </a:solidFill>
+                <a:latin typeface="Menlo-Regular"/>
+              </a:rPr>
+              <a:t>, error);</a:t>
+            </a:r>
+          </a:p>
+          <a:p>
+            <a:r>
+              <a:rPr lang="en-US" sz="1600" dirty="0">
+                <a:solidFill>
+                  <a:srgbClr val="000000"/>
+                </a:solidFill>
+                <a:latin typeface="Menlo-Regular"/>
+              </a:rPr>
+              <a:t>        exit(1);</a:t>
+            </a:r>
+          </a:p>
+          <a:p>
+            <a:r>
+              <a:rPr lang="en-US" sz="1600" dirty="0">
+                <a:solidFill>
+                  <a:srgbClr val="000000"/>
+                </a:solidFill>
+                <a:latin typeface="Menlo-Regular"/>
+              </a:rPr>
+              <a:t>    }</a:t>
+            </a:r>
+          </a:p>
+          <a:p>
             <a:endParaRPr lang="en-US" sz="1600" dirty="0">
               <a:solidFill>
                 <a:srgbClr val="000000"/>
@@ -38378,6 +37575,50 @@
               <a:t>    </a:t>
             </a:r>
             <a:r>
+              <a:rPr lang="en-US" sz="1600" dirty="0">
+                <a:solidFill>
+                  <a:srgbClr val="CB2418"/>
+                </a:solidFill>
+                <a:latin typeface="Menlo-Regular"/>
+              </a:rPr>
+              <a:t>/* Now we can call </a:t>
+            </a:r>
+            <a:r>
+              <a:rPr lang="en-US" sz="1600" dirty="0" err="1">
+                <a:solidFill>
+                  <a:srgbClr val="CB2418"/>
+                </a:solidFill>
+                <a:latin typeface="Menlo-Regular"/>
+              </a:rPr>
+              <a:t>addvec</a:t>
+            </a:r>
+            <a:r>
+              <a:rPr lang="en-US" sz="1600" dirty="0">
+                <a:solidFill>
+                  <a:srgbClr val="CB2418"/>
+                </a:solidFill>
+                <a:latin typeface="Menlo-Regular"/>
+              </a:rPr>
+              <a:t>() just like any other function */</a:t>
+            </a:r>
+            <a:endParaRPr lang="en-US" sz="1600" dirty="0">
+              <a:solidFill>
+                <a:srgbClr val="000000"/>
+              </a:solidFill>
+              <a:latin typeface="Menlo-Regular"/>
+            </a:endParaRPr>
+          </a:p>
+          <a:p>
+            <a:r>
+              <a:rPr lang="en-US" sz="1600" dirty="0">
+                <a:solidFill>
+                  <a:srgbClr val="000000"/>
+                </a:solidFill>
+                <a:latin typeface="Menlo-Regular"/>
+              </a:rPr>
+              <a:t>    </a:t>
+            </a:r>
+            <a:r>
               <a:rPr lang="en-US" sz="1600" dirty="0" err="1">
                 <a:solidFill>
                   <a:srgbClr val="000000"/>
@@ -38660,7 +37901,7 @@
           </a:p>
           <a:p>
             <a:r>
-              <a:rPr lang="is-IS" sz="1600" dirty="0" smtClean="0">
+              <a:rPr lang="is-IS" sz="1600" dirty="0">
                 <a:solidFill>
                   <a:srgbClr val="000000"/>
                 </a:solidFill>
@@ -38727,7 +37968,7 @@
               </a:tabLst>
             </a:pPr>
             <a:r>
-              <a:rPr lang="en-GB" sz="1800" b="1" i="1" dirty="0" err="1" smtClean="0">
+              <a:rPr lang="en-GB" sz="1800" b="1" i="1" dirty="0" err="1">
                 <a:solidFill>
                   <a:schemeClr val="tx1">
                     <a:lumMod val="50000"/>
@@ -38759,11 +38000,11 @@
   <p:clrMapOvr>
     <a:masterClrMapping/>
   </p:clrMapOvr>
-  <p:transition xmlns:p14="http://schemas.microsoft.com/office/powerpoint/2010/main" spd="med"/>
+  <p:transition spd="med"/>
   <p:timing>
     <p:tnLst>
       <p:par>
-        <p:cTn xmlns:p14="http://schemas.microsoft.com/office/powerpoint/2010/main" id="1" dur="indefinite" restart="never" nodeType="tmRoot">
+        <p:cTn id="1" dur="indefinite" restart="never" nodeType="tmRoot">
           <p:childTnLst>
             <p:seq concurrent="1" nextAc="seek">
               <p:cTn id="2" dur="0" nodeType="mainSeq"/>
@@ -38823,10 +38064,9 @@
           <a:lstStyle/>
           <a:p>
             <a:r>
-              <a:rPr lang="en-US" dirty="0" smtClean="0"/>
+              <a:rPr lang="en-US" dirty="0"/>
               <a:t>Linking Summary	</a:t>
             </a:r>
-            <a:endParaRPr lang="en-US" dirty="0"/>
           </a:p>
         </p:txBody>
       </p:sp>
@@ -38846,37 +38086,37 @@
           <a:lstStyle/>
           <a:p>
             <a:r>
-              <a:rPr lang="en-US" dirty="0" smtClean="0"/>
+              <a:rPr lang="en-US" dirty="0"/>
               <a:t>Linking is a technique that allows programs to be constructed from multiple object files. </a:t>
             </a:r>
           </a:p>
           <a:p>
-            <a:endParaRPr lang="en-US" dirty="0" smtClean="0"/>
-          </a:p>
-          <a:p>
-            <a:r>
-              <a:rPr lang="en-US" dirty="0" smtClean="0"/>
+            <a:endParaRPr lang="en-US" dirty="0"/>
+          </a:p>
+          <a:p>
+            <a:r>
+              <a:rPr lang="en-US" dirty="0"/>
               <a:t>Linking can happen at different times in a program’s lifetime:</a:t>
             </a:r>
           </a:p>
           <a:p>
             <a:pPr lvl="1"/>
             <a:r>
-              <a:rPr lang="en-US" dirty="0" smtClean="0"/>
+              <a:rPr lang="en-US" dirty="0"/>
               <a:t>Compile time (when a program is compiled)</a:t>
             </a:r>
           </a:p>
           <a:p>
             <a:pPr lvl="1"/>
             <a:r>
-              <a:rPr lang="en-US" dirty="0" smtClean="0"/>
+              <a:rPr lang="en-US" dirty="0"/>
               <a:t>Load time (when a program is loaded into memory)</a:t>
             </a:r>
           </a:p>
           <a:p>
             <a:pPr lvl="1"/>
             <a:r>
-              <a:rPr lang="en-US" dirty="0" smtClean="0"/>
+              <a:rPr lang="en-US" dirty="0"/>
               <a:t>Run time (while a program is executing)</a:t>
             </a:r>
           </a:p>
@@ -38886,11 +38126,11 @@
           </a:p>
           <a:p>
             <a:r>
-              <a:rPr lang="en-US" dirty="0" smtClean="0"/>
+              <a:rPr lang="en-US" dirty="0"/>
               <a:t>Understanding linking can help you avoid nasty errors and make you a </a:t>
             </a:r>
             <a:r>
-              <a:rPr lang="en-US" smtClean="0"/>
+              <a:rPr lang="en-US"/>
               <a:t>better programmer. </a:t>
             </a:r>
             <a:endParaRPr lang="en-US" dirty="0"/>
@@ -38907,13 +38147,6 @@
   <p:clrMapOvr>
     <a:masterClrMapping/>
   </p:clrMapOvr>
-  <p:timing>
-    <p:tnLst>
-      <p:par>
-        <p:cTn xmlns:p14="http://schemas.microsoft.com/office/powerpoint/2010/main" id="1" dur="indefinite" restart="never" nodeType="tmRoot"/>
-      </p:par>
-    </p:tnLst>
-  </p:timing>
 </p:sld>
 </file>
 
@@ -38950,10 +38183,9 @@
           <a:lstStyle/>
           <a:p>
             <a:r>
-              <a:rPr lang="en-US" dirty="0" smtClean="0"/>
+              <a:rPr lang="en-US" dirty="0"/>
               <a:t>Today</a:t>
             </a:r>
-            <a:endParaRPr lang="en-US" dirty="0"/>
           </a:p>
         </p:txBody>
       </p:sp>
@@ -38973,7 +38205,7 @@
           <a:lstStyle/>
           <a:p>
             <a:r>
-              <a:rPr lang="en-US" dirty="0" smtClean="0">
+              <a:rPr lang="en-US" dirty="0">
                 <a:solidFill>
                   <a:schemeClr val="bg1">
                     <a:lumMod val="75000"/>
@@ -38985,14 +38217,14 @@
           </a:p>
           <a:p>
             <a:r>
-              <a:rPr lang="en-US" dirty="0" smtClean="0"/>
+              <a:rPr lang="en-US" dirty="0"/>
               <a:t>Case study: Library </a:t>
             </a:r>
             <a:r>
-              <a:rPr lang="en-US" dirty="0" err="1" smtClean="0"/>
+              <a:rPr lang="en-US" dirty="0" err="1"/>
               <a:t>interpositioning</a:t>
             </a:r>
-            <a:endParaRPr lang="en-US" dirty="0" smtClean="0"/>
+            <a:endParaRPr lang="en-US" dirty="0"/>
           </a:p>
         </p:txBody>
       </p:sp>
@@ -39001,19 +38233,20 @@
   <p:clrMapOvr>
     <a:masterClrMapping/>
   </p:clrMapOvr>
-  <p:timing>
-    <p:tnLst>
-      <p:par>
-        <p:cTn xmlns:p14="http://schemas.microsoft.com/office/powerpoint/2010/main" id="1" dur="indefinite" restart="never" nodeType="tmRoot"/>
-      </p:par>
-    </p:tnLst>
-  </p:timing>
 </p:sld>
 </file>
 
 <file path=ppt/slides/slide38.xml><?xml version="1.0" encoding="utf-8"?>
 <p:sld xmlns:a="http://schemas.openxmlformats.org/drawingml/2006/main" xmlns:r="http://schemas.openxmlformats.org/officeDocument/2006/relationships" xmlns:p="http://schemas.openxmlformats.org/presentationml/2006/main">
   <p:cSld>
+    <p:bg>
+      <p:bgPr>
+        <a:solidFill>
+          <a:srgbClr val="92D050"/>
+        </a:solidFill>
+        <a:effectLst/>
+      </p:bgPr>
+    </p:bg>
     <p:spTree>
       <p:nvGrpSpPr>
         <p:cNvPr id="1" name=""/>
@@ -39044,11 +38277,11 @@
           <a:lstStyle/>
           <a:p>
             <a:r>
-              <a:rPr lang="en-US" dirty="0" smtClean="0"/>
+              <a:rPr lang="en-US" dirty="0"/>
               <a:t>Case Study: Library </a:t>
             </a:r>
             <a:r>
-              <a:rPr lang="en-US" dirty="0" err="1" smtClean="0"/>
+              <a:rPr lang="en-US" dirty="0" err="1"/>
               <a:t>Interpositioning</a:t>
             </a:r>
             <a:endParaRPr lang="en-US" dirty="0"/>
@@ -39071,62 +38304,62 @@
           <a:lstStyle/>
           <a:p>
             <a:r>
-              <a:rPr lang="en-GB" dirty="0" smtClean="0"/>
+              <a:rPr lang="en-GB" dirty="0"/>
               <a:t>Library </a:t>
             </a:r>
             <a:r>
-              <a:rPr lang="en-GB" dirty="0" err="1" smtClean="0"/>
+              <a:rPr lang="en-GB" dirty="0" err="1"/>
               <a:t>interpositioning</a:t>
             </a:r>
             <a:r>
-              <a:rPr lang="en-GB" dirty="0" smtClean="0"/>
+              <a:rPr lang="en-GB" dirty="0"/>
               <a:t> : powerful linking technique that allows programmers to intercept calls to arbitrary functions</a:t>
             </a:r>
           </a:p>
           <a:p>
             <a:r>
-              <a:rPr lang="en-GB" dirty="0" err="1" smtClean="0"/>
+              <a:rPr lang="en-GB" dirty="0" err="1"/>
               <a:t>Interpositioning</a:t>
             </a:r>
             <a:r>
-              <a:rPr lang="en-GB" dirty="0" smtClean="0"/>
+              <a:rPr lang="en-GB" dirty="0"/>
               <a:t> can occur at:</a:t>
             </a:r>
           </a:p>
           <a:p>
             <a:pPr lvl="1"/>
             <a:r>
-              <a:rPr lang="en-GB" dirty="0" smtClean="0"/>
+              <a:rPr lang="en-GB" dirty="0"/>
               <a:t>Compile time: When the source code is compiled	</a:t>
             </a:r>
           </a:p>
           <a:p>
             <a:pPr lvl="1"/>
             <a:r>
-              <a:rPr lang="en-GB" dirty="0" smtClean="0"/>
+              <a:rPr lang="en-GB" dirty="0"/>
               <a:t>Link time: When the </a:t>
             </a:r>
             <a:r>
-              <a:rPr lang="en-GB" dirty="0" err="1" smtClean="0"/>
+              <a:rPr lang="en-GB" dirty="0" err="1"/>
               <a:t>relocatable</a:t>
             </a:r>
             <a:r>
-              <a:rPr lang="en-GB" dirty="0" smtClean="0"/>
+              <a:rPr lang="en-GB" dirty="0"/>
               <a:t> object files </a:t>
             </a:r>
             <a:r>
-              <a:rPr lang="en-GB" smtClean="0"/>
+              <a:rPr lang="en-GB"/>
               <a:t>are statically linked </a:t>
             </a:r>
             <a:r>
-              <a:rPr lang="en-GB" dirty="0" smtClean="0"/>
+              <a:rPr lang="en-GB" dirty="0"/>
               <a:t>to form an executable object file</a:t>
             </a:r>
           </a:p>
           <a:p>
             <a:pPr lvl="1"/>
             <a:r>
-              <a:rPr lang="en-GB" dirty="0" smtClean="0"/>
+              <a:rPr lang="en-GB" dirty="0"/>
               <a:t>Load/run time: When an executable object file is loaded into memory, dynamically linked, and then executed.</a:t>
             </a:r>
           </a:p>
@@ -39140,13 +38373,6 @@
   <p:clrMapOvr>
     <a:masterClrMapping/>
   </p:clrMapOvr>
-  <p:timing>
-    <p:tnLst>
-      <p:par>
-        <p:cTn xmlns:p14="http://schemas.microsoft.com/office/powerpoint/2010/main" id="1" dur="indefinite" restart="never" nodeType="tmRoot"/>
-      </p:par>
-    </p:tnLst>
-  </p:timing>
 </p:sld>
 </file>
 
@@ -39183,18 +38409,17 @@
           <a:lstStyle/>
           <a:p>
             <a:r>
-              <a:rPr lang="en-US" dirty="0" smtClean="0"/>
+              <a:rPr lang="en-US" dirty="0"/>
               <a:t>Some </a:t>
             </a:r>
             <a:r>
-              <a:rPr lang="en-US" dirty="0" err="1" smtClean="0"/>
+              <a:rPr lang="en-US" dirty="0" err="1"/>
               <a:t>Interpositioning</a:t>
             </a:r>
             <a:r>
-              <a:rPr lang="en-US" dirty="0" smtClean="0"/>
+              <a:rPr lang="en-US" dirty="0"/>
               <a:t> Applications</a:t>
             </a:r>
-            <a:endParaRPr lang="en-US" dirty="0"/>
           </a:p>
         </p:txBody>
       </p:sp>
@@ -39214,30 +38439,29 @@
           <a:lstStyle/>
           <a:p>
             <a:r>
-              <a:rPr lang="en-GB" dirty="0" smtClean="0"/>
+              <a:rPr lang="en-GB" dirty="0"/>
               <a:t>Security</a:t>
             </a:r>
           </a:p>
           <a:p>
             <a:pPr lvl="1"/>
             <a:r>
-              <a:rPr lang="en-GB" dirty="0" smtClean="0"/>
+              <a:rPr lang="en-GB" dirty="0"/>
               <a:t>Confinement (sandboxing)</a:t>
             </a:r>
           </a:p>
           <a:p>
             <a:pPr lvl="1"/>
             <a:r>
-              <a:rPr lang="en-GB" dirty="0" smtClean="0"/>
+              <a:rPr lang="en-GB" dirty="0"/>
               <a:t>Behind the scenes encryption</a:t>
             </a:r>
           </a:p>
           <a:p>
             <a:r>
-              <a:rPr lang="en-US" dirty="0" smtClean="0"/>
+              <a:rPr lang="en-US" dirty="0"/>
               <a:t>Debugging</a:t>
             </a:r>
-            <a:endParaRPr lang="en-US" dirty="0"/>
           </a:p>
           <a:p>
             <a:pPr lvl="1"/>
@@ -39301,25 +38525,14 @@
             </a:pPr>
             <a:r>
               <a:rPr lang="en-US" sz="1600" dirty="0"/>
-              <a:t>Source: </a:t>
-            </a:r>
-            <a:r>
-              <a:rPr lang="en-US" sz="1600" dirty="0" smtClean="0"/>
-              <a:t> Facebook engineering blog post at </a:t>
-            </a:r>
-            <a:r>
-              <a:rPr lang="en-US" sz="1600" dirty="0" smtClean="0">
-                <a:latin typeface="Courier New"/>
-                <a:cs typeface="Courier New"/>
-              </a:rPr>
-              <a:t>https</a:t>
+              <a:t>Source:  Facebook engineering blog post at </a:t>
             </a:r>
             <a:r>
               <a:rPr lang="en-US" sz="1600" dirty="0">
                 <a:latin typeface="Courier New"/>
                 <a:cs typeface="Courier New"/>
               </a:rPr>
-              <a:t>://</a:t>
+              <a:t>https://</a:t>
             </a:r>
             <a:r>
               <a:rPr lang="en-US" sz="1600" dirty="0" err="1">
@@ -39363,13 +38576,6 @@
   <p:clrMapOvr>
     <a:masterClrMapping/>
   </p:clrMapOvr>
-  <p:timing>
-    <p:tnLst>
-      <p:par>
-        <p:cTn xmlns:p14="http://schemas.microsoft.com/office/powerpoint/2010/main" id="1" dur="indefinite" restart="never" nodeType="tmRoot"/>
-      </p:par>
-    </p:tnLst>
-  </p:timing>
 </p:sld>
 </file>
 
@@ -39465,13 +38671,13 @@
           <a:p>
             <a:pPr lvl="1"/>
             <a:r>
-              <a:rPr lang="en-US" sz="1800" dirty="0" err="1" smtClean="0">
+              <a:rPr lang="en-US" sz="1800" dirty="0" err="1">
                 <a:latin typeface="Courier New" charset="0"/>
               </a:rPr>
               <a:t>linux</a:t>
             </a:r>
             <a:r>
-              <a:rPr lang="en-US" sz="1800" dirty="0" smtClean="0">
+              <a:rPr lang="en-US" sz="1800" dirty="0">
                 <a:latin typeface="Courier New" charset="0"/>
               </a:rPr>
               <a:t>&gt; </a:t>
@@ -39486,49 +38692,25 @@
               <a:rPr lang="en-US" sz="1800" i="1" dirty="0">
                 <a:latin typeface="Courier New" charset="0"/>
               </a:rPr>
-              <a:t> </a:t>
-            </a:r>
-            <a:r>
-              <a:rPr lang="en-US" sz="1800" i="1" dirty="0" smtClean="0">
+              <a:t> -</a:t>
+            </a:r>
+            <a:r>
+              <a:rPr lang="en-US" sz="1800" i="1" dirty="0" err="1">
                 <a:latin typeface="Courier New" charset="0"/>
               </a:rPr>
-              <a:t>-</a:t>
-            </a:r>
-            <a:r>
-              <a:rPr lang="en-US" sz="1800" i="1" dirty="0" err="1" smtClean="0">
-                <a:latin typeface="Courier New" charset="0"/>
-              </a:rPr>
               <a:t>Og</a:t>
-            </a:r>
-            <a:r>
-              <a:rPr lang="en-US" sz="1800" i="1" dirty="0" smtClean="0">
-                <a:latin typeface="Courier New" charset="0"/>
-              </a:rPr>
-              <a:t> -</a:t>
             </a:r>
             <a:r>
               <a:rPr lang="en-US" sz="1800" i="1" dirty="0">
                 <a:latin typeface="Courier New" charset="0"/>
               </a:rPr>
-              <a:t>o </a:t>
-            </a:r>
-            <a:r>
-              <a:rPr lang="en-US" sz="1800" i="1" dirty="0" err="1" smtClean="0">
-                <a:latin typeface="Courier New" charset="0"/>
-              </a:rPr>
-              <a:t>prog</a:t>
-            </a:r>
-            <a:r>
-              <a:rPr lang="en-US" sz="1800" i="1" dirty="0" smtClean="0">
-                <a:latin typeface="Courier New" charset="0"/>
-              </a:rPr>
-              <a:t> </a:t>
+              <a:t> -o </a:t>
             </a:r>
             <a:r>
               <a:rPr lang="en-US" sz="1800" i="1" dirty="0" err="1">
                 <a:latin typeface="Courier New" charset="0"/>
               </a:rPr>
-              <a:t>main.c</a:t>
+              <a:t>prog</a:t>
             </a:r>
             <a:r>
               <a:rPr lang="en-US" sz="1800" i="1" dirty="0">
@@ -39537,7 +38719,19 @@
               <a:t> </a:t>
             </a:r>
             <a:r>
-              <a:rPr lang="en-US" sz="1800" i="1" dirty="0" err="1" smtClean="0">
+              <a:rPr lang="en-US" sz="1800" i="1" dirty="0" err="1">
+                <a:latin typeface="Courier New" charset="0"/>
+              </a:rPr>
+              <a:t>main.c</a:t>
+            </a:r>
+            <a:r>
+              <a:rPr lang="en-US" sz="1800" i="1" dirty="0">
+                <a:latin typeface="Courier New" charset="0"/>
+              </a:rPr>
+              <a:t> </a:t>
+            </a:r>
+            <a:r>
+              <a:rPr lang="en-US" sz="1800" i="1" dirty="0" err="1">
                 <a:latin typeface="Courier New" charset="0"/>
               </a:rPr>
               <a:t>sum.c</a:t>
@@ -39549,13 +38743,13 @@
           <a:p>
             <a:pPr lvl="1"/>
             <a:r>
-              <a:rPr lang="en-US" sz="1800" dirty="0" err="1" smtClean="0">
+              <a:rPr lang="en-US" sz="1800" dirty="0" err="1">
                 <a:latin typeface="Courier New" charset="0"/>
               </a:rPr>
               <a:t>linux</a:t>
             </a:r>
             <a:r>
-              <a:rPr lang="en-US" sz="1800" dirty="0" smtClean="0">
+              <a:rPr lang="en-US" sz="1800" dirty="0">
                 <a:latin typeface="Courier New" charset="0"/>
               </a:rPr>
               <a:t>&gt; </a:t>
@@ -39567,7 +38761,7 @@
               <a:t>./</a:t>
             </a:r>
             <a:r>
-              <a:rPr lang="en-US" sz="1800" i="1" dirty="0" err="1" smtClean="0">
+              <a:rPr lang="en-US" sz="1800" i="1" dirty="0" err="1">
                 <a:latin typeface="Courier New" charset="0"/>
               </a:rPr>
               <a:t>prog</a:t>
@@ -39940,7 +39134,7 @@
           <a:lstStyle/>
           <a:p>
             <a:r>
-              <a:rPr lang="en-US" sz="1800" dirty="0" err="1" smtClean="0">
+              <a:rPr lang="en-US" sz="1800" dirty="0" err="1">
                 <a:latin typeface="Courier New"/>
                 <a:cs typeface="Courier New"/>
               </a:rPr>
@@ -39989,7 +39183,7 @@
           <a:p>
             <a:pPr algn="ctr"/>
             <a:r>
-              <a:rPr lang="en-US" sz="1800" dirty="0" err="1" smtClean="0">
+              <a:rPr lang="en-US" sz="1800" dirty="0" err="1">
                 <a:latin typeface="Courier New"/>
                 <a:cs typeface="Courier New"/>
               </a:rPr>
@@ -40037,7 +39231,7 @@
           <a:lstStyle/>
           <a:p>
             <a:r>
-              <a:rPr lang="en-US" sz="1800" dirty="0" err="1" smtClean="0">
+              <a:rPr lang="en-US" sz="1800" dirty="0" err="1">
                 <a:latin typeface="Courier New"/>
                 <a:cs typeface="Courier New"/>
               </a:rPr>
@@ -40535,7 +39729,7 @@
               <a:t> </a:t>
             </a:r>
             <a:r>
-              <a:rPr lang="en-US" sz="1800" i="1" dirty="0" err="1" smtClean="0">
+              <a:rPr lang="en-US" sz="1800" i="1" dirty="0" err="1">
                 <a:solidFill>
                   <a:srgbClr val="C00000"/>
                 </a:solidFill>
@@ -40545,7 +39739,7 @@
               <a:t>sum.c</a:t>
             </a:r>
             <a:r>
-              <a:rPr lang="en-US" sz="1800" i="1" dirty="0" smtClean="0">
+              <a:rPr lang="en-US" sz="1800" i="1" dirty="0">
                 <a:solidFill>
                   <a:srgbClr val="C00000"/>
                 </a:solidFill>
@@ -40554,13 +39748,6 @@
               </a:rPr>
               <a:t>)</a:t>
             </a:r>
-            <a:endParaRPr lang="en-US" sz="1800" i="1" dirty="0">
-              <a:solidFill>
-                <a:srgbClr val="C00000"/>
-              </a:solidFill>
-              <a:latin typeface="Calibri"/>
-              <a:cs typeface="Calibri"/>
-            </a:endParaRPr>
           </a:p>
         </p:txBody>
       </p:sp>
@@ -40569,11 +39756,11 @@
   <p:clrMapOvr>
     <a:masterClrMapping/>
   </p:clrMapOvr>
-  <p:transition xmlns:p14="http://schemas.microsoft.com/office/powerpoint/2010/main"/>
+  <p:transition/>
   <p:timing>
     <p:tnLst>
       <p:par>
-        <p:cTn xmlns:p14="http://schemas.microsoft.com/office/powerpoint/2010/main" id="1" dur="indefinite" restart="never" nodeType="tmRoot">
+        <p:cTn id="1" dur="indefinite" restart="never" nodeType="tmRoot">
           <p:childTnLst>
             <p:seq concurrent="1" nextAc="seek">
               <p:cTn id="2" dur="indefinite" nodeType="mainSeq">
@@ -40746,6 +39933,14 @@
 <file path=ppt/slides/slide40.xml><?xml version="1.0" encoding="utf-8"?>
 <p:sld xmlns:a="http://schemas.openxmlformats.org/drawingml/2006/main" xmlns:r="http://schemas.openxmlformats.org/officeDocument/2006/relationships" xmlns:p="http://schemas.openxmlformats.org/presentationml/2006/main">
   <p:cSld>
+    <p:bg>
+      <p:bgPr>
+        <a:solidFill>
+          <a:srgbClr val="92D050"/>
+        </a:solidFill>
+        <a:effectLst/>
+      </p:bgPr>
+    </p:bg>
     <p:spTree>
       <p:nvGrpSpPr>
         <p:cNvPr id="1" name=""/>
@@ -40776,18 +39971,17 @@
           <a:lstStyle/>
           <a:p>
             <a:r>
-              <a:rPr lang="en-US" dirty="0" smtClean="0"/>
+              <a:rPr lang="en-US" dirty="0"/>
               <a:t>Some </a:t>
             </a:r>
             <a:r>
-              <a:rPr lang="en-US" dirty="0" err="1" smtClean="0"/>
+              <a:rPr lang="en-US" dirty="0" err="1"/>
               <a:t>Interpositioning</a:t>
             </a:r>
             <a:r>
-              <a:rPr lang="en-US" dirty="0" smtClean="0"/>
+              <a:rPr lang="en-US" dirty="0"/>
               <a:t> Applications</a:t>
             </a:r>
-            <a:endParaRPr lang="en-US" dirty="0"/>
           </a:p>
         </p:txBody>
       </p:sp>
@@ -40880,13 +40074,6 @@
   <p:clrMapOvr>
     <a:masterClrMapping/>
   </p:clrMapOvr>
-  <p:timing>
-    <p:tnLst>
-      <p:par>
-        <p:cTn xmlns:p14="http://schemas.microsoft.com/office/powerpoint/2010/main" id="1" dur="indefinite" restart="never" nodeType="tmRoot"/>
-      </p:par>
-    </p:tnLst>
-  </p:timing>
 </p:sld>
 </file>
 
@@ -40923,10 +40110,9 @@
           <a:lstStyle/>
           <a:p>
             <a:r>
-              <a:rPr lang="en-US" dirty="0" smtClean="0"/>
+              <a:rPr lang="en-US" dirty="0"/>
               <a:t>Example program		</a:t>
             </a:r>
-            <a:endParaRPr lang="en-US" dirty="0"/>
           </a:p>
         </p:txBody>
       </p:sp>
@@ -40951,52 +40137,51 @@
           <a:lstStyle/>
           <a:p>
             <a:r>
-              <a:rPr lang="en-US" dirty="0" smtClean="0"/>
+              <a:rPr lang="en-US" dirty="0"/>
               <a:t>Goal: trace the addresses and sizes of the allocated and freed blocks, without breaking the program, and without modifying the source code. </a:t>
             </a:r>
           </a:p>
           <a:p>
-            <a:endParaRPr lang="en-US" dirty="0" smtClean="0"/>
-          </a:p>
-          <a:p>
-            <a:r>
-              <a:rPr lang="en-US" dirty="0" smtClean="0"/>
+            <a:endParaRPr lang="en-US" dirty="0"/>
+          </a:p>
+          <a:p>
+            <a:r>
+              <a:rPr lang="en-US" dirty="0"/>
               <a:t>Three solutions: interpose on the </a:t>
             </a:r>
             <a:r>
-              <a:rPr lang="en-US" dirty="0" smtClean="0">
+              <a:rPr lang="en-US" dirty="0">
                 <a:latin typeface="Courier New"/>
                 <a:cs typeface="Courier New"/>
               </a:rPr>
               <a:t>lib</a:t>
             </a:r>
             <a:r>
-              <a:rPr lang="en-US" dirty="0" smtClean="0"/>
+              <a:rPr lang="en-US" dirty="0"/>
               <a:t> </a:t>
             </a:r>
             <a:r>
-              <a:rPr lang="en-US" dirty="0" err="1" smtClean="0">
+              <a:rPr lang="en-US" dirty="0" err="1">
                 <a:latin typeface="Courier New"/>
                 <a:cs typeface="Courier New"/>
               </a:rPr>
               <a:t>malloc</a:t>
             </a:r>
             <a:r>
-              <a:rPr lang="en-US" dirty="0" smtClean="0"/>
+              <a:rPr lang="en-US" dirty="0"/>
               <a:t> and </a:t>
             </a:r>
             <a:r>
-              <a:rPr lang="en-US" dirty="0" smtClean="0">
+              <a:rPr lang="en-US" dirty="0">
                 <a:latin typeface="Courier New"/>
                 <a:cs typeface="Courier New"/>
               </a:rPr>
               <a:t>free</a:t>
             </a:r>
             <a:r>
-              <a:rPr lang="en-US" dirty="0" smtClean="0"/>
+              <a:rPr lang="en-US" dirty="0"/>
               <a:t> functions at compile time, link time, and load/run time. </a:t>
             </a:r>
-            <a:endParaRPr lang="en-US" dirty="0"/>
           </a:p>
         </p:txBody>
       </p:sp>
@@ -41312,7 +40497,7 @@
               </a:rPr>
               <a:t>}</a:t>
             </a:r>
-            <a:endParaRPr lang="en-US" sz="1800" dirty="0" smtClean="0">
+            <a:endParaRPr lang="en-US" sz="1800" dirty="0">
               <a:latin typeface="Courier New" pitchFamily="49" charset="0"/>
               <a:ea typeface="msgothic" charset="0"/>
               <a:cs typeface="msgothic" charset="0"/>
@@ -41343,7 +40528,7 @@
           <a:lstStyle/>
           <a:p>
             <a:r>
-              <a:rPr lang="en-US" sz="1800" dirty="0" err="1" smtClean="0">
+              <a:rPr lang="en-US" sz="1800" dirty="0" err="1">
                 <a:solidFill>
                   <a:srgbClr val="7F7F7F"/>
                 </a:solidFill>
@@ -41352,7 +40537,7 @@
               </a:rPr>
               <a:t>int.c</a:t>
             </a:r>
-            <a:endParaRPr lang="en-US" sz="1800" dirty="0" smtClean="0">
+            <a:endParaRPr lang="en-US" sz="1800" dirty="0">
               <a:solidFill>
                 <a:srgbClr val="7F7F7F"/>
               </a:solidFill>
@@ -41367,13 +40552,6 @@
   <p:clrMapOvr>
     <a:masterClrMapping/>
   </p:clrMapOvr>
-  <p:timing>
-    <p:tnLst>
-      <p:par>
-        <p:cTn xmlns:p14="http://schemas.microsoft.com/office/powerpoint/2010/main" id="1" dur="indefinite" restart="never" nodeType="tmRoot"/>
-      </p:par>
-    </p:tnLst>
-  </p:timing>
 </p:sld>
 </file>
 
@@ -41415,11 +40593,11 @@
           <a:lstStyle/>
           <a:p>
             <a:r>
-              <a:rPr lang="en-US" dirty="0" smtClean="0"/>
+              <a:rPr lang="en-US" dirty="0"/>
               <a:t>Compile-time </a:t>
             </a:r>
             <a:r>
-              <a:rPr lang="en-US" dirty="0" err="1" smtClean="0"/>
+              <a:rPr lang="en-US" dirty="0" err="1"/>
               <a:t>Interpositioning</a:t>
             </a:r>
             <a:endParaRPr lang="en-US" dirty="0"/>
@@ -42274,7 +41452,7 @@
           <a:lstStyle/>
           <a:p>
             <a:r>
-              <a:rPr lang="en-US" sz="1800" dirty="0" err="1" smtClean="0">
+              <a:rPr lang="en-US" sz="1800" dirty="0" err="1">
                 <a:solidFill>
                   <a:srgbClr val="7F7F7F"/>
                 </a:solidFill>
@@ -42283,7 +41461,7 @@
               </a:rPr>
               <a:t>mymalloc.c</a:t>
             </a:r>
-            <a:endParaRPr lang="en-US" sz="1800" dirty="0" smtClean="0">
+            <a:endParaRPr lang="en-US" sz="1800" dirty="0">
               <a:solidFill>
                 <a:srgbClr val="7F7F7F"/>
               </a:solidFill>
@@ -42298,19 +41476,20 @@
   <p:clrMapOvr>
     <a:masterClrMapping/>
   </p:clrMapOvr>
-  <p:timing>
-    <p:tnLst>
-      <p:par>
-        <p:cTn xmlns:p14="http://schemas.microsoft.com/office/powerpoint/2010/main" id="1" dur="indefinite" restart="never" nodeType="tmRoot"/>
-      </p:par>
-    </p:tnLst>
-  </p:timing>
 </p:sld>
 </file>
 
 <file path=ppt/slides/slide43.xml><?xml version="1.0" encoding="utf-8"?>
 <p:sld xmlns:a="http://schemas.openxmlformats.org/drawingml/2006/main" xmlns:r="http://schemas.openxmlformats.org/officeDocument/2006/relationships" xmlns:p="http://schemas.openxmlformats.org/presentationml/2006/main">
   <p:cSld>
+    <p:bg>
+      <p:bgPr>
+        <a:solidFill>
+          <a:srgbClr val="92D050"/>
+        </a:solidFill>
+        <a:effectLst/>
+      </p:bgPr>
+    </p:bg>
     <p:spTree>
       <p:nvGrpSpPr>
         <p:cNvPr id="1" name=""/>
@@ -42341,11 +41520,11 @@
           <a:lstStyle/>
           <a:p>
             <a:r>
-              <a:rPr lang="en-US" dirty="0" smtClean="0"/>
+              <a:rPr lang="en-US" dirty="0"/>
               <a:t>Compile-time </a:t>
             </a:r>
             <a:r>
-              <a:rPr lang="en-US" dirty="0" err="1" smtClean="0"/>
+              <a:rPr lang="en-US" dirty="0" err="1"/>
               <a:t>Interpositioning</a:t>
             </a:r>
             <a:endParaRPr lang="en-US" dirty="0"/>
@@ -42707,7 +41886,7 @@
             </a:r>
           </a:p>
           <a:p>
-            <a:endParaRPr lang="en-US" sz="1800" dirty="0" smtClean="0">
+            <a:endParaRPr lang="en-US" sz="1800" dirty="0">
               <a:latin typeface="Courier New"/>
               <a:cs typeface="Courier New"/>
             </a:endParaRPr>
@@ -42737,7 +41916,7 @@
           <a:lstStyle/>
           <a:p>
             <a:r>
-              <a:rPr lang="en-US" sz="1800" dirty="0" err="1" smtClean="0">
+              <a:rPr lang="en-US" sz="1800" dirty="0" err="1">
                 <a:solidFill>
                   <a:srgbClr val="7F7F7F"/>
                 </a:solidFill>
@@ -42746,7 +41925,7 @@
               </a:rPr>
               <a:t>malloc.h</a:t>
             </a:r>
-            <a:endParaRPr lang="en-US" sz="1800" dirty="0" smtClean="0">
+            <a:endParaRPr lang="en-US" sz="1800" dirty="0">
               <a:solidFill>
                 <a:srgbClr val="7F7F7F"/>
               </a:solidFill>
@@ -42790,25 +41969,18 @@
           <a:lstStyle/>
           <a:p>
             <a:r>
-              <a:rPr lang="en-US" sz="1800" dirty="0" err="1" smtClean="0">
+              <a:rPr lang="en-US" sz="1800" dirty="0" err="1">
                 <a:latin typeface="Courier New"/>
                 <a:cs typeface="Courier New"/>
               </a:rPr>
               <a:t>linux</a:t>
-            </a:r>
-            <a:r>
-              <a:rPr lang="en-US" sz="1800" dirty="0" smtClean="0">
-                <a:latin typeface="Courier New"/>
-                <a:cs typeface="Courier New"/>
-              </a:rPr>
-              <a:t>&gt; </a:t>
             </a:r>
             <a:r>
               <a:rPr lang="en-US" sz="1800" dirty="0">
                 <a:latin typeface="Courier New"/>
                 <a:cs typeface="Courier New"/>
               </a:rPr>
-              <a:t>make </a:t>
+              <a:t>&gt; make </a:t>
             </a:r>
             <a:r>
               <a:rPr lang="en-US" sz="1800" dirty="0" err="1">
@@ -42862,7 +42034,24 @@
                 <a:latin typeface="Courier New"/>
                 <a:cs typeface="Courier New"/>
               </a:rPr>
-              <a:t> -Wall -I. -o </a:t>
+              <a:t> -Wall</a:t>
+            </a:r>
+            <a:r>
+              <a:rPr lang="en-US" sz="1800" b="0" dirty="0">
+                <a:solidFill>
+                  <a:srgbClr val="FF0000"/>
+                </a:solidFill>
+                <a:latin typeface="Courier New"/>
+                <a:cs typeface="Courier New"/>
+              </a:rPr>
+              <a:t> -I. </a:t>
+            </a:r>
+            <a:r>
+              <a:rPr lang="en-US" sz="1800" b="0" dirty="0">
+                <a:latin typeface="Courier New"/>
+                <a:cs typeface="Courier New"/>
+              </a:rPr>
+              <a:t>-o </a:t>
             </a:r>
             <a:r>
               <a:rPr lang="en-US" sz="1800" b="0" dirty="0" err="1">
@@ -42906,25 +42095,18 @@
           </a:p>
           <a:p>
             <a:r>
-              <a:rPr lang="en-US" sz="1800" dirty="0" err="1" smtClean="0">
+              <a:rPr lang="en-US" sz="1800" dirty="0" err="1">
                 <a:latin typeface="Courier New"/>
                 <a:cs typeface="Courier New"/>
               </a:rPr>
               <a:t>linux</a:t>
-            </a:r>
-            <a:r>
-              <a:rPr lang="en-US" sz="1800" dirty="0" smtClean="0">
-                <a:latin typeface="Courier New"/>
-                <a:cs typeface="Courier New"/>
-              </a:rPr>
-              <a:t>&gt; </a:t>
             </a:r>
             <a:r>
               <a:rPr lang="en-US" sz="1800" dirty="0">
                 <a:latin typeface="Courier New"/>
                 <a:cs typeface="Courier New"/>
               </a:rPr>
-              <a:t>make </a:t>
+              <a:t>&gt; make </a:t>
             </a:r>
             <a:r>
               <a:rPr lang="en-US" sz="1800" dirty="0" err="1">
@@ -42985,26 +42167,22 @@
           </a:p>
           <a:p>
             <a:r>
-              <a:rPr lang="en-US" sz="1800" dirty="0" err="1" smtClean="0">
+              <a:rPr lang="en-US" sz="1800" dirty="0" err="1">
                 <a:latin typeface="Courier New"/>
                 <a:cs typeface="Courier New"/>
               </a:rPr>
               <a:t>linux</a:t>
             </a:r>
             <a:r>
-              <a:rPr lang="en-US" sz="1800" dirty="0" smtClean="0">
+              <a:rPr lang="en-US" sz="1800" dirty="0">
                 <a:latin typeface="Courier New"/>
                 <a:cs typeface="Courier New"/>
               </a:rPr>
               <a:t>&gt;</a:t>
             </a:r>
+          </a:p>
+          <a:p>
             <a:endParaRPr lang="en-US" sz="1800" dirty="0">
-              <a:latin typeface="Courier New"/>
-              <a:cs typeface="Courier New"/>
-            </a:endParaRPr>
-          </a:p>
-          <a:p>
-            <a:endParaRPr lang="en-US" sz="1800" dirty="0" smtClean="0">
               <a:latin typeface="Courier New"/>
               <a:cs typeface="Courier New"/>
             </a:endParaRPr>
@@ -43016,13 +42194,6 @@
   <p:clrMapOvr>
     <a:masterClrMapping/>
   </p:clrMapOvr>
-  <p:timing>
-    <p:tnLst>
-      <p:par>
-        <p:cTn xmlns:p14="http://schemas.microsoft.com/office/powerpoint/2010/main" id="1" dur="indefinite" restart="never" nodeType="tmRoot"/>
-      </p:par>
-    </p:tnLst>
-  </p:timing>
 </p:sld>
 </file>
 
@@ -43064,11 +42235,11 @@
           <a:lstStyle/>
           <a:p>
             <a:r>
-              <a:rPr lang="en-US" dirty="0" smtClean="0"/>
+              <a:rPr lang="en-US" dirty="0"/>
               <a:t>Link-time </a:t>
             </a:r>
             <a:r>
-              <a:rPr lang="en-US" dirty="0" err="1" smtClean="0"/>
+              <a:rPr lang="en-US" dirty="0" err="1"/>
               <a:t>Interpositioning</a:t>
             </a:r>
             <a:endParaRPr lang="en-US" dirty="0"/>
@@ -44099,7 +43270,7 @@
           <a:lstStyle/>
           <a:p>
             <a:r>
-              <a:rPr lang="en-US" sz="1800" dirty="0" err="1" smtClean="0">
+              <a:rPr lang="en-US" sz="1800" dirty="0" err="1">
                 <a:solidFill>
                   <a:srgbClr val="7F7F7F"/>
                 </a:solidFill>
@@ -44108,7 +43279,7 @@
               </a:rPr>
               <a:t>mymalloc.c</a:t>
             </a:r>
-            <a:endParaRPr lang="en-US" sz="1800" dirty="0" smtClean="0">
+            <a:endParaRPr lang="en-US" sz="1800" dirty="0">
               <a:solidFill>
                 <a:srgbClr val="7F7F7F"/>
               </a:solidFill>
@@ -44123,19 +43294,20 @@
   <p:clrMapOvr>
     <a:masterClrMapping/>
   </p:clrMapOvr>
-  <p:timing>
-    <p:tnLst>
-      <p:par>
-        <p:cTn xmlns:p14="http://schemas.microsoft.com/office/powerpoint/2010/main" id="1" dur="indefinite" restart="never" nodeType="tmRoot"/>
-      </p:par>
-    </p:tnLst>
-  </p:timing>
 </p:sld>
 </file>
 
 <file path=ppt/slides/slide45.xml><?xml version="1.0" encoding="utf-8"?>
 <p:sld xmlns:a="http://schemas.openxmlformats.org/drawingml/2006/main" xmlns:r="http://schemas.openxmlformats.org/officeDocument/2006/relationships" xmlns:p="http://schemas.openxmlformats.org/presentationml/2006/main">
   <p:cSld>
+    <p:bg>
+      <p:bgPr>
+        <a:solidFill>
+          <a:srgbClr val="92D050"/>
+        </a:solidFill>
+        <a:effectLst/>
+      </p:bgPr>
+    </p:bg>
     <p:spTree>
       <p:nvGrpSpPr>
         <p:cNvPr id="1" name=""/>
@@ -44166,11 +43338,11 @@
           <a:lstStyle/>
           <a:p>
             <a:r>
-              <a:rPr lang="en-US" dirty="0" smtClean="0"/>
+              <a:rPr lang="en-US" dirty="0"/>
               <a:t>Link-time </a:t>
             </a:r>
             <a:r>
-              <a:rPr lang="en-US" dirty="0" err="1" smtClean="0"/>
+              <a:rPr lang="en-US" dirty="0" err="1"/>
               <a:t>Interpositioning</a:t>
             </a:r>
             <a:endParaRPr lang="en-US" dirty="0"/>
@@ -44198,109 +43370,109 @@
           <a:lstStyle/>
           <a:p>
             <a:r>
-              <a:rPr lang="en-US" dirty="0" smtClean="0"/>
+              <a:rPr lang="en-US" dirty="0"/>
               <a:t>The “</a:t>
             </a:r>
             <a:r>
-              <a:rPr lang="en-US" dirty="0" smtClean="0">
+              <a:rPr lang="en-US" dirty="0">
                 <a:latin typeface="Courier New" pitchFamily="49" charset="0"/>
                 <a:cs typeface="Courier New" pitchFamily="49" charset="0"/>
               </a:rPr>
               <a:t>-</a:t>
             </a:r>
             <a:r>
-              <a:rPr lang="en-US" dirty="0" err="1" smtClean="0">
+              <a:rPr lang="en-US" dirty="0" err="1">
                 <a:latin typeface="Courier New" pitchFamily="49" charset="0"/>
                 <a:cs typeface="Courier New" pitchFamily="49" charset="0"/>
               </a:rPr>
               <a:t>Wl</a:t>
             </a:r>
             <a:r>
-              <a:rPr lang="en-US" dirty="0" smtClean="0"/>
+              <a:rPr lang="en-US" dirty="0"/>
               <a:t>” flag passes argument to linker, replacing each comma with a space. </a:t>
             </a:r>
           </a:p>
           <a:p>
             <a:r>
-              <a:rPr lang="en-US" dirty="0" smtClean="0"/>
+              <a:rPr lang="en-US" dirty="0"/>
               <a:t>The  “</a:t>
             </a:r>
             <a:r>
-              <a:rPr lang="en-US" dirty="0" smtClean="0">
+              <a:rPr lang="en-US" dirty="0">
                 <a:latin typeface="Courier New"/>
                 <a:cs typeface="Courier New"/>
               </a:rPr>
               <a:t>--</a:t>
             </a:r>
             <a:r>
-              <a:rPr lang="en-US" dirty="0" err="1" smtClean="0">
+              <a:rPr lang="en-US" dirty="0" err="1">
                 <a:latin typeface="Courier New"/>
                 <a:cs typeface="Courier New"/>
               </a:rPr>
               <a:t>wrap,malloc</a:t>
             </a:r>
             <a:r>
-              <a:rPr lang="en-US" dirty="0" smtClean="0"/>
+              <a:rPr lang="en-US" dirty="0"/>
               <a:t> ”</a:t>
             </a:r>
             <a:r>
-              <a:rPr lang="en-US" dirty="0" smtClean="0">
+              <a:rPr lang="en-US" dirty="0">
                 <a:latin typeface="Courier New"/>
                 <a:cs typeface="Courier New"/>
               </a:rPr>
               <a:t> </a:t>
             </a:r>
             <a:r>
-              <a:rPr lang="en-US" dirty="0" err="1" smtClean="0">
+              <a:rPr lang="en-US" dirty="0" err="1">
                 <a:latin typeface="Courier New"/>
                 <a:cs typeface="Courier New"/>
               </a:rPr>
               <a:t>arg</a:t>
             </a:r>
             <a:r>
-              <a:rPr lang="en-US" dirty="0" smtClean="0">
+              <a:rPr lang="en-US" dirty="0">
                 <a:latin typeface="Courier New"/>
                 <a:cs typeface="Courier New"/>
               </a:rPr>
               <a:t> </a:t>
             </a:r>
             <a:r>
-              <a:rPr lang="en-US" dirty="0" smtClean="0"/>
+              <a:rPr lang="en-US" dirty="0"/>
               <a:t>instructs linker to resolve references in a special way:</a:t>
             </a:r>
           </a:p>
           <a:p>
             <a:pPr lvl="1"/>
             <a:r>
-              <a:rPr lang="en-US" dirty="0" smtClean="0"/>
+              <a:rPr lang="en-US" dirty="0"/>
               <a:t>Refs to </a:t>
             </a:r>
             <a:r>
-              <a:rPr lang="en-US" dirty="0" err="1" smtClean="0">
+              <a:rPr lang="en-US" dirty="0" err="1">
                 <a:latin typeface="Courier New"/>
                 <a:cs typeface="Courier New"/>
               </a:rPr>
               <a:t>malloc</a:t>
             </a:r>
             <a:r>
-              <a:rPr lang="en-US" dirty="0" smtClean="0"/>
+              <a:rPr lang="en-US" dirty="0"/>
               <a:t> should be resolved as </a:t>
             </a:r>
             <a:r>
-              <a:rPr lang="en-US" dirty="0" smtClean="0">
+              <a:rPr lang="en-US" dirty="0">
                 <a:latin typeface="Courier New"/>
                 <a:cs typeface="Courier New"/>
               </a:rPr>
               <a:t>__</a:t>
             </a:r>
             <a:r>
-              <a:rPr lang="en-US" dirty="0" err="1" smtClean="0">
+              <a:rPr lang="en-US" dirty="0" err="1">
                 <a:latin typeface="Courier New"/>
                 <a:cs typeface="Courier New"/>
               </a:rPr>
               <a:t>wrap_malloc</a:t>
             </a:r>
-            <a:endParaRPr lang="en-US" dirty="0" smtClean="0">
+            <a:endParaRPr lang="en-US" dirty="0">
               <a:latin typeface="Courier New"/>
               <a:cs typeface="Courier New"/>
             </a:endParaRPr>
@@ -44308,42 +43480,42 @@
           <a:p>
             <a:pPr lvl="1"/>
             <a:r>
-              <a:rPr lang="en-US" dirty="0" smtClean="0">
+              <a:rPr lang="en-US" dirty="0">
                 <a:latin typeface="Calibri"/>
                 <a:cs typeface="Calibri"/>
               </a:rPr>
               <a:t>Refs to </a:t>
             </a:r>
             <a:r>
-              <a:rPr lang="en-US" dirty="0" smtClean="0">
+              <a:rPr lang="en-US" dirty="0">
                 <a:cs typeface="Courier New"/>
               </a:rPr>
               <a:t> </a:t>
             </a:r>
             <a:r>
-              <a:rPr lang="en-US" dirty="0" smtClean="0"/>
+              <a:rPr lang="en-US" dirty="0"/>
               <a:t> </a:t>
             </a:r>
             <a:r>
-              <a:rPr lang="en-US" dirty="0" smtClean="0">
+              <a:rPr lang="en-US" dirty="0">
                 <a:latin typeface="Courier New"/>
                 <a:cs typeface="Courier New"/>
               </a:rPr>
               <a:t>__</a:t>
             </a:r>
             <a:r>
-              <a:rPr lang="en-US" dirty="0" err="1" smtClean="0">
+              <a:rPr lang="en-US" dirty="0" err="1">
                 <a:latin typeface="Courier New"/>
                 <a:cs typeface="Courier New"/>
               </a:rPr>
               <a:t>real_malloc</a:t>
             </a:r>
             <a:r>
-              <a:rPr lang="en-US" dirty="0" smtClean="0"/>
+              <a:rPr lang="en-US" dirty="0"/>
               <a:t> should be resolved as </a:t>
             </a:r>
             <a:r>
-              <a:rPr lang="en-US" dirty="0" err="1" smtClean="0">
+              <a:rPr lang="en-US" dirty="0" err="1">
                 <a:latin typeface="Courier New"/>
                 <a:cs typeface="Courier New"/>
               </a:rPr>
@@ -44387,25 +43559,18 @@
           <a:lstStyle/>
           <a:p>
             <a:r>
-              <a:rPr lang="en-US" sz="1800" dirty="0" err="1" smtClean="0">
+              <a:rPr lang="en-US" sz="1800" dirty="0" err="1">
                 <a:latin typeface="Courier New"/>
                 <a:cs typeface="Courier New"/>
               </a:rPr>
               <a:t>linux</a:t>
-            </a:r>
-            <a:r>
-              <a:rPr lang="en-US" sz="1800" dirty="0" smtClean="0">
-                <a:latin typeface="Courier New"/>
-                <a:cs typeface="Courier New"/>
-              </a:rPr>
-              <a:t>&gt; </a:t>
             </a:r>
             <a:r>
               <a:rPr lang="en-US" sz="1800" dirty="0">
                 <a:latin typeface="Courier New"/>
                 <a:cs typeface="Courier New"/>
               </a:rPr>
-              <a:t>make </a:t>
+              <a:t>&gt; make </a:t>
             </a:r>
             <a:r>
               <a:rPr lang="en-US" sz="1800" dirty="0" err="1">
@@ -44486,52 +43651,83 @@
                 <a:latin typeface="Courier New"/>
                 <a:cs typeface="Courier New"/>
               </a:rPr>
-              <a:t> -Wall -</a:t>
-            </a:r>
-            <a:r>
-              <a:rPr lang="en-US" sz="1800" b="0" dirty="0" err="1">
+              <a:t> -Wall </a:t>
+            </a:r>
+            <a:r>
+              <a:rPr lang="en-US" sz="1800" b="0" dirty="0">
+                <a:solidFill>
+                  <a:srgbClr val="FF0000"/>
+                </a:solidFill>
                 <a:latin typeface="Courier New"/>
                 <a:cs typeface="Courier New"/>
               </a:rPr>
-              <a:t>Wl</a:t>
-            </a:r>
-            <a:r>
-              <a:rPr lang="en-US" sz="1800" b="0" dirty="0">
+              <a:t>-</a:t>
+            </a:r>
+            <a:r>
+              <a:rPr lang="en-US" sz="1800" b="0" dirty="0" err="1">
+                <a:solidFill>
+                  <a:srgbClr val="FF0000"/>
+                </a:solidFill>
                 <a:latin typeface="Courier New"/>
                 <a:cs typeface="Courier New"/>
               </a:rPr>
-              <a:t>,--</a:t>
-            </a:r>
-            <a:r>
-              <a:rPr lang="en-US" sz="1800" b="0" dirty="0" err="1">
+              <a:t>Wl</a:t>
+            </a:r>
+            <a:r>
+              <a:rPr lang="en-US" sz="1800" b="0" dirty="0">
+                <a:solidFill>
+                  <a:srgbClr val="FF0000"/>
+                </a:solidFill>
                 <a:latin typeface="Courier New"/>
                 <a:cs typeface="Courier New"/>
               </a:rPr>
-              <a:t>wrap,malloc</a:t>
-            </a:r>
-            <a:r>
-              <a:rPr lang="en-US" sz="1800" b="0" dirty="0">
+              <a:t>,--</a:t>
+            </a:r>
+            <a:r>
+              <a:rPr lang="en-US" sz="1800" b="0" dirty="0" err="1">
+                <a:solidFill>
+                  <a:srgbClr val="FF0000"/>
+                </a:solidFill>
                 <a:latin typeface="Courier New"/>
                 <a:cs typeface="Courier New"/>
               </a:rPr>
-              <a:t> -</a:t>
-            </a:r>
-            <a:r>
-              <a:rPr lang="en-US" sz="1800" b="0" dirty="0" err="1">
+              <a:t>wrap,malloc</a:t>
+            </a:r>
+            <a:r>
+              <a:rPr lang="en-US" sz="1800" b="0" dirty="0">
+                <a:solidFill>
+                  <a:srgbClr val="FF0000"/>
+                </a:solidFill>
                 <a:latin typeface="Courier New"/>
                 <a:cs typeface="Courier New"/>
               </a:rPr>
-              <a:t>Wl</a:t>
-            </a:r>
-            <a:r>
-              <a:rPr lang="en-US" sz="1800" b="0" dirty="0">
+              <a:t> -</a:t>
+            </a:r>
+            <a:r>
+              <a:rPr lang="en-US" sz="1800" b="0" dirty="0" err="1">
+                <a:solidFill>
+                  <a:srgbClr val="FF0000"/>
+                </a:solidFill>
                 <a:latin typeface="Courier New"/>
                 <a:cs typeface="Courier New"/>
               </a:rPr>
+              <a:t>Wl</a:t>
+            </a:r>
+            <a:r>
+              <a:rPr lang="en-US" sz="1800" b="0" dirty="0">
+                <a:solidFill>
+                  <a:srgbClr val="FF0000"/>
+                </a:solidFill>
+                <a:latin typeface="Courier New"/>
+                <a:cs typeface="Courier New"/>
+              </a:rPr>
               <a:t>,--</a:t>
             </a:r>
             <a:r>
               <a:rPr lang="en-US" sz="1800" b="0" dirty="0" err="1">
+                <a:solidFill>
+                  <a:srgbClr val="FF0000"/>
+                </a:solidFill>
                 <a:latin typeface="Courier New"/>
                 <a:cs typeface="Courier New"/>
               </a:rPr>
@@ -44586,14 +43782,14 @@
           </a:p>
           <a:p>
             <a:r>
-              <a:rPr lang="en-US" sz="1800" dirty="0" err="1" smtClean="0">
+              <a:rPr lang="en-US" sz="1800" dirty="0" err="1">
                 <a:latin typeface="Courier New"/>
                 <a:cs typeface="Courier New"/>
               </a:rPr>
               <a:t>linux</a:t>
             </a:r>
             <a:r>
-              <a:rPr lang="en-US" sz="1800" dirty="0" smtClean="0">
+              <a:rPr lang="en-US" sz="1800" dirty="0">
                 <a:latin typeface="Courier New"/>
                 <a:cs typeface="Courier New"/>
               </a:rPr>
@@ -44651,23 +43847,19 @@
           </a:p>
           <a:p>
             <a:r>
-              <a:rPr lang="en-US" sz="1800" dirty="0" err="1" smtClean="0">
+              <a:rPr lang="en-US" sz="1800" dirty="0" err="1">
                 <a:latin typeface="Courier New"/>
                 <a:cs typeface="Courier New"/>
               </a:rPr>
               <a:t>linux</a:t>
             </a:r>
             <a:r>
-              <a:rPr lang="en-US" sz="1800" dirty="0" smtClean="0">
+              <a:rPr lang="en-US" sz="1800" dirty="0">
                 <a:latin typeface="Courier New"/>
                 <a:cs typeface="Courier New"/>
               </a:rPr>
               <a:t>&gt; </a:t>
             </a:r>
-            <a:endParaRPr lang="en-US" sz="1800" dirty="0">
-              <a:latin typeface="Courier New"/>
-              <a:cs typeface="Courier New"/>
-            </a:endParaRPr>
           </a:p>
         </p:txBody>
       </p:sp>
@@ -44676,13 +43868,6 @@
   <p:clrMapOvr>
     <a:masterClrMapping/>
   </p:clrMapOvr>
-  <p:timing>
-    <p:tnLst>
-      <p:par>
-        <p:cTn xmlns:p14="http://schemas.microsoft.com/office/powerpoint/2010/main" id="1" dur="indefinite" restart="never" nodeType="tmRoot"/>
-      </p:par>
-    </p:tnLst>
-  </p:timing>
 </p:sld>
 </file>
 
@@ -45316,7 +44501,7 @@
               <a:t>/* Get </a:t>
             </a:r>
             <a:r>
-              <a:rPr lang="en-US" sz="1600" dirty="0" err="1" smtClean="0">
+              <a:rPr lang="en-US" sz="1600" dirty="0" err="1">
                 <a:solidFill>
                   <a:srgbClr val="CB2418"/>
                 </a:solidFill>
@@ -45325,22 +44510,13 @@
               <a:t>addr</a:t>
             </a:r>
             <a:r>
-              <a:rPr lang="en-US" sz="1600" dirty="0" smtClean="0">
+              <a:rPr lang="en-US" sz="1600" dirty="0">
                 <a:solidFill>
                   <a:srgbClr val="CB2418"/>
                 </a:solidFill>
                 <a:latin typeface="Menlo-Regular"/>
               </a:rPr>
-              <a:t> </a:t>
-            </a:r>
-            <a:r>
-              <a:rPr lang="en-US" sz="1600" dirty="0">
-                <a:solidFill>
-                  <a:srgbClr val="CB2418"/>
-                </a:solidFill>
-                <a:latin typeface="Menlo-Regular"/>
-              </a:rPr>
-              <a:t>of </a:t>
+              <a:t> of </a:t>
             </a:r>
             <a:r>
               <a:rPr lang="en-US" sz="1600" dirty="0" err="1">
@@ -45834,14 +45010,14 @@
           <a:p>
             <a:pPr algn="ctr"/>
             <a:r>
-              <a:rPr lang="en-US" dirty="0" smtClean="0"/>
+              <a:rPr lang="en-US" dirty="0"/>
               <a:t>Load/Run-time </a:t>
             </a:r>
             <a:br>
-              <a:rPr lang="en-US" dirty="0" smtClean="0"/>
+              <a:rPr lang="en-US" dirty="0"/>
             </a:br>
             <a:r>
-              <a:rPr lang="en-US" dirty="0" err="1" smtClean="0"/>
+              <a:rPr lang="en-US" dirty="0" err="1"/>
               <a:t>Interpositioning</a:t>
             </a:r>
             <a:endParaRPr lang="en-US" dirty="0"/>
@@ -45871,7 +45047,7 @@
           <a:lstStyle/>
           <a:p>
             <a:r>
-              <a:rPr lang="en-US" sz="1800" dirty="0" err="1" smtClean="0">
+              <a:rPr lang="en-US" sz="1800" dirty="0" err="1">
                 <a:solidFill>
                   <a:srgbClr val="7F7F7F"/>
                 </a:solidFill>
@@ -45880,7 +45056,7 @@
               </a:rPr>
               <a:t>mymalloc.c</a:t>
             </a:r>
-            <a:endParaRPr lang="en-US" sz="1800" dirty="0" smtClean="0">
+            <a:endParaRPr lang="en-US" sz="1800" dirty="0">
               <a:solidFill>
                 <a:srgbClr val="7F7F7F"/>
               </a:solidFill>
@@ -45895,13 +45071,6 @@
   <p:clrMapOvr>
     <a:masterClrMapping/>
   </p:clrMapOvr>
-  <p:timing>
-    <p:tnLst>
-      <p:par>
-        <p:cTn xmlns:p14="http://schemas.microsoft.com/office/powerpoint/2010/main" id="1" dur="indefinite" restart="never" nodeType="tmRoot"/>
-      </p:par>
-    </p:tnLst>
-  </p:timing>
 </p:sld>
 </file>
 
@@ -45938,11 +45107,11 @@
           <a:lstStyle/>
           <a:p>
             <a:r>
-              <a:rPr lang="en-US" dirty="0" smtClean="0"/>
+              <a:rPr lang="en-US" dirty="0"/>
               <a:t>Load/Run-time </a:t>
             </a:r>
             <a:r>
-              <a:rPr lang="en-US" dirty="0" err="1" smtClean="0"/>
+              <a:rPr lang="en-US" dirty="0" err="1"/>
               <a:t>Interpositioning</a:t>
             </a:r>
             <a:endParaRPr lang="en-US" dirty="0"/>
@@ -46742,7 +45911,7 @@
           <a:lstStyle/>
           <a:p>
             <a:r>
-              <a:rPr lang="en-US" sz="1800" dirty="0" err="1" smtClean="0">
+              <a:rPr lang="en-US" sz="1800" dirty="0" err="1">
                 <a:solidFill>
                   <a:srgbClr val="7F7F7F"/>
                 </a:solidFill>
@@ -46751,7 +45920,7 @@
               </a:rPr>
               <a:t>mymalloc.c</a:t>
             </a:r>
-            <a:endParaRPr lang="en-US" sz="1800" dirty="0" smtClean="0">
+            <a:endParaRPr lang="en-US" sz="1800" dirty="0">
               <a:solidFill>
                 <a:srgbClr val="7F7F7F"/>
               </a:solidFill>
@@ -46771,13 +45940,6 @@
   <p:clrMapOvr>
     <a:masterClrMapping/>
   </p:clrMapOvr>
-  <p:timing>
-    <p:tnLst>
-      <p:par>
-        <p:cTn xmlns:p14="http://schemas.microsoft.com/office/powerpoint/2010/main" id="1" dur="indefinite" restart="never" nodeType="tmRoot"/>
-      </p:par>
-    </p:tnLst>
-  </p:timing>
 </p:sld>
 </file>
 
@@ -46814,11 +45976,11 @@
           <a:lstStyle/>
           <a:p>
             <a:r>
-              <a:rPr lang="en-US" dirty="0" smtClean="0"/>
+              <a:rPr lang="en-US" dirty="0"/>
               <a:t>Load/Run-time </a:t>
             </a:r>
             <a:r>
-              <a:rPr lang="en-US" dirty="0" err="1" smtClean="0"/>
+              <a:rPr lang="en-US" dirty="0" err="1"/>
               <a:t>Interpositioning</a:t>
             </a:r>
             <a:endParaRPr lang="en-US" dirty="0"/>
@@ -46846,47 +46008,47 @@
           <a:lstStyle/>
           <a:p>
             <a:r>
-              <a:rPr lang="en-US" dirty="0" smtClean="0"/>
+              <a:rPr lang="en-US" dirty="0"/>
               <a:t> </a:t>
             </a:r>
             <a:r>
-              <a:rPr lang="en-US" dirty="0" smtClean="0">
+              <a:rPr lang="en-US" dirty="0">
                 <a:latin typeface="Courier New"/>
                 <a:cs typeface="Courier New"/>
               </a:rPr>
               <a:t>The LD_PRELOAD </a:t>
             </a:r>
             <a:r>
-              <a:rPr lang="en-US" dirty="0" smtClean="0"/>
+              <a:rPr lang="en-US" dirty="0"/>
               <a:t>environment variable tells the dynamic linker to resolve unresolved refs (e.g., to </a:t>
             </a:r>
             <a:r>
-              <a:rPr lang="en-US" dirty="0" err="1" smtClean="0">
+              <a:rPr lang="en-US" dirty="0" err="1">
                 <a:latin typeface="Courier New"/>
                 <a:cs typeface="Courier New"/>
               </a:rPr>
               <a:t>malloc</a:t>
             </a:r>
             <a:r>
-              <a:rPr lang="en-US" dirty="0" smtClean="0">
+              <a:rPr lang="en-US" dirty="0">
                 <a:latin typeface="Courier New"/>
                 <a:cs typeface="Courier New"/>
               </a:rPr>
               <a:t>)</a:t>
             </a:r>
             <a:r>
-              <a:rPr lang="en-US" dirty="0" smtClean="0"/>
+              <a:rPr lang="en-US" dirty="0"/>
               <a:t>by looking in </a:t>
             </a:r>
             <a:r>
-              <a:rPr lang="en-US" dirty="0" err="1" smtClean="0">
+              <a:rPr lang="en-US" dirty="0" err="1">
                 <a:latin typeface="Courier New"/>
                 <a:cs typeface="Courier New"/>
               </a:rPr>
               <a:t>mymalloc.so</a:t>
             </a:r>
             <a:r>
-              <a:rPr lang="en-US" dirty="0" smtClean="0"/>
+              <a:rPr lang="en-US" dirty="0"/>
               <a:t> first.</a:t>
             </a:r>
           </a:p>
@@ -46926,25 +46088,18 @@
           <a:lstStyle/>
           <a:p>
             <a:r>
-              <a:rPr lang="en-US" sz="1800" dirty="0" err="1" smtClean="0">
+              <a:rPr lang="en-US" sz="1800" dirty="0" err="1">
                 <a:latin typeface="Courier New"/>
                 <a:cs typeface="Courier New"/>
               </a:rPr>
               <a:t>linux</a:t>
-            </a:r>
-            <a:r>
-              <a:rPr lang="en-US" sz="1800" dirty="0" smtClean="0">
-                <a:latin typeface="Courier New"/>
-                <a:cs typeface="Courier New"/>
-              </a:rPr>
-              <a:t>&gt; </a:t>
             </a:r>
             <a:r>
               <a:rPr lang="en-US" sz="1800" dirty="0">
                 <a:latin typeface="Courier New"/>
                 <a:cs typeface="Courier New"/>
               </a:rPr>
-              <a:t>make </a:t>
+              <a:t>&gt; make </a:t>
             </a:r>
             <a:r>
               <a:rPr lang="en-US" sz="1800" dirty="0" err="1">
@@ -47070,25 +46225,18 @@
           </a:p>
           <a:p>
             <a:r>
-              <a:rPr lang="en-US" sz="1800" dirty="0" err="1" smtClean="0">
+              <a:rPr lang="en-US" sz="1800" dirty="0" err="1">
                 <a:latin typeface="Courier New"/>
                 <a:cs typeface="Courier New"/>
               </a:rPr>
               <a:t>linux</a:t>
-            </a:r>
-            <a:r>
-              <a:rPr lang="en-US" sz="1800" dirty="0" smtClean="0">
-                <a:latin typeface="Courier New"/>
-                <a:cs typeface="Courier New"/>
-              </a:rPr>
-              <a:t>&gt; </a:t>
             </a:r>
             <a:r>
               <a:rPr lang="en-US" sz="1800" dirty="0">
                 <a:latin typeface="Courier New"/>
                 <a:cs typeface="Courier New"/>
               </a:rPr>
-              <a:t>make </a:t>
+              <a:t>&gt; make </a:t>
             </a:r>
             <a:r>
               <a:rPr lang="en-US" sz="1800" dirty="0" err="1">
@@ -47159,23 +46307,19 @@
           </a:p>
           <a:p>
             <a:r>
-              <a:rPr lang="en-US" sz="1800" dirty="0" err="1" smtClean="0">
+              <a:rPr lang="en-US" sz="1800" dirty="0" err="1">
                 <a:latin typeface="Courier New"/>
                 <a:cs typeface="Courier New"/>
               </a:rPr>
               <a:t>linux</a:t>
             </a:r>
             <a:r>
-              <a:rPr lang="en-US" sz="1800" dirty="0" smtClean="0">
+              <a:rPr lang="en-US" sz="1800" dirty="0">
                 <a:latin typeface="Courier New"/>
                 <a:cs typeface="Courier New"/>
               </a:rPr>
               <a:t>&gt;</a:t>
             </a:r>
-            <a:endParaRPr lang="en-US" sz="1800" dirty="0">
-              <a:latin typeface="Courier New"/>
-              <a:cs typeface="Courier New"/>
-            </a:endParaRPr>
           </a:p>
         </p:txBody>
       </p:sp>
@@ -47184,13 +46328,6 @@
   <p:clrMapOvr>
     <a:masterClrMapping/>
   </p:clrMapOvr>
-  <p:timing>
-    <p:tnLst>
-      <p:par>
-        <p:cTn xmlns:p14="http://schemas.microsoft.com/office/powerpoint/2010/main" id="1" dur="indefinite" restart="never" nodeType="tmRoot"/>
-      </p:par>
-    </p:tnLst>
-  </p:timing>
 </p:sld>
 </file>
 
@@ -47227,14 +46364,13 @@
           <a:lstStyle/>
           <a:p>
             <a:r>
-              <a:rPr lang="en-US" dirty="0" err="1" smtClean="0"/>
+              <a:rPr lang="en-US" dirty="0" err="1"/>
               <a:t>Interpositioning</a:t>
             </a:r>
             <a:r>
-              <a:rPr lang="en-US" dirty="0" smtClean="0"/>
+              <a:rPr lang="en-US" dirty="0"/>
               <a:t> Recap</a:t>
             </a:r>
-            <a:endParaRPr lang="en-US" dirty="0"/>
           </a:p>
         </p:txBody>
       </p:sp>
@@ -47254,110 +46390,110 @@
           <a:lstStyle/>
           <a:p>
             <a:r>
-              <a:rPr lang="en-US" dirty="0" smtClean="0"/>
+              <a:rPr lang="en-US" dirty="0"/>
               <a:t>Compile Time</a:t>
             </a:r>
           </a:p>
           <a:p>
             <a:pPr lvl="1"/>
             <a:r>
-              <a:rPr lang="en-US" dirty="0" smtClean="0"/>
+              <a:rPr lang="en-US" dirty="0"/>
               <a:t>Apparent calls to </a:t>
             </a:r>
             <a:r>
-              <a:rPr lang="en-US" dirty="0" err="1" smtClean="0"/>
+              <a:rPr lang="en-US" dirty="0" err="1"/>
               <a:t>malloc</a:t>
             </a:r>
             <a:r>
-              <a:rPr lang="en-US" dirty="0" smtClean="0"/>
+              <a:rPr lang="en-US" dirty="0"/>
               <a:t>/free get macro-expanded into calls to </a:t>
             </a:r>
             <a:r>
-              <a:rPr lang="en-US" dirty="0" err="1" smtClean="0"/>
+              <a:rPr lang="en-US" dirty="0" err="1"/>
               <a:t>mymalloc</a:t>
             </a:r>
             <a:r>
-              <a:rPr lang="en-US" dirty="0" smtClean="0"/>
+              <a:rPr lang="en-US" dirty="0"/>
               <a:t>/</a:t>
             </a:r>
             <a:r>
-              <a:rPr lang="en-US" dirty="0" err="1" smtClean="0"/>
+              <a:rPr lang="en-US" dirty="0" err="1"/>
               <a:t>myfree</a:t>
             </a:r>
-            <a:endParaRPr lang="en-US" dirty="0" smtClean="0"/>
-          </a:p>
-          <a:p>
-            <a:r>
-              <a:rPr lang="en-US" dirty="0" smtClean="0"/>
+            <a:endParaRPr lang="en-US" dirty="0"/>
+          </a:p>
+          <a:p>
+            <a:r>
+              <a:rPr lang="en-US" dirty="0"/>
               <a:t>Link Time</a:t>
             </a:r>
           </a:p>
           <a:p>
             <a:pPr lvl="1"/>
             <a:r>
-              <a:rPr lang="en-US" dirty="0" smtClean="0"/>
+              <a:rPr lang="en-US" dirty="0"/>
               <a:t>Use linker trick to have special name resolutions</a:t>
             </a:r>
           </a:p>
           <a:p>
             <a:pPr lvl="2"/>
             <a:r>
-              <a:rPr lang="en-US" dirty="0" err="1" smtClean="0"/>
+              <a:rPr lang="en-US" dirty="0" err="1"/>
               <a:t>malloc</a:t>
             </a:r>
             <a:r>
-              <a:rPr lang="en-US" dirty="0" smtClean="0"/>
+              <a:rPr lang="en-US" dirty="0"/>
               <a:t> </a:t>
             </a:r>
             <a:r>
-              <a:rPr lang="en-US" dirty="0" smtClean="0">
+              <a:rPr lang="en-US" dirty="0">
                 <a:sym typeface="Wingdings" pitchFamily="2" charset="2"/>
               </a:rPr>
               <a:t> __</a:t>
             </a:r>
             <a:r>
-              <a:rPr lang="en-US" dirty="0" err="1" smtClean="0">
+              <a:rPr lang="en-US" dirty="0" err="1">
                 <a:sym typeface="Wingdings" pitchFamily="2" charset="2"/>
               </a:rPr>
               <a:t>wrap_malloc</a:t>
             </a:r>
-            <a:endParaRPr lang="en-US" dirty="0" smtClean="0">
+            <a:endParaRPr lang="en-US" dirty="0">
               <a:sym typeface="Wingdings" pitchFamily="2" charset="2"/>
             </a:endParaRPr>
           </a:p>
           <a:p>
             <a:pPr lvl="2"/>
             <a:r>
-              <a:rPr lang="en-US" dirty="0" smtClean="0">
+              <a:rPr lang="en-US" dirty="0">
                 <a:sym typeface="Wingdings" pitchFamily="2" charset="2"/>
               </a:rPr>
               <a:t>__</a:t>
             </a:r>
             <a:r>
-              <a:rPr lang="en-US" dirty="0" err="1" smtClean="0">
+              <a:rPr lang="en-US" dirty="0" err="1">
                 <a:sym typeface="Wingdings" pitchFamily="2" charset="2"/>
               </a:rPr>
               <a:t>real_malloc</a:t>
             </a:r>
             <a:r>
-              <a:rPr lang="en-US" dirty="0" smtClean="0">
+              <a:rPr lang="en-US" dirty="0">
                 <a:sym typeface="Wingdings" pitchFamily="2" charset="2"/>
               </a:rPr>
               <a:t>  </a:t>
             </a:r>
             <a:r>
-              <a:rPr lang="en-US" dirty="0" err="1" smtClean="0">
+              <a:rPr lang="en-US" dirty="0" err="1">
                 <a:sym typeface="Wingdings" pitchFamily="2" charset="2"/>
               </a:rPr>
               <a:t>malloc</a:t>
             </a:r>
-            <a:endParaRPr lang="en-US" dirty="0" smtClean="0">
+            <a:endParaRPr lang="en-US" dirty="0">
               <a:sym typeface="Wingdings" pitchFamily="2" charset="2"/>
             </a:endParaRPr>
           </a:p>
           <a:p>
             <a:r>
-              <a:rPr lang="en-US" dirty="0" smtClean="0">
+              <a:rPr lang="en-US" dirty="0">
                 <a:sym typeface="Wingdings" pitchFamily="2" charset="2"/>
               </a:rPr>
               <a:t>Load/Run Time</a:t>
@@ -47366,31 +46502,31 @@
           <a:p>
             <a:pPr lvl="1"/>
             <a:r>
-              <a:rPr lang="en-US" dirty="0" smtClean="0">
+              <a:rPr lang="en-US" dirty="0">
                 <a:sym typeface="Wingdings" pitchFamily="2" charset="2"/>
               </a:rPr>
               <a:t>Implement custom version of </a:t>
             </a:r>
             <a:r>
-              <a:rPr lang="en-US" dirty="0" err="1" smtClean="0">
+              <a:rPr lang="en-US" dirty="0" err="1">
                 <a:sym typeface="Wingdings" pitchFamily="2" charset="2"/>
               </a:rPr>
               <a:t>malloc</a:t>
             </a:r>
             <a:r>
-              <a:rPr lang="en-US" dirty="0" smtClean="0">
+              <a:rPr lang="en-US" dirty="0">
                 <a:sym typeface="Wingdings" pitchFamily="2" charset="2"/>
               </a:rPr>
               <a:t>/free that use dynamic linking to load library </a:t>
             </a:r>
             <a:r>
-              <a:rPr lang="en-US" dirty="0" err="1" smtClean="0">
+              <a:rPr lang="en-US" dirty="0" err="1">
                 <a:sym typeface="Wingdings" pitchFamily="2" charset="2"/>
               </a:rPr>
               <a:t>malloc</a:t>
             </a:r>
             <a:r>
-              <a:rPr lang="en-US" dirty="0" smtClean="0">
+              <a:rPr lang="en-US" dirty="0">
                 <a:sym typeface="Wingdings" pitchFamily="2" charset="2"/>
               </a:rPr>
               <a:t>/free under different names</a:t>
@@ -47404,13 +46540,6 @@
   <p:clrMapOvr>
     <a:masterClrMapping/>
   </p:clrMapOvr>
-  <p:timing>
-    <p:tnLst>
-      <p:par>
-        <p:cTn xmlns:p14="http://schemas.microsoft.com/office/powerpoint/2010/main" id="1" dur="indefinite" restart="never" nodeType="tmRoot"/>
-      </p:par>
-    </p:tnLst>
-  </p:timing>
 </p:sld>
 </file>
 
@@ -47447,10 +46576,9 @@
           <a:lstStyle/>
           <a:p>
             <a:r>
-              <a:rPr lang="en-US" smtClean="0"/>
+              <a:rPr lang="en-US"/>
               <a:t>Why Linkers?</a:t>
             </a:r>
-            <a:endParaRPr lang="en-US"/>
           </a:p>
         </p:txBody>
       </p:sp>
@@ -47470,38 +46598,37 @@
           <a:lstStyle/>
           <a:p>
             <a:r>
-              <a:rPr lang="en-US" dirty="0" smtClean="0"/>
+              <a:rPr lang="en-US" dirty="0"/>
               <a:t>Reason 1: Modularity</a:t>
             </a:r>
           </a:p>
           <a:p>
-            <a:endParaRPr lang="en-US" dirty="0" smtClean="0"/>
+            <a:endParaRPr lang="en-US" dirty="0"/>
           </a:p>
           <a:p>
             <a:pPr lvl="1"/>
             <a:r>
-              <a:rPr lang="en-US" dirty="0" smtClean="0"/>
+              <a:rPr lang="en-US" dirty="0"/>
               <a:t>Program can be written as a collection of smaller source files, rather than one monolithic mass.</a:t>
             </a:r>
           </a:p>
           <a:p>
             <a:pPr lvl="1"/>
-            <a:endParaRPr lang="en-US" dirty="0" smtClean="0"/>
+            <a:endParaRPr lang="en-US" dirty="0"/>
           </a:p>
           <a:p>
             <a:pPr lvl="1"/>
             <a:r>
-              <a:rPr lang="en-US" dirty="0" smtClean="0"/>
+              <a:rPr lang="en-US" dirty="0"/>
               <a:t>Can build libraries of common functions (more on this later)</a:t>
             </a:r>
           </a:p>
           <a:p>
             <a:pPr lvl="2"/>
             <a:r>
-              <a:rPr lang="en-US" dirty="0" smtClean="0"/>
+              <a:rPr lang="en-US" dirty="0"/>
               <a:t>e.g., Math library, standard C library</a:t>
             </a:r>
-            <a:endParaRPr lang="en-US" dirty="0"/>
           </a:p>
         </p:txBody>
       </p:sp>
@@ -47510,13 +46637,6 @@
   <p:clrMapOvr>
     <a:masterClrMapping/>
   </p:clrMapOvr>
-  <p:timing>
-    <p:tnLst>
-      <p:par>
-        <p:cTn xmlns:p14="http://schemas.microsoft.com/office/powerpoint/2010/main" id="1" dur="indefinite" restart="never" nodeType="tmRoot"/>
-      </p:par>
-    </p:tnLst>
-  </p:timing>
 </p:sld>
 </file>
 
@@ -47553,10 +46673,9 @@
           <a:lstStyle/>
           <a:p>
             <a:r>
-              <a:rPr lang="en-US" smtClean="0"/>
+              <a:rPr lang="en-US"/>
               <a:t>Why Linkers? (cont)</a:t>
             </a:r>
-            <a:endParaRPr lang="en-US"/>
           </a:p>
         </p:txBody>
       </p:sp>
@@ -47576,70 +46695,70 @@
           <a:lstStyle/>
           <a:p>
             <a:r>
-              <a:rPr lang="en-US" dirty="0" smtClean="0"/>
+              <a:rPr lang="en-US" dirty="0"/>
               <a:t>Reason 2: Efficiency</a:t>
             </a:r>
           </a:p>
           <a:p>
-            <a:endParaRPr lang="en-US" dirty="0" smtClean="0"/>
+            <a:endParaRPr lang="en-US" dirty="0"/>
           </a:p>
           <a:p>
             <a:pPr lvl="1"/>
             <a:r>
-              <a:rPr lang="en-US" dirty="0" smtClean="0"/>
+              <a:rPr lang="en-US" dirty="0"/>
               <a:t>Time: Separate compilation</a:t>
             </a:r>
           </a:p>
           <a:p>
             <a:pPr lvl="2"/>
             <a:r>
-              <a:rPr lang="en-US" dirty="0" smtClean="0"/>
+              <a:rPr lang="en-US" dirty="0"/>
               <a:t>Change one source file, compile, and then </a:t>
             </a:r>
             <a:r>
-              <a:rPr lang="en-US" dirty="0" err="1" smtClean="0"/>
+              <a:rPr lang="en-US" dirty="0" err="1"/>
               <a:t>relink</a:t>
             </a:r>
             <a:r>
-              <a:rPr lang="en-US" dirty="0" smtClean="0"/>
+              <a:rPr lang="en-US" dirty="0"/>
               <a:t>.</a:t>
             </a:r>
           </a:p>
           <a:p>
             <a:pPr lvl="2"/>
             <a:r>
-              <a:rPr lang="en-US" dirty="0" smtClean="0"/>
+              <a:rPr lang="en-US" dirty="0"/>
               <a:t>No need to recompile other source files.</a:t>
             </a:r>
           </a:p>
           <a:p>
             <a:pPr lvl="2"/>
-            <a:endParaRPr lang="en-US" dirty="0" smtClean="0"/>
+            <a:endParaRPr lang="en-US" dirty="0"/>
           </a:p>
           <a:p>
             <a:pPr lvl="1"/>
             <a:r>
-              <a:rPr lang="en-US" dirty="0" smtClean="0"/>
+              <a:rPr lang="en-US" dirty="0"/>
               <a:t>Space: Libraries </a:t>
             </a:r>
           </a:p>
           <a:p>
             <a:pPr lvl="2"/>
             <a:r>
-              <a:rPr lang="en-US" dirty="0" smtClean="0"/>
+              <a:rPr lang="en-US" dirty="0"/>
               <a:t>Common functions can be aggregated into a single file...</a:t>
             </a:r>
           </a:p>
           <a:p>
             <a:pPr lvl="2"/>
             <a:r>
-              <a:rPr lang="en-US" dirty="0" smtClean="0"/>
+              <a:rPr lang="en-US" dirty="0"/>
               <a:t>Yet executable files and running memory images contain only code for the functions they actually use.</a:t>
             </a:r>
           </a:p>
           <a:p>
             <a:pPr lvl="3"/>
-            <a:endParaRPr lang="en-US" dirty="0" smtClean="0"/>
+            <a:endParaRPr lang="en-US" dirty="0"/>
           </a:p>
           <a:p>
             <a:endParaRPr lang="en-US" dirty="0"/>
@@ -47651,14 +46770,7 @@
   <p:clrMapOvr>
     <a:masterClrMapping/>
   </p:clrMapOvr>
-  <p:transition xmlns:p14="http://schemas.microsoft.com/office/powerpoint/2010/main"/>
-  <p:timing>
-    <p:tnLst>
-      <p:par>
-        <p:cTn xmlns:p14="http://schemas.microsoft.com/office/powerpoint/2010/main" id="1" dur="indefinite" restart="never" nodeType="tmRoot"/>
-      </p:par>
-    </p:tnLst>
-  </p:timing>
+  <p:transition/>
 </p:sld>
 </file>
 
@@ -47728,15 +46840,7 @@
           <a:p>
             <a:r>
               <a:rPr lang="en-US" dirty="0"/>
-              <a:t>Step </a:t>
-            </a:r>
-            <a:r>
-              <a:rPr lang="en-US" dirty="0" smtClean="0"/>
-              <a:t>1: Symbol </a:t>
-            </a:r>
-            <a:r>
-              <a:rPr lang="en-US" dirty="0"/>
-              <a:t>resolution</a:t>
+              <a:t>Step 1: Symbol resolution</a:t>
             </a:r>
           </a:p>
           <a:p>
@@ -47755,15 +46859,7 @@
             </a:r>
             <a:r>
               <a:rPr lang="en-US" dirty="0"/>
-              <a:t> </a:t>
-            </a:r>
-            <a:r>
-              <a:rPr lang="en-US" dirty="0" smtClean="0"/>
-              <a:t>(global variables </a:t>
-            </a:r>
-            <a:r>
-              <a:rPr lang="en-US" dirty="0"/>
-              <a:t>and functions):</a:t>
+              <a:t> (global variables and functions):</a:t>
             </a:r>
           </a:p>
           <a:p>
@@ -47781,93 +46877,69 @@
               <a:rPr lang="en-US" sz="1800" b="1" dirty="0">
                 <a:latin typeface="Courier New" charset="0"/>
               </a:rPr>
-              <a:t>swap();           /* reference symbol</a:t>
-            </a:r>
-            <a:r>
-              <a:rPr lang="en-US" sz="1800" b="1" dirty="0" smtClean="0">
+              <a:t>swap();           /* reference symbol swap */</a:t>
+            </a:r>
+          </a:p>
+          <a:p>
+            <a:pPr lvl="2"/>
+            <a:r>
+              <a:rPr lang="en-US" sz="1800" b="1" dirty="0" err="1">
                 <a:latin typeface="Courier New" charset="0"/>
               </a:rPr>
-              <a:t> swap </a:t>
+              <a:t>int</a:t>
             </a:r>
             <a:r>
               <a:rPr lang="en-US" sz="1800" b="1" dirty="0">
                 <a:latin typeface="Courier New" charset="0"/>
               </a:rPr>
-              <a:t>*/</a:t>
-            </a:r>
-          </a:p>
-          <a:p>
-            <a:pPr lvl="2"/>
+              <a:t> *</a:t>
+            </a:r>
             <a:r>
               <a:rPr lang="en-US" sz="1800" b="1" dirty="0" err="1">
                 <a:latin typeface="Courier New" charset="0"/>
               </a:rPr>
-              <a:t>int</a:t>
+              <a:t>xp</a:t>
             </a:r>
             <a:r>
               <a:rPr lang="en-US" sz="1800" b="1" dirty="0">
                 <a:latin typeface="Courier New" charset="0"/>
               </a:rPr>
-              <a:t> *</a:t>
+              <a:t> = &amp;</a:t>
             </a:r>
             <a:r>
               <a:rPr lang="en-US" sz="1800" b="1" dirty="0" err="1">
                 <a:latin typeface="Courier New" charset="0"/>
               </a:rPr>
-              <a:t>xp</a:t>
+              <a:t>x</a:t>
             </a:r>
             <a:r>
               <a:rPr lang="en-US" sz="1800" b="1" dirty="0">
                 <a:latin typeface="Courier New" charset="0"/>
               </a:rPr>
-              <a:t> = &amp;</a:t>
+              <a:t>;     /* define symbol </a:t>
             </a:r>
             <a:r>
               <a:rPr lang="en-US" sz="1800" b="1" dirty="0" err="1">
                 <a:latin typeface="Courier New" charset="0"/>
               </a:rPr>
-              <a:t>x</a:t>
+              <a:t>xp</a:t>
             </a:r>
             <a:r>
               <a:rPr lang="en-US" sz="1800" b="1" dirty="0">
                 <a:latin typeface="Courier New" charset="0"/>
               </a:rPr>
-              <a:t>; </a:t>
-            </a:r>
-            <a:r>
-              <a:rPr lang="en-US" sz="1800" b="1" dirty="0" smtClean="0">
+              <a:t>, reference </a:t>
+            </a:r>
+            <a:r>
+              <a:rPr lang="en-US" sz="1800" b="1" dirty="0" err="1">
                 <a:latin typeface="Courier New" charset="0"/>
               </a:rPr>
-              <a:t>    /</a:t>
+              <a:t>x</a:t>
             </a:r>
             <a:r>
               <a:rPr lang="en-US" sz="1800" b="1" dirty="0">
                 <a:latin typeface="Courier New" charset="0"/>
               </a:rPr>
-              <a:t>* define symbol </a:t>
-            </a:r>
-            <a:r>
-              <a:rPr lang="en-US" sz="1800" b="1" dirty="0" err="1">
-                <a:latin typeface="Courier New" charset="0"/>
-              </a:rPr>
-              <a:t>xp</a:t>
-            </a:r>
-            <a:r>
-              <a:rPr lang="en-US" sz="1800" b="1" dirty="0">
-                <a:latin typeface="Courier New" charset="0"/>
-              </a:rPr>
-              <a:t>, reference </a:t>
-            </a:r>
-            <a:r>
-              <a:rPr lang="en-US" sz="1800" b="1" dirty="0" err="1">
-                <a:latin typeface="Courier New" charset="0"/>
-              </a:rPr>
-              <a:t>x</a:t>
-            </a:r>
-            <a:r>
-              <a:rPr lang="en-US" sz="1800" b="1" dirty="0">
-                <a:latin typeface="Courier New" charset="0"/>
-              </a:rPr>
               <a:t> */</a:t>
             </a:r>
             <a:endParaRPr lang="en-US" sz="1800" b="1" dirty="0"/>
@@ -47880,23 +46952,7 @@
             <a:pPr lvl="1"/>
             <a:r>
               <a:rPr lang="en-US" dirty="0"/>
-              <a:t>Symbol definitions are </a:t>
-            </a:r>
-            <a:r>
-              <a:rPr lang="en-US" dirty="0" smtClean="0"/>
-              <a:t>stored in object file </a:t>
-            </a:r>
-            <a:r>
-              <a:rPr lang="en-US" dirty="0"/>
-              <a:t>(by </a:t>
-            </a:r>
-            <a:r>
-              <a:rPr lang="en-US" dirty="0" smtClean="0"/>
-              <a:t>assembler) </a:t>
-            </a:r>
-            <a:r>
-              <a:rPr lang="en-US" dirty="0"/>
-              <a:t>in </a:t>
+              <a:t>Symbol definitions are stored in object file (by assembler) in </a:t>
             </a:r>
             <a:r>
               <a:rPr lang="en-US" i="1" dirty="0"/>
@@ -47939,20 +46995,12 @@
           <a:p>
             <a:pPr lvl="1"/>
             <a:r>
-              <a:rPr lang="en-US" b="1" dirty="0" smtClean="0">
+              <a:rPr lang="en-US" b="1" dirty="0">
                 <a:solidFill>
                   <a:srgbClr val="FF0000"/>
                 </a:solidFill>
               </a:rPr>
-              <a:t>During symbol resolution step, the linker associates </a:t>
-            </a:r>
-            <a:r>
-              <a:rPr lang="en-US" b="1" dirty="0">
-                <a:solidFill>
-                  <a:srgbClr val="FF0000"/>
-                </a:solidFill>
-              </a:rPr>
-              <a:t>each symbol reference with exactly one symbol definition.</a:t>
+              <a:t>During symbol resolution step, the linker associates each symbol reference with exactly one symbol definition.</a:t>
             </a:r>
           </a:p>
           <a:p>
@@ -47965,13 +47013,6 @@
   <p:clrMapOvr>
     <a:masterClrMapping/>
   </p:clrMapOvr>
-  <p:timing>
-    <p:tnLst>
-      <p:par>
-        <p:cTn xmlns:p14="http://schemas.microsoft.com/office/powerpoint/2010/main" id="1" dur="indefinite" restart="never" nodeType="tmRoot"/>
-      </p:par>
-    </p:tnLst>
-  </p:timing>
 </p:sld>
 </file>
 
@@ -48008,10 +47049,9 @@
           <a:lstStyle/>
           <a:p>
             <a:r>
-              <a:rPr lang="en-US" smtClean="0"/>
+              <a:rPr lang="en-US"/>
               <a:t>What Do Linkers Do? (cont)</a:t>
             </a:r>
-            <a:endParaRPr lang="en-US"/>
           </a:p>
         </p:txBody>
       </p:sp>
@@ -48031,58 +47071,58 @@
           <a:lstStyle/>
           <a:p>
             <a:r>
-              <a:rPr lang="en-US" dirty="0" smtClean="0"/>
+              <a:rPr lang="en-US" dirty="0"/>
               <a:t>Step 2: Relocation</a:t>
             </a:r>
           </a:p>
           <a:p>
             <a:pPr lvl="1"/>
-            <a:endParaRPr lang="en-US" dirty="0" smtClean="0"/>
+            <a:endParaRPr lang="en-US" dirty="0"/>
           </a:p>
           <a:p>
             <a:pPr lvl="1"/>
             <a:r>
-              <a:rPr lang="en-US" dirty="0" smtClean="0"/>
+              <a:rPr lang="en-US" dirty="0"/>
               <a:t>Merges separate code and data sections into single sections</a:t>
             </a:r>
           </a:p>
           <a:p>
             <a:pPr lvl="1"/>
-            <a:endParaRPr lang="en-US" dirty="0" smtClean="0"/>
+            <a:endParaRPr lang="en-US" dirty="0"/>
           </a:p>
           <a:p>
             <a:pPr lvl="1"/>
             <a:r>
-              <a:rPr lang="en-US" dirty="0" smtClean="0"/>
+              <a:rPr lang="en-US" dirty="0"/>
               <a:t>Relocates symbols from their relative locations in the </a:t>
             </a:r>
             <a:r>
-              <a:rPr lang="en-US" dirty="0" smtClean="0">
+              <a:rPr lang="en-US" dirty="0">
                 <a:latin typeface="Courier New"/>
                 <a:cs typeface="Courier New"/>
               </a:rPr>
               <a:t>.</a:t>
             </a:r>
             <a:r>
-              <a:rPr lang="en-US" dirty="0" err="1" smtClean="0">
+              <a:rPr lang="en-US" dirty="0" err="1">
                 <a:latin typeface="Courier New"/>
                 <a:cs typeface="Courier New"/>
               </a:rPr>
               <a:t>o</a:t>
             </a:r>
             <a:r>
-              <a:rPr lang="en-US" dirty="0" smtClean="0"/>
+              <a:rPr lang="en-US" dirty="0"/>
               <a:t> files to their final absolute memory locations in the executable.</a:t>
             </a:r>
           </a:p>
           <a:p>
             <a:pPr lvl="1"/>
-            <a:endParaRPr lang="en-US" dirty="0" smtClean="0"/>
+            <a:endParaRPr lang="en-US" dirty="0"/>
           </a:p>
           <a:p>
             <a:pPr lvl="1"/>
             <a:r>
-              <a:rPr lang="en-US" dirty="0" smtClean="0"/>
+              <a:rPr lang="en-US" dirty="0"/>
               <a:t>Updates all references to these symbols to reflect their new positions.</a:t>
             </a:r>
           </a:p>
@@ -48114,7 +47154,7 @@
           <a:lstStyle/>
           <a:p>
             <a:r>
-              <a:rPr lang="en-US" dirty="0" smtClean="0">
+              <a:rPr lang="en-US" dirty="0">
                 <a:latin typeface="Calibri" pitchFamily="34" charset="0"/>
               </a:rPr>
               <a:t>Let’s look at these two steps in more detail….</a:t>
@@ -48127,14 +47167,7 @@
   <p:clrMapOvr>
     <a:masterClrMapping/>
   </p:clrMapOvr>
-  <p:transition xmlns:p14="http://schemas.microsoft.com/office/powerpoint/2010/main"/>
-  <p:timing>
-    <p:tnLst>
-      <p:par>
-        <p:cTn xmlns:p14="http://schemas.microsoft.com/office/powerpoint/2010/main" id="1" dur="indefinite" restart="never" nodeType="tmRoot"/>
-      </p:par>
-    </p:tnLst>
-  </p:timing>
+  <p:transition/>
 </p:sld>
 </file>
 
@@ -48171,10 +47204,9 @@
           <a:lstStyle/>
           <a:p>
             <a:r>
-              <a:rPr lang="en-US" smtClean="0"/>
+              <a:rPr lang="en-US"/>
               <a:t>Three Kinds of Object Files (Modules)</a:t>
             </a:r>
-            <a:endParaRPr lang="en-US"/>
           </a:p>
         </p:txBody>
       </p:sp>
@@ -48194,137 +47226,137 @@
           <a:lstStyle/>
           <a:p>
             <a:r>
-              <a:rPr lang="en-US" dirty="0" smtClean="0"/>
+              <a:rPr lang="en-US" dirty="0"/>
               <a:t>Relocatable object file (</a:t>
             </a:r>
             <a:r>
-              <a:rPr lang="en-US" dirty="0" smtClean="0">
+              <a:rPr lang="en-US" dirty="0">
                 <a:latin typeface="Courier New"/>
                 <a:cs typeface="Courier New"/>
               </a:rPr>
               <a:t>.o</a:t>
             </a:r>
             <a:r>
-              <a:rPr lang="en-US" dirty="0" smtClean="0"/>
+              <a:rPr lang="en-US" dirty="0"/>
               <a:t> file)</a:t>
             </a:r>
           </a:p>
           <a:p>
             <a:pPr lvl="1"/>
             <a:r>
-              <a:rPr lang="en-US" dirty="0" smtClean="0"/>
+              <a:rPr lang="en-US" dirty="0"/>
               <a:t>Contains code and data in a form that can be combined with other relocatable object files to form executable object file.</a:t>
             </a:r>
           </a:p>
           <a:p>
             <a:pPr lvl="2"/>
             <a:r>
-              <a:rPr lang="en-US" dirty="0" smtClean="0"/>
+              <a:rPr lang="en-US" dirty="0"/>
               <a:t>Each </a:t>
             </a:r>
             <a:r>
-              <a:rPr lang="en-US" dirty="0" smtClean="0">
+              <a:rPr lang="en-US" dirty="0">
                 <a:latin typeface="Courier New"/>
                 <a:cs typeface="Courier New"/>
               </a:rPr>
               <a:t>.</a:t>
             </a:r>
             <a:r>
-              <a:rPr lang="en-US" dirty="0" err="1" smtClean="0">
+              <a:rPr lang="en-US" dirty="0" err="1">
                 <a:latin typeface="Courier New"/>
                 <a:cs typeface="Courier New"/>
               </a:rPr>
               <a:t>o</a:t>
             </a:r>
             <a:r>
-              <a:rPr lang="en-US" dirty="0" smtClean="0"/>
+              <a:rPr lang="en-US" dirty="0"/>
               <a:t> file is produced from exactly one source (</a:t>
             </a:r>
             <a:r>
-              <a:rPr lang="en-US" dirty="0" smtClean="0">
+              <a:rPr lang="en-US" dirty="0">
                 <a:latin typeface="Courier New"/>
                 <a:cs typeface="Courier New"/>
               </a:rPr>
               <a:t>.</a:t>
             </a:r>
             <a:r>
-              <a:rPr lang="en-US" dirty="0" err="1" smtClean="0">
+              <a:rPr lang="en-US" dirty="0" err="1">
                 <a:latin typeface="Courier New"/>
                 <a:cs typeface="Courier New"/>
               </a:rPr>
               <a:t>c</a:t>
             </a:r>
             <a:r>
-              <a:rPr lang="en-US" dirty="0" smtClean="0"/>
+              <a:rPr lang="en-US" dirty="0"/>
               <a:t>) file</a:t>
             </a:r>
           </a:p>
           <a:p>
-            <a:endParaRPr lang="en-US" dirty="0" smtClean="0"/>
-          </a:p>
-          <a:p>
-            <a:r>
-              <a:rPr lang="en-US" dirty="0" smtClean="0"/>
+            <a:endParaRPr lang="en-US" dirty="0"/>
+          </a:p>
+          <a:p>
+            <a:r>
+              <a:rPr lang="en-US" dirty="0"/>
               <a:t>Executable object file (</a:t>
             </a:r>
             <a:r>
-              <a:rPr lang="en-US" dirty="0" err="1" smtClean="0">
+              <a:rPr lang="en-US" dirty="0" err="1">
                 <a:latin typeface="Courier New"/>
                 <a:cs typeface="Courier New"/>
               </a:rPr>
               <a:t>a.out</a:t>
             </a:r>
             <a:r>
-              <a:rPr lang="en-US" dirty="0" smtClean="0"/>
+              <a:rPr lang="en-US" dirty="0"/>
               <a:t> file)</a:t>
             </a:r>
           </a:p>
           <a:p>
             <a:pPr lvl="1"/>
             <a:r>
-              <a:rPr lang="en-US" dirty="0" smtClean="0"/>
+              <a:rPr lang="en-US" dirty="0"/>
               <a:t>Contains code and data in a form that can be copied directly into memory and then executed.</a:t>
             </a:r>
           </a:p>
           <a:p>
-            <a:endParaRPr lang="en-US" dirty="0" smtClean="0"/>
-          </a:p>
-          <a:p>
-            <a:r>
-              <a:rPr lang="en-US" dirty="0" smtClean="0"/>
+            <a:endParaRPr lang="en-US" dirty="0"/>
+          </a:p>
+          <a:p>
+            <a:r>
+              <a:rPr lang="en-US" dirty="0"/>
               <a:t>Shared object file (</a:t>
             </a:r>
             <a:r>
-              <a:rPr lang="en-US" dirty="0" smtClean="0">
+              <a:rPr lang="en-US" dirty="0">
                 <a:latin typeface="Courier New"/>
                 <a:cs typeface="Courier New"/>
               </a:rPr>
               <a:t>.so </a:t>
             </a:r>
             <a:r>
-              <a:rPr lang="en-US" dirty="0" smtClean="0"/>
+              <a:rPr lang="en-US" dirty="0"/>
               <a:t>file)</a:t>
             </a:r>
           </a:p>
           <a:p>
             <a:pPr lvl="1"/>
             <a:r>
-              <a:rPr lang="en-US" dirty="0" smtClean="0"/>
+              <a:rPr lang="en-US" dirty="0"/>
               <a:t>Special type of relocatable object file that can be loaded into memory and linked dynamically, at either load time or run-time.</a:t>
             </a:r>
           </a:p>
           <a:p>
             <a:pPr lvl="1"/>
             <a:r>
-              <a:rPr lang="en-US" dirty="0" smtClean="0"/>
+              <a:rPr lang="en-US" dirty="0"/>
               <a:t>Called </a:t>
             </a:r>
             <a:r>
-              <a:rPr lang="en-US" i="1" dirty="0" smtClean="0"/>
+              <a:rPr lang="en-US" i="1" dirty="0"/>
               <a:t>Dynamic Link Libraries</a:t>
             </a:r>
             <a:r>
-              <a:rPr lang="en-US" dirty="0" smtClean="0"/>
+              <a:rPr lang="en-US" dirty="0"/>
               <a:t> (DLLs) by Windows</a:t>
             </a:r>
           </a:p>
@@ -48339,14 +47371,7 @@
   <p:clrMapOvr>
     <a:masterClrMapping/>
   </p:clrMapOvr>
-  <p:transition xmlns:p14="http://schemas.microsoft.com/office/powerpoint/2010/main"/>
-  <p:timing>
-    <p:tnLst>
-      <p:par>
-        <p:cTn xmlns:p14="http://schemas.microsoft.com/office/powerpoint/2010/main" id="1" dur="indefinite" restart="never" nodeType="tmRoot"/>
-      </p:par>
-    </p:tnLst>
-  </p:timing>
+  <p:transition/>
 </p:sld>
 </file>
 

--- a/learning note/CSAPP-ppt/13-linking.pptx
+++ b/learning note/CSAPP-ppt/13-linking.pptx
@@ -6992,12 +6992,20 @@
             <a:br>
               <a:rPr lang="en-US" dirty="0"/>
             </a:br>
+            <a:r>
+              <a:rPr lang="en-US" dirty="0"/>
+              <a:t/>
+            </a:r>
             <a:br>
               <a:rPr lang="en-US" dirty="0"/>
             </a:br>
             <a:r>
               <a:rPr lang="en-US" sz="2000" b="0" dirty="0"/>
               <a:t>15-213: Introduction to Computer Systems</a:t>
+            </a:r>
+            <a:r>
+              <a:rPr lang="en-US" b="0" dirty="0"/>
+              <a:t/>
             </a:r>
             <a:br>
               <a:rPr lang="en-US" b="0" dirty="0"/>
